--- a/R/スライド/第25回.pptx
+++ b/R/スライド/第25回.pptx
@@ -6,13 +6,16 @@
   </p:sldMasterIdLst>
   <p:sldIdLst>
     <p:sldId id="257" r:id="rId2"/>
-    <p:sldId id="265" r:id="rId3"/>
-    <p:sldId id="289" r:id="rId4"/>
-    <p:sldId id="288" r:id="rId5"/>
-    <p:sldId id="290" r:id="rId6"/>
-    <p:sldId id="292" r:id="rId7"/>
-    <p:sldId id="291" r:id="rId8"/>
-    <p:sldId id="293" r:id="rId9"/>
+    <p:sldId id="272" r:id="rId3"/>
+    <p:sldId id="274" r:id="rId4"/>
+    <p:sldId id="282" r:id="rId5"/>
+    <p:sldId id="280" r:id="rId6"/>
+    <p:sldId id="284" r:id="rId7"/>
+    <p:sldId id="285" r:id="rId8"/>
+    <p:sldId id="287" r:id="rId9"/>
+    <p:sldId id="288" r:id="rId10"/>
+    <p:sldId id="281" r:id="rId11"/>
+    <p:sldId id="286" r:id="rId12"/>
   </p:sldIdLst>
   <p:sldSz cx="12192000" cy="6858000"/>
   <p:notesSz cx="6858000" cy="9144000"/>
@@ -122,7 +125,7 @@
 <file path=ppt/revisionInfo.xml><?xml version="1.0" encoding="utf-8"?>
 <p1510:revInfo xmlns:a="http://schemas.openxmlformats.org/drawingml/2006/main" xmlns:r="http://schemas.openxmlformats.org/officeDocument/2006/relationships" xmlns:p1510="http://schemas.microsoft.com/office/powerpoint/2015/10/main">
   <p1510:revLst>
-    <p1510:client id="{2AFD377D-6132-EA45-8360-9CF58E3B0902}" v="14" dt="2021-11-17T02:33:48.230"/>
+    <p1510:client id="{21E98C23-A232-0046-80A9-DB8AD6915A56}" v="1" dt="2021-11-17T03:03:33.656"/>
   </p1510:revLst>
 </p1510:revInfo>
 </file>
@@ -130,187 +133,249 @@
 <file path=ppt/changesInfos/changesInfo1.xml><?xml version="1.0" encoding="utf-8"?>
 <pc:chgInfo xmlns:a="http://schemas.openxmlformats.org/drawingml/2006/main" xmlns:r="http://schemas.openxmlformats.org/officeDocument/2006/relationships" xmlns:ac="http://schemas.microsoft.com/office/drawing/2013/main/command" xmlns:pc="http://schemas.microsoft.com/office/powerpoint/2013/main/command">
   <pc:docChgLst>
-    <pc:chgData name="Fukui Shin" userId="6902ee70c48ce296" providerId="LiveId" clId="{2AFD377D-6132-EA45-8360-9CF58E3B0902}"/>
-    <pc:docChg chg="undo custSel modSld">
-      <pc:chgData name="Fukui Shin" userId="6902ee70c48ce296" providerId="LiveId" clId="{2AFD377D-6132-EA45-8360-9CF58E3B0902}" dt="2021-11-17T02:35:44.721" v="1239" actId="14100"/>
+    <pc:chgData name="Fukui Shin" userId="6902ee70c48ce296" providerId="LiveId" clId="{45B1E7A5-405E-B949-93C9-105066568C4B}"/>
+    <pc:docChg chg="undo custSel addSld delSld modSld">
+      <pc:chgData name="Fukui Shin" userId="6902ee70c48ce296" providerId="LiveId" clId="{45B1E7A5-405E-B949-93C9-105066568C4B}" dt="2021-07-07T06:10:42.438" v="2646" actId="20577"/>
       <pc:docMkLst>
         <pc:docMk/>
       </pc:docMkLst>
-      <pc:sldChg chg="addSp delSp modSp mod">
-        <pc:chgData name="Fukui Shin" userId="6902ee70c48ce296" providerId="LiveId" clId="{2AFD377D-6132-EA45-8360-9CF58E3B0902}" dt="2021-11-17T02:35:44.721" v="1239" actId="14100"/>
+      <pc:sldChg chg="modSp mod">
+        <pc:chgData name="Fukui Shin" userId="6902ee70c48ce296" providerId="LiveId" clId="{45B1E7A5-405E-B949-93C9-105066568C4B}" dt="2021-07-01T10:19:19.918" v="163" actId="20577"/>
         <pc:sldMkLst>
           <pc:docMk/>
-          <pc:sldMk cId="2595786992" sldId="290"/>
+          <pc:sldMk cId="2432279440" sldId="257"/>
         </pc:sldMkLst>
         <pc:spChg chg="mod">
-          <ac:chgData name="Fukui Shin" userId="6902ee70c48ce296" providerId="LiveId" clId="{2AFD377D-6132-EA45-8360-9CF58E3B0902}" dt="2021-11-08T02:21:43.441" v="11" actId="20577"/>
+          <ac:chgData name="Fukui Shin" userId="6902ee70c48ce296" providerId="LiveId" clId="{45B1E7A5-405E-B949-93C9-105066568C4B}" dt="2021-07-01T10:19:19.918" v="163" actId="20577"/>
           <ac:spMkLst>
             <pc:docMk/>
-            <pc:sldMk cId="2595786992" sldId="290"/>
-            <ac:spMk id="2" creationId="{52AC1BEC-2208-B441-A40B-CE42D1E9F678}"/>
+            <pc:sldMk cId="2432279440" sldId="257"/>
+            <ac:spMk id="3" creationId="{05D7D93A-BA42-5D47-893C-FE41C03A53E0}"/>
+          </ac:spMkLst>
+        </pc:spChg>
+      </pc:sldChg>
+      <pc:sldChg chg="del">
+        <pc:chgData name="Fukui Shin" userId="6902ee70c48ce296" providerId="LiveId" clId="{45B1E7A5-405E-B949-93C9-105066568C4B}" dt="2021-06-21T15:45:54.544" v="80" actId="2696"/>
+        <pc:sldMkLst>
+          <pc:docMk/>
+          <pc:sldMk cId="1198899771" sldId="266"/>
+        </pc:sldMkLst>
+      </pc:sldChg>
+      <pc:sldChg chg="modSp mod">
+        <pc:chgData name="Fukui Shin" userId="6902ee70c48ce296" providerId="LiveId" clId="{45B1E7A5-405E-B949-93C9-105066568C4B}" dt="2021-07-03T08:26:30.538" v="848" actId="20577"/>
+        <pc:sldMkLst>
+          <pc:docMk/>
+          <pc:sldMk cId="1501767664" sldId="272"/>
+        </pc:sldMkLst>
+        <pc:spChg chg="mod">
+          <ac:chgData name="Fukui Shin" userId="6902ee70c48ce296" providerId="LiveId" clId="{45B1E7A5-405E-B949-93C9-105066568C4B}" dt="2021-07-03T07:59:04.927" v="165" actId="20577"/>
+          <ac:spMkLst>
+            <pc:docMk/>
+            <pc:sldMk cId="1501767664" sldId="272"/>
+            <ac:spMk id="2" creationId="{68BB739B-FF50-7947-89AB-1B70AF4DD3EA}"/>
           </ac:spMkLst>
         </pc:spChg>
         <pc:spChg chg="mod">
-          <ac:chgData name="Fukui Shin" userId="6902ee70c48ce296" providerId="LiveId" clId="{2AFD377D-6132-EA45-8360-9CF58E3B0902}" dt="2021-11-08T04:14:11.966" v="859" actId="20577"/>
+          <ac:chgData name="Fukui Shin" userId="6902ee70c48ce296" providerId="LiveId" clId="{45B1E7A5-405E-B949-93C9-105066568C4B}" dt="2021-07-03T08:26:30.538" v="848" actId="20577"/>
           <ac:spMkLst>
             <pc:docMk/>
-            <pc:sldMk cId="2595786992" sldId="290"/>
-            <ac:spMk id="3" creationId="{92857569-606C-B048-BBF1-17179C8C8C9A}"/>
+            <pc:sldMk cId="1501767664" sldId="272"/>
+            <ac:spMk id="3" creationId="{B7EB713B-B0D0-A347-9D4F-48B4383A8075}"/>
           </ac:spMkLst>
         </pc:spChg>
-        <pc:spChg chg="add mod">
-          <ac:chgData name="Fukui Shin" userId="6902ee70c48ce296" providerId="LiveId" clId="{2AFD377D-6132-EA45-8360-9CF58E3B0902}" dt="2021-11-17T02:35:44.721" v="1239" actId="14100"/>
+      </pc:sldChg>
+      <pc:sldChg chg="modSp mod">
+        <pc:chgData name="Fukui Shin" userId="6902ee70c48ce296" providerId="LiveId" clId="{45B1E7A5-405E-B949-93C9-105066568C4B}" dt="2021-07-03T10:21:03.507" v="1525" actId="20577"/>
+        <pc:sldMkLst>
+          <pc:docMk/>
+          <pc:sldMk cId="1722450886" sldId="274"/>
+        </pc:sldMkLst>
+        <pc:spChg chg="mod">
+          <ac:chgData name="Fukui Shin" userId="6902ee70c48ce296" providerId="LiveId" clId="{45B1E7A5-405E-B949-93C9-105066568C4B}" dt="2021-07-03T08:39:13.034" v="902" actId="20577"/>
           <ac:spMkLst>
             <pc:docMk/>
-            <pc:sldMk cId="2595786992" sldId="290"/>
-            <ac:spMk id="10" creationId="{7920EEB4-9D5C-CE4E-8585-350A37871857}"/>
+            <pc:sldMk cId="1722450886" sldId="274"/>
+            <ac:spMk id="2" creationId="{68BB739B-FF50-7947-89AB-1B70AF4DD3EA}"/>
           </ac:spMkLst>
         </pc:spChg>
-        <pc:spChg chg="add mod">
-          <ac:chgData name="Fukui Shin" userId="6902ee70c48ce296" providerId="LiveId" clId="{2AFD377D-6132-EA45-8360-9CF58E3B0902}" dt="2021-11-17T02:33:02.165" v="1185" actId="1076"/>
+        <pc:spChg chg="mod">
+          <ac:chgData name="Fukui Shin" userId="6902ee70c48ce296" providerId="LiveId" clId="{45B1E7A5-405E-B949-93C9-105066568C4B}" dt="2021-07-03T10:21:03.507" v="1525" actId="20577"/>
           <ac:spMkLst>
             <pc:docMk/>
-            <pc:sldMk cId="2595786992" sldId="290"/>
-            <ac:spMk id="11" creationId="{ECB93667-65E8-7C48-8CED-C905124DF10C}"/>
+            <pc:sldMk cId="1722450886" sldId="274"/>
+            <ac:spMk id="3" creationId="{B7EB713B-B0D0-A347-9D4F-48B4383A8075}"/>
           </ac:spMkLst>
         </pc:spChg>
-        <pc:spChg chg="add mod">
-          <ac:chgData name="Fukui Shin" userId="6902ee70c48ce296" providerId="LiveId" clId="{2AFD377D-6132-EA45-8360-9CF58E3B0902}" dt="2021-11-17T02:32:51.119" v="1183" actId="1076"/>
+      </pc:sldChg>
+      <pc:sldChg chg="del">
+        <pc:chgData name="Fukui Shin" userId="6902ee70c48ce296" providerId="LiveId" clId="{45B1E7A5-405E-B949-93C9-105066568C4B}" dt="2021-07-03T08:27:27.529" v="853" actId="2696"/>
+        <pc:sldMkLst>
+          <pc:docMk/>
+          <pc:sldMk cId="3322847216" sldId="276"/>
+        </pc:sldMkLst>
+      </pc:sldChg>
+      <pc:sldChg chg="del">
+        <pc:chgData name="Fukui Shin" userId="6902ee70c48ce296" providerId="LiveId" clId="{45B1E7A5-405E-B949-93C9-105066568C4B}" dt="2021-06-21T15:46:05.443" v="81" actId="2696"/>
+        <pc:sldMkLst>
+          <pc:docMk/>
+          <pc:sldMk cId="3458342540" sldId="278"/>
+        </pc:sldMkLst>
+      </pc:sldChg>
+      <pc:sldChg chg="del">
+        <pc:chgData name="Fukui Shin" userId="6902ee70c48ce296" providerId="LiveId" clId="{45B1E7A5-405E-B949-93C9-105066568C4B}" dt="2021-06-21T15:45:54.544" v="80" actId="2696"/>
+        <pc:sldMkLst>
+          <pc:docMk/>
+          <pc:sldMk cId="323365537" sldId="279"/>
+        </pc:sldMkLst>
+      </pc:sldChg>
+      <pc:sldChg chg="modSp mod">
+        <pc:chgData name="Fukui Shin" userId="6902ee70c48ce296" providerId="LiveId" clId="{45B1E7A5-405E-B949-93C9-105066568C4B}" dt="2021-07-03T10:20:55.075" v="1521" actId="20577"/>
+        <pc:sldMkLst>
+          <pc:docMk/>
+          <pc:sldMk cId="623929723" sldId="280"/>
+        </pc:sldMkLst>
+        <pc:spChg chg="mod">
+          <ac:chgData name="Fukui Shin" userId="6902ee70c48ce296" providerId="LiveId" clId="{45B1E7A5-405E-B949-93C9-105066568C4B}" dt="2021-07-03T08:39:18.908" v="903"/>
           <ac:spMkLst>
             <pc:docMk/>
-            <pc:sldMk cId="2595786992" sldId="290"/>
-            <ac:spMk id="13" creationId="{368B959A-8D30-504B-90C8-34EBA867A279}"/>
+            <pc:sldMk cId="623929723" sldId="280"/>
+            <ac:spMk id="2" creationId="{68BB739B-FF50-7947-89AB-1B70AF4DD3EA}"/>
           </ac:spMkLst>
         </pc:spChg>
-        <pc:spChg chg="add mod">
-          <ac:chgData name="Fukui Shin" userId="6902ee70c48ce296" providerId="LiveId" clId="{2AFD377D-6132-EA45-8360-9CF58E3B0902}" dt="2021-11-17T02:34:30.408" v="1218" actId="688"/>
+        <pc:spChg chg="mod">
+          <ac:chgData name="Fukui Shin" userId="6902ee70c48ce296" providerId="LiveId" clId="{45B1E7A5-405E-B949-93C9-105066568C4B}" dt="2021-07-03T10:20:55.075" v="1521" actId="20577"/>
           <ac:spMkLst>
             <pc:docMk/>
-            <pc:sldMk cId="2595786992" sldId="290"/>
-            <ac:spMk id="14" creationId="{D7AEE5E8-9EF9-B44C-870D-0A7459F4E6A7}"/>
+            <pc:sldMk cId="623929723" sldId="280"/>
+            <ac:spMk id="3" creationId="{B7EB713B-B0D0-A347-9D4F-48B4383A8075}"/>
           </ac:spMkLst>
         </pc:spChg>
-        <pc:spChg chg="add del mod">
-          <ac:chgData name="Fukui Shin" userId="6902ee70c48ce296" providerId="LiveId" clId="{2AFD377D-6132-EA45-8360-9CF58E3B0902}" dt="2021-11-17T02:29:44.731" v="1028" actId="478"/>
+      </pc:sldChg>
+      <pc:sldChg chg="modSp mod">
+        <pc:chgData name="Fukui Shin" userId="6902ee70c48ce296" providerId="LiveId" clId="{45B1E7A5-405E-B949-93C9-105066568C4B}" dt="2021-07-03T08:39:23.085" v="904"/>
+        <pc:sldMkLst>
+          <pc:docMk/>
+          <pc:sldMk cId="3759911444" sldId="281"/>
+        </pc:sldMkLst>
+        <pc:spChg chg="mod">
+          <ac:chgData name="Fukui Shin" userId="6902ee70c48ce296" providerId="LiveId" clId="{45B1E7A5-405E-B949-93C9-105066568C4B}" dt="2021-07-03T08:39:23.085" v="904"/>
           <ac:spMkLst>
             <pc:docMk/>
-            <pc:sldMk cId="2595786992" sldId="290"/>
-            <ac:spMk id="17" creationId="{FB569276-9D66-E14A-923B-649BF9748222}"/>
+            <pc:sldMk cId="3759911444" sldId="281"/>
+            <ac:spMk id="2" creationId="{68BB739B-FF50-7947-89AB-1B70AF4DD3EA}"/>
           </ac:spMkLst>
         </pc:spChg>
-        <pc:spChg chg="add mod">
-          <ac:chgData name="Fukui Shin" userId="6902ee70c48ce296" providerId="LiveId" clId="{2AFD377D-6132-EA45-8360-9CF58E3B0902}" dt="2021-11-17T02:33:29.696" v="1189" actId="1076"/>
+        <pc:spChg chg="mod">
+          <ac:chgData name="Fukui Shin" userId="6902ee70c48ce296" providerId="LiveId" clId="{45B1E7A5-405E-B949-93C9-105066568C4B}" dt="2021-07-03T08:38:54.322" v="894" actId="20577"/>
           <ac:spMkLst>
             <pc:docMk/>
-            <pc:sldMk cId="2595786992" sldId="290"/>
-            <ac:spMk id="20" creationId="{4412D54C-E400-A348-9C5D-B9099C670194}"/>
+            <pc:sldMk cId="3759911444" sldId="281"/>
+            <ac:spMk id="3" creationId="{B7EB713B-B0D0-A347-9D4F-48B4383A8075}"/>
           </ac:spMkLst>
         </pc:spChg>
-        <pc:spChg chg="add mod">
-          <ac:chgData name="Fukui Shin" userId="6902ee70c48ce296" providerId="LiveId" clId="{2AFD377D-6132-EA45-8360-9CF58E3B0902}" dt="2021-11-17T02:35:35.128" v="1238" actId="114"/>
+      </pc:sldChg>
+      <pc:sldChg chg="modSp new mod">
+        <pc:chgData name="Fukui Shin" userId="6902ee70c48ce296" providerId="LiveId" clId="{45B1E7A5-405E-B949-93C9-105066568C4B}" dt="2021-07-03T09:57:45.826" v="1473" actId="20577"/>
+        <pc:sldMkLst>
+          <pc:docMk/>
+          <pc:sldMk cId="3428185782" sldId="282"/>
+        </pc:sldMkLst>
+        <pc:spChg chg="mod">
+          <ac:chgData name="Fukui Shin" userId="6902ee70c48ce296" providerId="LiveId" clId="{45B1E7A5-405E-B949-93C9-105066568C4B}" dt="2021-07-03T08:50:07.237" v="955" actId="20577"/>
           <ac:spMkLst>
             <pc:docMk/>
-            <pc:sldMk cId="2595786992" sldId="290"/>
-            <ac:spMk id="25" creationId="{3CC48E9A-D2AF-5A4C-8E75-252BE744E3E9}"/>
+            <pc:sldMk cId="3428185782" sldId="282"/>
+            <ac:spMk id="2" creationId="{593893BE-BD11-5648-B363-0A47FB81D8B9}"/>
           </ac:spMkLst>
         </pc:spChg>
-        <pc:cxnChg chg="add mod">
-          <ac:chgData name="Fukui Shin" userId="6902ee70c48ce296" providerId="LiveId" clId="{2AFD377D-6132-EA45-8360-9CF58E3B0902}" dt="2021-11-17T02:28:25.501" v="1022" actId="1076"/>
-          <ac:cxnSpMkLst>
+        <pc:spChg chg="mod">
+          <ac:chgData name="Fukui Shin" userId="6902ee70c48ce296" providerId="LiveId" clId="{45B1E7A5-405E-B949-93C9-105066568C4B}" dt="2021-07-03T09:57:45.826" v="1473" actId="20577"/>
+          <ac:spMkLst>
             <pc:docMk/>
-            <pc:sldMk cId="2595786992" sldId="290"/>
-            <ac:cxnSpMk id="5" creationId="{A06420D0-0E8A-A84B-A1DB-06629A992E59}"/>
-          </ac:cxnSpMkLst>
-        </pc:cxnChg>
-        <pc:cxnChg chg="add del mod">
-          <ac:chgData name="Fukui Shin" userId="6902ee70c48ce296" providerId="LiveId" clId="{2AFD377D-6132-EA45-8360-9CF58E3B0902}" dt="2021-11-17T02:29:42.571" v="1027" actId="478"/>
-          <ac:cxnSpMkLst>
-            <pc:docMk/>
-            <pc:sldMk cId="2595786992" sldId="290"/>
-            <ac:cxnSpMk id="6" creationId="{7CFB65BD-4421-1C4D-BA42-93FA57B45D06}"/>
-          </ac:cxnSpMkLst>
-        </pc:cxnChg>
-        <pc:cxnChg chg="add mod">
-          <ac:chgData name="Fukui Shin" userId="6902ee70c48ce296" providerId="LiveId" clId="{2AFD377D-6132-EA45-8360-9CF58E3B0902}" dt="2021-11-17T02:33:06.081" v="1186" actId="692"/>
-          <ac:cxnSpMkLst>
-            <pc:docMk/>
-            <pc:sldMk cId="2595786992" sldId="290"/>
-            <ac:cxnSpMk id="7" creationId="{30494F45-918C-D745-9577-5C9B611146D9}"/>
-          </ac:cxnSpMkLst>
-        </pc:cxnChg>
-        <pc:cxnChg chg="add mod">
-          <ac:chgData name="Fukui Shin" userId="6902ee70c48ce296" providerId="LiveId" clId="{2AFD377D-6132-EA45-8360-9CF58E3B0902}" dt="2021-11-17T02:32:54.996" v="1184" actId="692"/>
-          <ac:cxnSpMkLst>
-            <pc:docMk/>
-            <pc:sldMk cId="2595786992" sldId="290"/>
-            <ac:cxnSpMk id="9" creationId="{3B6EF299-2EAB-5043-8E41-B77B9661678A}"/>
-          </ac:cxnSpMkLst>
-        </pc:cxnChg>
-        <pc:cxnChg chg="add mod">
-          <ac:chgData name="Fukui Shin" userId="6902ee70c48ce296" providerId="LiveId" clId="{2AFD377D-6132-EA45-8360-9CF58E3B0902}" dt="2021-11-17T02:28:25.501" v="1022" actId="1076"/>
-          <ac:cxnSpMkLst>
-            <pc:docMk/>
-            <pc:sldMk cId="2595786992" sldId="290"/>
-            <ac:cxnSpMk id="15" creationId="{9D9F5C4D-934E-3445-9A13-71AE8417AC32}"/>
-          </ac:cxnSpMkLst>
-        </pc:cxnChg>
-        <pc:cxnChg chg="add mod">
-          <ac:chgData name="Fukui Shin" userId="6902ee70c48ce296" providerId="LiveId" clId="{2AFD377D-6132-EA45-8360-9CF58E3B0902}" dt="2021-11-17T02:33:33.348" v="1190" actId="14100"/>
-          <ac:cxnSpMkLst>
-            <pc:docMk/>
-            <pc:sldMk cId="2595786992" sldId="290"/>
-            <ac:cxnSpMk id="18" creationId="{F9732587-A468-434C-9594-9C3FAAD00357}"/>
-          </ac:cxnSpMkLst>
-        </pc:cxnChg>
-        <pc:cxnChg chg="add mod">
-          <ac:chgData name="Fukui Shin" userId="6902ee70c48ce296" providerId="LiveId" clId="{2AFD377D-6132-EA45-8360-9CF58E3B0902}" dt="2021-11-17T02:32:37.415" v="1182" actId="692"/>
-          <ac:cxnSpMkLst>
-            <pc:docMk/>
-            <pc:sldMk cId="2595786992" sldId="290"/>
-            <ac:cxnSpMk id="21" creationId="{A29A8BBB-E9AB-C84F-B76C-D85219AB31B3}"/>
-          </ac:cxnSpMkLst>
-        </pc:cxnChg>
+            <pc:sldMk cId="3428185782" sldId="282"/>
+            <ac:spMk id="3" creationId="{49E414B3-99D4-2B4A-B335-2BAEFB18D4DF}"/>
+          </ac:spMkLst>
+        </pc:spChg>
       </pc:sldChg>
-      <pc:sldChg chg="addSp delSp modSp mod">
-        <pc:chgData name="Fukui Shin" userId="6902ee70c48ce296" providerId="LiveId" clId="{2AFD377D-6132-EA45-8360-9CF58E3B0902}" dt="2021-11-17T02:20:49.278" v="865" actId="1076"/>
+      <pc:sldChg chg="modSp new mod">
+        <pc:chgData name="Fukui Shin" userId="6902ee70c48ce296" providerId="LiveId" clId="{45B1E7A5-405E-B949-93C9-105066568C4B}" dt="2021-07-07T06:10:42.438" v="2646" actId="20577"/>
         <pc:sldMkLst>
           <pc:docMk/>
-          <pc:sldMk cId="508955002" sldId="291"/>
+          <pc:sldMk cId="3377275839" sldId="283"/>
         </pc:sldMkLst>
-        <pc:picChg chg="del">
-          <ac:chgData name="Fukui Shin" userId="6902ee70c48ce296" providerId="LiveId" clId="{2AFD377D-6132-EA45-8360-9CF58E3B0902}" dt="2021-11-17T02:20:32.538" v="860" actId="478"/>
-          <ac:picMkLst>
+        <pc:spChg chg="mod">
+          <ac:chgData name="Fukui Shin" userId="6902ee70c48ce296" providerId="LiveId" clId="{45B1E7A5-405E-B949-93C9-105066568C4B}" dt="2021-07-03T10:03:43.320" v="1511" actId="20577"/>
+          <ac:spMkLst>
             <pc:docMk/>
-            <pc:sldMk cId="508955002" sldId="291"/>
-            <ac:picMk id="5" creationId="{99D7514B-7388-6B47-B318-1E894D5946D1}"/>
-          </ac:picMkLst>
-        </pc:picChg>
-        <pc:picChg chg="add mod">
-          <ac:chgData name="Fukui Shin" userId="6902ee70c48ce296" providerId="LiveId" clId="{2AFD377D-6132-EA45-8360-9CF58E3B0902}" dt="2021-11-17T02:20:49.278" v="865" actId="1076"/>
-          <ac:picMkLst>
+            <pc:sldMk cId="3377275839" sldId="283"/>
+            <ac:spMk id="2" creationId="{5B9CD8F7-9DBA-914A-85C6-EB8A0A9532EA}"/>
+          </ac:spMkLst>
+        </pc:spChg>
+        <pc:spChg chg="mod">
+          <ac:chgData name="Fukui Shin" userId="6902ee70c48ce296" providerId="LiveId" clId="{45B1E7A5-405E-B949-93C9-105066568C4B}" dt="2021-07-07T06:10:42.438" v="2646" actId="20577"/>
+          <ac:spMkLst>
             <pc:docMk/>
-            <pc:sldMk cId="508955002" sldId="291"/>
-            <ac:picMk id="6" creationId="{6FC85373-0AA5-554D-A4F9-18721FB1EC9F}"/>
-          </ac:picMkLst>
-        </pc:picChg>
+            <pc:sldMk cId="3377275839" sldId="283"/>
+            <ac:spMk id="3" creationId="{41DF497C-D459-C448-B5CA-EE91E35943B8}"/>
+          </ac:spMkLst>
+        </pc:spChg>
       </pc:sldChg>
     </pc:docChg>
   </pc:docChgLst>
   <pc:docChgLst>
-    <pc:chgData name="Fukui Shin" userId="6902ee70c48ce296" providerId="LiveId" clId="{CAD8029A-6CF2-954F-88AD-D2A417AFA2E1}"/>
-    <pc:docChg chg="undo custSel addSld modSld">
-      <pc:chgData name="Fukui Shin" userId="6902ee70c48ce296" providerId="LiveId" clId="{CAD8029A-6CF2-954F-88AD-D2A417AFA2E1}" dt="2021-11-08T08:18:15.651" v="1075" actId="20577"/>
+    <pc:chgData name="Fukui Shin" userId="6902ee70c48ce296" providerId="LiveId" clId="{2E44D2CA-FA2B-C94D-8AB6-439A5019DC12}"/>
+    <pc:docChg chg="undo custSel modSld">
+      <pc:chgData name="Fukui Shin" userId="6902ee70c48ce296" providerId="LiveId" clId="{2E44D2CA-FA2B-C94D-8AB6-439A5019DC12}" dt="2021-05-19T09:37:27.188" v="54" actId="20577"/>
       <pc:docMkLst>
         <pc:docMk/>
       </pc:docMkLst>
       <pc:sldChg chg="modSp mod">
-        <pc:chgData name="Fukui Shin" userId="6902ee70c48ce296" providerId="LiveId" clId="{CAD8029A-6CF2-954F-88AD-D2A417AFA2E1}" dt="2021-11-08T07:28:30.638" v="58" actId="20577"/>
+        <pc:chgData name="Fukui Shin" userId="6902ee70c48ce296" providerId="LiveId" clId="{2E44D2CA-FA2B-C94D-8AB6-439A5019DC12}" dt="2021-05-19T09:36:53.912" v="5" actId="20577"/>
+        <pc:sldMkLst>
+          <pc:docMk/>
+          <pc:sldMk cId="2432279440" sldId="257"/>
+        </pc:sldMkLst>
+        <pc:spChg chg="mod">
+          <ac:chgData name="Fukui Shin" userId="6902ee70c48ce296" providerId="LiveId" clId="{2E44D2CA-FA2B-C94D-8AB6-439A5019DC12}" dt="2021-05-19T09:36:53.912" v="5" actId="20577"/>
+          <ac:spMkLst>
+            <pc:docMk/>
+            <pc:sldMk cId="2432279440" sldId="257"/>
+            <ac:spMk id="3" creationId="{05D7D93A-BA42-5D47-893C-FE41C03A53E0}"/>
+          </ac:spMkLst>
+        </pc:spChg>
+      </pc:sldChg>
+      <pc:sldChg chg="modSp mod">
+        <pc:chgData name="Fukui Shin" userId="6902ee70c48ce296" providerId="LiveId" clId="{2E44D2CA-FA2B-C94D-8AB6-439A5019DC12}" dt="2021-05-19T09:37:27.188" v="54" actId="20577"/>
+        <pc:sldMkLst>
+          <pc:docMk/>
+          <pc:sldMk cId="323365537" sldId="279"/>
+        </pc:sldMkLst>
+        <pc:spChg chg="mod">
+          <ac:chgData name="Fukui Shin" userId="6902ee70c48ce296" providerId="LiveId" clId="{2E44D2CA-FA2B-C94D-8AB6-439A5019DC12}" dt="2021-05-19T09:37:27.188" v="54" actId="20577"/>
+          <ac:spMkLst>
+            <pc:docMk/>
+            <pc:sldMk cId="323365537" sldId="279"/>
+            <ac:spMk id="2" creationId="{530FA0D9-038A-6744-9604-B7C6B3166D65}"/>
+          </ac:spMkLst>
+        </pc:spChg>
+      </pc:sldChg>
+    </pc:docChg>
+  </pc:docChgLst>
+  <pc:docChgLst>
+    <pc:chgData name="Fukui Shin" userId="6902ee70c48ce296" providerId="LiveId" clId="{C8F55A9F-7917-5240-8DE8-05BC06FCB498}"/>
+    <pc:docChg chg="undo custSel modSld">
+      <pc:chgData name="Fukui Shin" userId="6902ee70c48ce296" providerId="LiveId" clId="{C8F55A9F-7917-5240-8DE8-05BC06FCB498}" dt="2021-11-08T07:29:24.069" v="52" actId="20577"/>
+      <pc:docMkLst>
+        <pc:docMk/>
+      </pc:docMkLst>
+      <pc:sldChg chg="modSp mod">
+        <pc:chgData name="Fukui Shin" userId="6902ee70c48ce296" providerId="LiveId" clId="{C8F55A9F-7917-5240-8DE8-05BC06FCB498}" dt="2021-11-08T07:29:24.069" v="52" actId="20577"/>
         <pc:sldMkLst>
           <pc:docMk/>
           <pc:sldMk cId="2447858462" sldId="288"/>
         </pc:sldMkLst>
         <pc:spChg chg="mod">
-          <ac:chgData name="Fukui Shin" userId="6902ee70c48ce296" providerId="LiveId" clId="{CAD8029A-6CF2-954F-88AD-D2A417AFA2E1}" dt="2021-11-08T07:28:30.638" v="58" actId="20577"/>
+          <ac:chgData name="Fukui Shin" userId="6902ee70c48ce296" providerId="LiveId" clId="{C8F55A9F-7917-5240-8DE8-05BC06FCB498}" dt="2021-11-08T07:29:24.069" v="52" actId="20577"/>
           <ac:spMkLst>
             <pc:docMk/>
             <pc:sldMk cId="2447858462" sldId="288"/>
@@ -318,95 +383,393 @@
           </ac:spMkLst>
         </pc:spChg>
       </pc:sldChg>
+    </pc:docChg>
+  </pc:docChgLst>
+  <pc:docChgLst>
+    <pc:chgData name="Fukui Shin" userId="6902ee70c48ce296" providerId="LiveId" clId="{FD2ABE22-F822-F64D-BF8C-980B7AF40F0E}"/>
+    <pc:docChg chg="undo redo custSel addSld delSld modSld">
+      <pc:chgData name="Fukui Shin" userId="6902ee70c48ce296" providerId="LiveId" clId="{FD2ABE22-F822-F64D-BF8C-980B7AF40F0E}" dt="2021-08-04T10:47:27.352" v="3347" actId="20577"/>
+      <pc:docMkLst>
+        <pc:docMk/>
+      </pc:docMkLst>
       <pc:sldChg chg="modSp mod">
-        <pc:chgData name="Fukui Shin" userId="6902ee70c48ce296" providerId="LiveId" clId="{CAD8029A-6CF2-954F-88AD-D2A417AFA2E1}" dt="2021-11-08T08:12:08.863" v="395" actId="20577"/>
+        <pc:chgData name="Fukui Shin" userId="6902ee70c48ce296" providerId="LiveId" clId="{FD2ABE22-F822-F64D-BF8C-980B7AF40F0E}" dt="2021-08-03T17:49:07.210" v="1" actId="20577"/>
         <pc:sldMkLst>
           <pc:docMk/>
-          <pc:sldMk cId="2595786992" sldId="290"/>
+          <pc:sldMk cId="2432279440" sldId="257"/>
         </pc:sldMkLst>
         <pc:spChg chg="mod">
-          <ac:chgData name="Fukui Shin" userId="6902ee70c48ce296" providerId="LiveId" clId="{CAD8029A-6CF2-954F-88AD-D2A417AFA2E1}" dt="2021-11-08T08:12:08.863" v="395" actId="20577"/>
+          <ac:chgData name="Fukui Shin" userId="6902ee70c48ce296" providerId="LiveId" clId="{FD2ABE22-F822-F64D-BF8C-980B7AF40F0E}" dt="2021-08-03T17:49:07.210" v="1" actId="20577"/>
           <ac:spMkLst>
             <pc:docMk/>
-            <pc:sldMk cId="2595786992" sldId="290"/>
-            <ac:spMk id="3" creationId="{92857569-606C-B048-BBF1-17179C8C8C9A}"/>
+            <pc:sldMk cId="2432279440" sldId="257"/>
+            <ac:spMk id="2" creationId="{9B1D7A41-B18F-4D4C-9F52-84D5CFFFCB44}"/>
+          </ac:spMkLst>
+        </pc:spChg>
+      </pc:sldChg>
+      <pc:sldChg chg="modSp mod">
+        <pc:chgData name="Fukui Shin" userId="6902ee70c48ce296" providerId="LiveId" clId="{FD2ABE22-F822-F64D-BF8C-980B7AF40F0E}" dt="2021-08-04T08:47:13.253" v="1355" actId="20577"/>
+        <pc:sldMkLst>
+          <pc:docMk/>
+          <pc:sldMk cId="1722450886" sldId="274"/>
+        </pc:sldMkLst>
+        <pc:spChg chg="mod">
+          <ac:chgData name="Fukui Shin" userId="6902ee70c48ce296" providerId="LiveId" clId="{FD2ABE22-F822-F64D-BF8C-980B7AF40F0E}" dt="2021-08-04T08:47:13.253" v="1355" actId="20577"/>
+          <ac:spMkLst>
+            <pc:docMk/>
+            <pc:sldMk cId="1722450886" sldId="274"/>
+            <ac:spMk id="3" creationId="{B7EB713B-B0D0-A347-9D4F-48B4383A8075}"/>
+          </ac:spMkLst>
+        </pc:spChg>
+      </pc:sldChg>
+      <pc:sldChg chg="modSp mod">
+        <pc:chgData name="Fukui Shin" userId="6902ee70c48ce296" providerId="LiveId" clId="{FD2ABE22-F822-F64D-BF8C-980B7AF40F0E}" dt="2021-08-04T08:46:54.579" v="1352" actId="20577"/>
+        <pc:sldMkLst>
+          <pc:docMk/>
+          <pc:sldMk cId="623929723" sldId="280"/>
+        </pc:sldMkLst>
+        <pc:spChg chg="mod">
+          <ac:chgData name="Fukui Shin" userId="6902ee70c48ce296" providerId="LiveId" clId="{FD2ABE22-F822-F64D-BF8C-980B7AF40F0E}" dt="2021-08-04T08:46:54.579" v="1352" actId="20577"/>
+          <ac:spMkLst>
+            <pc:docMk/>
+            <pc:sldMk cId="623929723" sldId="280"/>
+            <ac:spMk id="3" creationId="{B7EB713B-B0D0-A347-9D4F-48B4383A8075}"/>
+          </ac:spMkLst>
+        </pc:spChg>
+      </pc:sldChg>
+      <pc:sldChg chg="modSp mod">
+        <pc:chgData name="Fukui Shin" userId="6902ee70c48ce296" providerId="LiveId" clId="{FD2ABE22-F822-F64D-BF8C-980B7AF40F0E}" dt="2021-08-04T08:47:03.988" v="1354" actId="20577"/>
+        <pc:sldMkLst>
+          <pc:docMk/>
+          <pc:sldMk cId="3759911444" sldId="281"/>
+        </pc:sldMkLst>
+        <pc:spChg chg="mod">
+          <ac:chgData name="Fukui Shin" userId="6902ee70c48ce296" providerId="LiveId" clId="{FD2ABE22-F822-F64D-BF8C-980B7AF40F0E}" dt="2021-08-04T08:47:03.988" v="1354" actId="20577"/>
+          <ac:spMkLst>
+            <pc:docMk/>
+            <pc:sldMk cId="3759911444" sldId="281"/>
+            <ac:spMk id="3" creationId="{B7EB713B-B0D0-A347-9D4F-48B4383A8075}"/>
+          </ac:spMkLst>
+        </pc:spChg>
+      </pc:sldChg>
+      <pc:sldChg chg="modSp mod">
+        <pc:chgData name="Fukui Shin" userId="6902ee70c48ce296" providerId="LiveId" clId="{FD2ABE22-F822-F64D-BF8C-980B7AF40F0E}" dt="2021-08-04T07:23:13.161" v="1134" actId="20577"/>
+        <pc:sldMkLst>
+          <pc:docMk/>
+          <pc:sldMk cId="3428185782" sldId="282"/>
+        </pc:sldMkLst>
+        <pc:spChg chg="mod">
+          <ac:chgData name="Fukui Shin" userId="6902ee70c48ce296" providerId="LiveId" clId="{FD2ABE22-F822-F64D-BF8C-980B7AF40F0E}" dt="2021-08-04T07:23:13.161" v="1134" actId="20577"/>
+          <ac:spMkLst>
+            <pc:docMk/>
+            <pc:sldMk cId="3428185782" sldId="282"/>
+            <ac:spMk id="3" creationId="{49E414B3-99D4-2B4A-B335-2BAEFB18D4DF}"/>
+          </ac:spMkLst>
+        </pc:spChg>
+      </pc:sldChg>
+      <pc:sldChg chg="del">
+        <pc:chgData name="Fukui Shin" userId="6902ee70c48ce296" providerId="LiveId" clId="{FD2ABE22-F822-F64D-BF8C-980B7AF40F0E}" dt="2021-08-03T17:56:45.269" v="618" actId="2696"/>
+        <pc:sldMkLst>
+          <pc:docMk/>
+          <pc:sldMk cId="3377275839" sldId="283"/>
+        </pc:sldMkLst>
+      </pc:sldChg>
+      <pc:sldChg chg="modSp new mod">
+        <pc:chgData name="Fukui Shin" userId="6902ee70c48ce296" providerId="LiveId" clId="{FD2ABE22-F822-F64D-BF8C-980B7AF40F0E}" dt="2021-08-04T07:22:25.505" v="1129" actId="20577"/>
+        <pc:sldMkLst>
+          <pc:docMk/>
+          <pc:sldMk cId="2178159451" sldId="284"/>
+        </pc:sldMkLst>
+        <pc:spChg chg="mod">
+          <ac:chgData name="Fukui Shin" userId="6902ee70c48ce296" providerId="LiveId" clId="{FD2ABE22-F822-F64D-BF8C-980B7AF40F0E}" dt="2021-08-03T17:50:32.408" v="54" actId="20577"/>
+          <ac:spMkLst>
+            <pc:docMk/>
+            <pc:sldMk cId="2178159451" sldId="284"/>
+            <ac:spMk id="2" creationId="{ADD62BF2-6FF7-9842-B55F-6A8B6B522A7E}"/>
+          </ac:spMkLst>
+        </pc:spChg>
+        <pc:spChg chg="mod">
+          <ac:chgData name="Fukui Shin" userId="6902ee70c48ce296" providerId="LiveId" clId="{FD2ABE22-F822-F64D-BF8C-980B7AF40F0E}" dt="2021-08-04T07:22:25.505" v="1129" actId="20577"/>
+          <ac:spMkLst>
+            <pc:docMk/>
+            <pc:sldMk cId="2178159451" sldId="284"/>
+            <ac:spMk id="3" creationId="{1805BEF9-DE5C-E743-813A-6F4CE0125DA2}"/>
+          </ac:spMkLst>
+        </pc:spChg>
+      </pc:sldChg>
+      <pc:sldChg chg="modSp new mod">
+        <pc:chgData name="Fukui Shin" userId="6902ee70c48ce296" providerId="LiveId" clId="{FD2ABE22-F822-F64D-BF8C-980B7AF40F0E}" dt="2021-08-04T10:08:13.242" v="2067" actId="20577"/>
+        <pc:sldMkLst>
+          <pc:docMk/>
+          <pc:sldMk cId="4050706010" sldId="285"/>
+        </pc:sldMkLst>
+        <pc:spChg chg="mod">
+          <ac:chgData name="Fukui Shin" userId="6902ee70c48ce296" providerId="LiveId" clId="{FD2ABE22-F822-F64D-BF8C-980B7AF40F0E}" dt="2021-08-04T09:34:10.093" v="1888" actId="20577"/>
+          <ac:spMkLst>
+            <pc:docMk/>
+            <pc:sldMk cId="4050706010" sldId="285"/>
+            <ac:spMk id="2" creationId="{892C59F3-AD8A-C648-98CA-0C3943AE4A58}"/>
+          </ac:spMkLst>
+        </pc:spChg>
+        <pc:spChg chg="mod">
+          <ac:chgData name="Fukui Shin" userId="6902ee70c48ce296" providerId="LiveId" clId="{FD2ABE22-F822-F64D-BF8C-980B7AF40F0E}" dt="2021-08-04T10:08:13.242" v="2067" actId="20577"/>
+          <ac:spMkLst>
+            <pc:docMk/>
+            <pc:sldMk cId="4050706010" sldId="285"/>
+            <ac:spMk id="3" creationId="{2B892BED-13CC-B648-8A24-26DF1294EB9C}"/>
           </ac:spMkLst>
         </pc:spChg>
       </pc:sldChg>
       <pc:sldChg chg="addSp modSp new mod">
-        <pc:chgData name="Fukui Shin" userId="6902ee70c48ce296" providerId="LiveId" clId="{CAD8029A-6CF2-954F-88AD-D2A417AFA2E1}" dt="2021-11-08T08:00:38.809" v="161" actId="1076"/>
+        <pc:chgData name="Fukui Shin" userId="6902ee70c48ce296" providerId="LiveId" clId="{FD2ABE22-F822-F64D-BF8C-980B7AF40F0E}" dt="2021-08-04T10:47:27.352" v="3347" actId="20577"/>
         <pc:sldMkLst>
           <pc:docMk/>
-          <pc:sldMk cId="508955002" sldId="291"/>
+          <pc:sldMk cId="3976745622" sldId="286"/>
         </pc:sldMkLst>
         <pc:spChg chg="mod">
-          <ac:chgData name="Fukui Shin" userId="6902ee70c48ce296" providerId="LiveId" clId="{CAD8029A-6CF2-954F-88AD-D2A417AFA2E1}" dt="2021-11-08T07:56:44.670" v="79" actId="20577"/>
+          <ac:chgData name="Fukui Shin" userId="6902ee70c48ce296" providerId="LiveId" clId="{FD2ABE22-F822-F64D-BF8C-980B7AF40F0E}" dt="2021-08-04T10:36:45.309" v="2710" actId="20577"/>
           <ac:spMkLst>
             <pc:docMk/>
-            <pc:sldMk cId="508955002" sldId="291"/>
-            <ac:spMk id="2" creationId="{97020794-9D15-0745-925F-85D82BC176FF}"/>
+            <pc:sldMk cId="3976745622" sldId="286"/>
+            <ac:spMk id="2" creationId="{8021A45D-E4FF-5A46-91C6-E4BEF315A871}"/>
           </ac:spMkLst>
         </pc:spChg>
         <pc:spChg chg="mod">
-          <ac:chgData name="Fukui Shin" userId="6902ee70c48ce296" providerId="LiveId" clId="{CAD8029A-6CF2-954F-88AD-D2A417AFA2E1}" dt="2021-11-08T08:00:15.456" v="156" actId="20577"/>
+          <ac:chgData name="Fukui Shin" userId="6902ee70c48ce296" providerId="LiveId" clId="{FD2ABE22-F822-F64D-BF8C-980B7AF40F0E}" dt="2021-08-04T10:47:27.352" v="3347" actId="20577"/>
           <ac:spMkLst>
             <pc:docMk/>
-            <pc:sldMk cId="508955002" sldId="291"/>
-            <ac:spMk id="3" creationId="{54C63FB3-C4DB-084E-968E-7FB5E1F0B009}"/>
+            <pc:sldMk cId="3976745622" sldId="286"/>
+            <ac:spMk id="3" creationId="{929FB2F8-884F-DB42-8889-1307E783A82A}"/>
           </ac:spMkLst>
         </pc:spChg>
-        <pc:picChg chg="add mod">
-          <ac:chgData name="Fukui Shin" userId="6902ee70c48ce296" providerId="LiveId" clId="{CAD8029A-6CF2-954F-88AD-D2A417AFA2E1}" dt="2021-11-08T08:00:38.809" v="161" actId="1076"/>
-          <ac:picMkLst>
-            <pc:docMk/>
-            <pc:sldMk cId="508955002" sldId="291"/>
-            <ac:picMk id="5" creationId="{99D7514B-7388-6B47-B318-1E894D5946D1}"/>
-          </ac:picMkLst>
-        </pc:picChg>
-      </pc:sldChg>
-      <pc:sldChg chg="modSp new mod">
-        <pc:chgData name="Fukui Shin" userId="6902ee70c48ce296" providerId="LiveId" clId="{CAD8029A-6CF2-954F-88AD-D2A417AFA2E1}" dt="2021-11-08T08:14:18.764" v="596" actId="20577"/>
-        <pc:sldMkLst>
-          <pc:docMk/>
-          <pc:sldMk cId="3834722928" sldId="292"/>
-        </pc:sldMkLst>
-        <pc:spChg chg="mod">
-          <ac:chgData name="Fukui Shin" userId="6902ee70c48ce296" providerId="LiveId" clId="{CAD8029A-6CF2-954F-88AD-D2A417AFA2E1}" dt="2021-11-08T08:01:38.590" v="205" actId="20577"/>
+        <pc:spChg chg="add mod">
+          <ac:chgData name="Fukui Shin" userId="6902ee70c48ce296" providerId="LiveId" clId="{FD2ABE22-F822-F64D-BF8C-980B7AF40F0E}" dt="2021-08-04T10:44:56.682" v="3333" actId="1076"/>
           <ac:spMkLst>
             <pc:docMk/>
-            <pc:sldMk cId="3834722928" sldId="292"/>
-            <ac:spMk id="2" creationId="{51AA4A24-C87F-0340-9C26-29126700D1D9}"/>
-          </ac:spMkLst>
-        </pc:spChg>
-        <pc:spChg chg="mod">
-          <ac:chgData name="Fukui Shin" userId="6902ee70c48ce296" providerId="LiveId" clId="{CAD8029A-6CF2-954F-88AD-D2A417AFA2E1}" dt="2021-11-08T08:14:18.764" v="596" actId="20577"/>
-          <ac:spMkLst>
-            <pc:docMk/>
-            <pc:sldMk cId="3834722928" sldId="292"/>
-            <ac:spMk id="3" creationId="{A3D0ED53-FAAB-AD43-A6F9-C615C36B1450}"/>
+            <pc:sldMk cId="3976745622" sldId="286"/>
+            <ac:spMk id="4" creationId="{9A0B37BF-DF44-4C49-A0C7-B382023DCA3F}"/>
           </ac:spMkLst>
         </pc:spChg>
       </pc:sldChg>
       <pc:sldChg chg="modSp new mod">
-        <pc:chgData name="Fukui Shin" userId="6902ee70c48ce296" providerId="LiveId" clId="{CAD8029A-6CF2-954F-88AD-D2A417AFA2E1}" dt="2021-11-08T08:18:15.651" v="1075" actId="20577"/>
+        <pc:chgData name="Fukui Shin" userId="6902ee70c48ce296" providerId="LiveId" clId="{FD2ABE22-F822-F64D-BF8C-980B7AF40F0E}" dt="2021-08-04T10:12:26.711" v="2425" actId="20577"/>
         <pc:sldMkLst>
           <pc:docMk/>
-          <pc:sldMk cId="2393039641" sldId="293"/>
+          <pc:sldMk cId="2009115823" sldId="287"/>
         </pc:sldMkLst>
         <pc:spChg chg="mod">
-          <ac:chgData name="Fukui Shin" userId="6902ee70c48ce296" providerId="LiveId" clId="{CAD8029A-6CF2-954F-88AD-D2A417AFA2E1}" dt="2021-11-08T08:15:15.141" v="674" actId="20577"/>
+          <ac:chgData name="Fukui Shin" userId="6902ee70c48ce296" providerId="LiveId" clId="{FD2ABE22-F822-F64D-BF8C-980B7AF40F0E}" dt="2021-08-04T10:10:33.503" v="2224" actId="20577"/>
           <ac:spMkLst>
             <pc:docMk/>
-            <pc:sldMk cId="2393039641" sldId="293"/>
-            <ac:spMk id="2" creationId="{BE21B35A-2763-C34A-9729-CEAF9258550D}"/>
+            <pc:sldMk cId="2009115823" sldId="287"/>
+            <ac:spMk id="2" creationId="{F1994288-EB8E-A84F-B42C-97ABDD69EAD5}"/>
           </ac:spMkLst>
         </pc:spChg>
         <pc:spChg chg="mod">
-          <ac:chgData name="Fukui Shin" userId="6902ee70c48ce296" providerId="LiveId" clId="{CAD8029A-6CF2-954F-88AD-D2A417AFA2E1}" dt="2021-11-08T08:18:15.651" v="1075" actId="20577"/>
+          <ac:chgData name="Fukui Shin" userId="6902ee70c48ce296" providerId="LiveId" clId="{FD2ABE22-F822-F64D-BF8C-980B7AF40F0E}" dt="2021-08-04T10:12:26.711" v="2425" actId="20577"/>
           <ac:spMkLst>
             <pc:docMk/>
-            <pc:sldMk cId="2393039641" sldId="293"/>
-            <ac:spMk id="3" creationId="{5D454D60-38A7-4B4C-8C5C-FFAC1D198DE6}"/>
+            <pc:sldMk cId="2009115823" sldId="287"/>
+            <ac:spMk id="3" creationId="{F17329F4-295F-B840-A01F-3058DFA89E7D}"/>
+          </ac:spMkLst>
+        </pc:spChg>
+      </pc:sldChg>
+      <pc:sldChg chg="modSp new mod">
+        <pc:chgData name="Fukui Shin" userId="6902ee70c48ce296" providerId="LiveId" clId="{FD2ABE22-F822-F64D-BF8C-980B7AF40F0E}" dt="2021-08-04T10:42:32.979" v="3156" actId="20577"/>
+        <pc:sldMkLst>
+          <pc:docMk/>
+          <pc:sldMk cId="2447858462" sldId="288"/>
+        </pc:sldMkLst>
+        <pc:spChg chg="mod">
+          <ac:chgData name="Fukui Shin" userId="6902ee70c48ce296" providerId="LiveId" clId="{FD2ABE22-F822-F64D-BF8C-980B7AF40F0E}" dt="2021-08-04T10:12:45.828" v="2443" actId="20577"/>
+          <ac:spMkLst>
+            <pc:docMk/>
+            <pc:sldMk cId="2447858462" sldId="288"/>
+            <ac:spMk id="2" creationId="{032164F6-0F1B-1549-B553-24334B2E64E3}"/>
+          </ac:spMkLst>
+        </pc:spChg>
+        <pc:spChg chg="mod">
+          <ac:chgData name="Fukui Shin" userId="6902ee70c48ce296" providerId="LiveId" clId="{FD2ABE22-F822-F64D-BF8C-980B7AF40F0E}" dt="2021-08-04T10:42:32.979" v="3156" actId="20577"/>
+          <ac:spMkLst>
+            <pc:docMk/>
+            <pc:sldMk cId="2447858462" sldId="288"/>
+            <ac:spMk id="3" creationId="{7044DDCB-175D-DC41-A5AC-98AE58CE5A61}"/>
+          </ac:spMkLst>
+        </pc:spChg>
+      </pc:sldChg>
+    </pc:docChg>
+  </pc:docChgLst>
+  <pc:docChgLst>
+    <pc:chgData name="Fukui Shin" userId="6902ee70c48ce296" providerId="LiveId" clId="{21E98C23-A232-0046-80A9-DB8AD6915A56}"/>
+    <pc:docChg chg="modSld">
+      <pc:chgData name="Fukui Shin" userId="6902ee70c48ce296" providerId="LiveId" clId="{21E98C23-A232-0046-80A9-DB8AD6915A56}" dt="2021-11-17T03:03:44.101" v="6" actId="1076"/>
+      <pc:docMkLst>
+        <pc:docMk/>
+      </pc:docMkLst>
+      <pc:sldChg chg="addSp modSp mod">
+        <pc:chgData name="Fukui Shin" userId="6902ee70c48ce296" providerId="LiveId" clId="{21E98C23-A232-0046-80A9-DB8AD6915A56}" dt="2021-11-17T03:03:44.101" v="6" actId="1076"/>
+        <pc:sldMkLst>
+          <pc:docMk/>
+          <pc:sldMk cId="3976745622" sldId="286"/>
+        </pc:sldMkLst>
+        <pc:picChg chg="add mod">
+          <ac:chgData name="Fukui Shin" userId="6902ee70c48ce296" providerId="LiveId" clId="{21E98C23-A232-0046-80A9-DB8AD6915A56}" dt="2021-11-17T03:03:44.101" v="6" actId="1076"/>
+          <ac:picMkLst>
+            <pc:docMk/>
+            <pc:sldMk cId="3976745622" sldId="286"/>
+            <ac:picMk id="5" creationId="{4A6777C8-1A2C-304D-B190-F0372F1983D3}"/>
+          </ac:picMkLst>
+        </pc:picChg>
+      </pc:sldChg>
+    </pc:docChg>
+  </pc:docChgLst>
+  <pc:docChgLst>
+    <pc:chgData name="Fukui Shin" userId="6902ee70c48ce296" providerId="LiveId" clId="{123394F6-812E-F94C-B0FC-3923E8ACF34A}"/>
+    <pc:docChg chg="undo custSel addSld delSld modSld">
+      <pc:chgData name="Fukui Shin" userId="6902ee70c48ce296" providerId="LiveId" clId="{123394F6-812E-F94C-B0FC-3923E8ACF34A}" dt="2021-05-21T11:14:00.723" v="667" actId="20577"/>
+      <pc:docMkLst>
+        <pc:docMk/>
+      </pc:docMkLst>
+      <pc:sldChg chg="modSp mod">
+        <pc:chgData name="Fukui Shin" userId="6902ee70c48ce296" providerId="LiveId" clId="{123394F6-812E-F94C-B0FC-3923E8ACF34A}" dt="2021-05-21T11:14:00.723" v="667" actId="20577"/>
+        <pc:sldMkLst>
+          <pc:docMk/>
+          <pc:sldMk cId="2432279440" sldId="257"/>
+        </pc:sldMkLst>
+        <pc:spChg chg="mod">
+          <ac:chgData name="Fukui Shin" userId="6902ee70c48ce296" providerId="LiveId" clId="{123394F6-812E-F94C-B0FC-3923E8ACF34A}" dt="2021-05-20T05:19:41.528" v="1" actId="20577"/>
+          <ac:spMkLst>
+            <pc:docMk/>
+            <pc:sldMk cId="2432279440" sldId="257"/>
+            <ac:spMk id="2" creationId="{9B1D7A41-B18F-4D4C-9F52-84D5CFFFCB44}"/>
+          </ac:spMkLst>
+        </pc:spChg>
+        <pc:spChg chg="mod">
+          <ac:chgData name="Fukui Shin" userId="6902ee70c48ce296" providerId="LiveId" clId="{123394F6-812E-F94C-B0FC-3923E8ACF34A}" dt="2021-05-21T11:14:00.723" v="667" actId="20577"/>
+          <ac:spMkLst>
+            <pc:docMk/>
+            <pc:sldMk cId="2432279440" sldId="257"/>
+            <ac:spMk id="3" creationId="{05D7D93A-BA42-5D47-893C-FE41C03A53E0}"/>
+          </ac:spMkLst>
+        </pc:spChg>
+      </pc:sldChg>
+      <pc:sldChg chg="del">
+        <pc:chgData name="Fukui Shin" userId="6902ee70c48ce296" providerId="LiveId" clId="{123394F6-812E-F94C-B0FC-3923E8ACF34A}" dt="2021-05-21T11:12:10.209" v="562" actId="2696"/>
+        <pc:sldMkLst>
+          <pc:docMk/>
+          <pc:sldMk cId="3601736904" sldId="271"/>
+        </pc:sldMkLst>
+      </pc:sldChg>
+      <pc:sldChg chg="modSp mod">
+        <pc:chgData name="Fukui Shin" userId="6902ee70c48ce296" providerId="LiveId" clId="{123394F6-812E-F94C-B0FC-3923E8ACF34A}" dt="2021-05-21T11:09:48.102" v="548" actId="20577"/>
+        <pc:sldMkLst>
+          <pc:docMk/>
+          <pc:sldMk cId="1501767664" sldId="272"/>
+        </pc:sldMkLst>
+        <pc:spChg chg="mod">
+          <ac:chgData name="Fukui Shin" userId="6902ee70c48ce296" providerId="LiveId" clId="{123394F6-812E-F94C-B0FC-3923E8ACF34A}" dt="2021-05-21T11:09:48.102" v="548" actId="20577"/>
+          <ac:spMkLst>
+            <pc:docMk/>
+            <pc:sldMk cId="1501767664" sldId="272"/>
+            <ac:spMk id="3" creationId="{B7EB713B-B0D0-A347-9D4F-48B4383A8075}"/>
+          </ac:spMkLst>
+        </pc:spChg>
+      </pc:sldChg>
+      <pc:sldChg chg="modSp mod">
+        <pc:chgData name="Fukui Shin" userId="6902ee70c48ce296" providerId="LiveId" clId="{123394F6-812E-F94C-B0FC-3923E8ACF34A}" dt="2021-05-21T11:11:39.725" v="555" actId="207"/>
+        <pc:sldMkLst>
+          <pc:docMk/>
+          <pc:sldMk cId="1722450886" sldId="274"/>
+        </pc:sldMkLst>
+        <pc:spChg chg="mod">
+          <ac:chgData name="Fukui Shin" userId="6902ee70c48ce296" providerId="LiveId" clId="{123394F6-812E-F94C-B0FC-3923E8ACF34A}" dt="2021-05-21T11:11:39.725" v="555" actId="207"/>
+          <ac:spMkLst>
+            <pc:docMk/>
+            <pc:sldMk cId="1722450886" sldId="274"/>
+            <ac:spMk id="3" creationId="{B7EB713B-B0D0-A347-9D4F-48B4383A8075}"/>
+          </ac:spMkLst>
+        </pc:spChg>
+      </pc:sldChg>
+      <pc:sldChg chg="modSp mod">
+        <pc:chgData name="Fukui Shin" userId="6902ee70c48ce296" providerId="LiveId" clId="{123394F6-812E-F94C-B0FC-3923E8ACF34A}" dt="2021-05-21T11:13:21.762" v="650" actId="20577"/>
+        <pc:sldMkLst>
+          <pc:docMk/>
+          <pc:sldMk cId="3322847216" sldId="276"/>
+        </pc:sldMkLst>
+        <pc:spChg chg="mod">
+          <ac:chgData name="Fukui Shin" userId="6902ee70c48ce296" providerId="LiveId" clId="{123394F6-812E-F94C-B0FC-3923E8ACF34A}" dt="2021-05-21T11:13:21.762" v="650" actId="20577"/>
+          <ac:spMkLst>
+            <pc:docMk/>
+            <pc:sldMk cId="3322847216" sldId="276"/>
+            <ac:spMk id="3" creationId="{B7EB713B-B0D0-A347-9D4F-48B4383A8075}"/>
+          </ac:spMkLst>
+        </pc:spChg>
+      </pc:sldChg>
+      <pc:sldChg chg="modSp mod">
+        <pc:chgData name="Fukui Shin" userId="6902ee70c48ce296" providerId="LiveId" clId="{123394F6-812E-F94C-B0FC-3923E8ACF34A}" dt="2021-05-21T10:31:14.371" v="370" actId="1038"/>
+        <pc:sldMkLst>
+          <pc:docMk/>
+          <pc:sldMk cId="3458342540" sldId="278"/>
+        </pc:sldMkLst>
+        <pc:picChg chg="mod">
+          <ac:chgData name="Fukui Shin" userId="6902ee70c48ce296" providerId="LiveId" clId="{123394F6-812E-F94C-B0FC-3923E8ACF34A}" dt="2021-05-21T10:31:11.784" v="368" actId="1038"/>
+          <ac:picMkLst>
+            <pc:docMk/>
+            <pc:sldMk cId="3458342540" sldId="278"/>
+            <ac:picMk id="29" creationId="{754225A0-B928-CB44-98B5-60BBF7110E2C}"/>
+          </ac:picMkLst>
+        </pc:picChg>
+        <pc:picChg chg="mod">
+          <ac:chgData name="Fukui Shin" userId="6902ee70c48ce296" providerId="LiveId" clId="{123394F6-812E-F94C-B0FC-3923E8ACF34A}" dt="2021-05-21T10:31:14.371" v="370" actId="1038"/>
+          <ac:picMkLst>
+            <pc:docMk/>
+            <pc:sldMk cId="3458342540" sldId="278"/>
+            <ac:picMk id="30" creationId="{AD831808-B008-9B4E-A0F1-651865E2E238}"/>
+          </ac:picMkLst>
+        </pc:picChg>
+      </pc:sldChg>
+      <pc:sldChg chg="modSp mod">
+        <pc:chgData name="Fukui Shin" userId="6902ee70c48ce296" providerId="LiveId" clId="{123394F6-812E-F94C-B0FC-3923E8ACF34A}" dt="2021-05-21T11:09:05.627" v="520" actId="20577"/>
+        <pc:sldMkLst>
+          <pc:docMk/>
+          <pc:sldMk cId="323365537" sldId="279"/>
+        </pc:sldMkLst>
+        <pc:spChg chg="mod">
+          <ac:chgData name="Fukui Shin" userId="6902ee70c48ce296" providerId="LiveId" clId="{123394F6-812E-F94C-B0FC-3923E8ACF34A}" dt="2021-05-21T11:09:05.627" v="520" actId="20577"/>
+          <ac:spMkLst>
+            <pc:docMk/>
+            <pc:sldMk cId="323365537" sldId="279"/>
+            <ac:spMk id="3" creationId="{13EA0912-FE78-7647-A2F6-DD372D7B2FCA}"/>
+          </ac:spMkLst>
+        </pc:spChg>
+      </pc:sldChg>
+      <pc:sldChg chg="modSp add mod">
+        <pc:chgData name="Fukui Shin" userId="6902ee70c48ce296" providerId="LiveId" clId="{123394F6-812E-F94C-B0FC-3923E8ACF34A}" dt="2021-05-21T11:11:53.214" v="558" actId="207"/>
+        <pc:sldMkLst>
+          <pc:docMk/>
+          <pc:sldMk cId="623929723" sldId="280"/>
+        </pc:sldMkLst>
+        <pc:spChg chg="mod">
+          <ac:chgData name="Fukui Shin" userId="6902ee70c48ce296" providerId="LiveId" clId="{123394F6-812E-F94C-B0FC-3923E8ACF34A}" dt="2021-05-21T11:11:53.214" v="558" actId="207"/>
+          <ac:spMkLst>
+            <pc:docMk/>
+            <pc:sldMk cId="623929723" sldId="280"/>
+            <ac:spMk id="3" creationId="{B7EB713B-B0D0-A347-9D4F-48B4383A8075}"/>
+          </ac:spMkLst>
+        </pc:spChg>
+      </pc:sldChg>
+      <pc:sldChg chg="modSp add mod">
+        <pc:chgData name="Fukui Shin" userId="6902ee70c48ce296" providerId="LiveId" clId="{123394F6-812E-F94C-B0FC-3923E8ACF34A}" dt="2021-05-21T11:12:06.643" v="561" actId="207"/>
+        <pc:sldMkLst>
+          <pc:docMk/>
+          <pc:sldMk cId="3759911444" sldId="281"/>
+        </pc:sldMkLst>
+        <pc:spChg chg="mod">
+          <ac:chgData name="Fukui Shin" userId="6902ee70c48ce296" providerId="LiveId" clId="{123394F6-812E-F94C-B0FC-3923E8ACF34A}" dt="2021-05-21T11:12:06.643" v="561" actId="207"/>
+          <ac:spMkLst>
+            <pc:docMk/>
+            <pc:sldMk cId="3759911444" sldId="281"/>
+            <ac:spMk id="3" creationId="{B7EB713B-B0D0-A347-9D4F-48B4383A8075}"/>
           </ac:spMkLst>
         </pc:spChg>
       </pc:sldChg>
@@ -437,7 +800,7 @@
           <p:cNvPr id="2" name="タイトル 1">
             <a:extLst>
               <a:ext uri="{FF2B5EF4-FFF2-40B4-BE49-F238E27FC236}">
-                <a16:creationId xmlns:a16="http://schemas.microsoft.com/office/drawing/2014/main" id="{6B9931FE-E369-8447-BE55-05DDE8FEB993}"/>
+                <a16:creationId xmlns:a16="http://schemas.microsoft.com/office/drawing/2014/main" id="{19261B2C-1B08-5B4E-902C-C60DF6705A5D}"/>
               </a:ext>
             </a:extLst>
           </p:cNvPr>
@@ -474,7 +837,7 @@
           <p:cNvPr id="3" name="字幕 2">
             <a:extLst>
               <a:ext uri="{FF2B5EF4-FFF2-40B4-BE49-F238E27FC236}">
-                <a16:creationId xmlns:a16="http://schemas.microsoft.com/office/drawing/2014/main" id="{92D83A82-B8AD-924F-A085-93C38585EE03}"/>
+                <a16:creationId xmlns:a16="http://schemas.microsoft.com/office/drawing/2014/main" id="{217D8C11-0190-414F-A740-954E8CF97E69}"/>
               </a:ext>
             </a:extLst>
           </p:cNvPr>
@@ -544,7 +907,7 @@
           <p:cNvPr id="4" name="日付プレースホルダー 3">
             <a:extLst>
               <a:ext uri="{FF2B5EF4-FFF2-40B4-BE49-F238E27FC236}">
-                <a16:creationId xmlns:a16="http://schemas.microsoft.com/office/drawing/2014/main" id="{14A77F26-02D3-7547-A20F-C1E17376D313}"/>
+                <a16:creationId xmlns:a16="http://schemas.microsoft.com/office/drawing/2014/main" id="{E6CA9B3B-9FAF-3740-9231-6B322C74915A}"/>
               </a:ext>
             </a:extLst>
           </p:cNvPr>
@@ -560,9 +923,9 @@
           <a:bodyPr/>
           <a:lstStyle/>
           <a:p>
-            <a:fld id="{E4245ECD-3E8A-534F-BCF2-3F40B55B6962}" type="datetimeFigureOut">
+            <a:fld id="{B9148E87-D767-4243-9E31-2E6D394C8567}" type="datetimeFigureOut">
               <a:rPr kumimoji="1" lang="ja-JP" altLang="en-US" smtClean="0"/>
-              <a:t>2021/11/17</a:t>
+              <a:t>2021/11/25</a:t>
             </a:fld>
             <a:endParaRPr kumimoji="1" lang="ja-JP" altLang="en-US"/>
           </a:p>
@@ -573,7 +936,7 @@
           <p:cNvPr id="5" name="フッター プレースホルダー 4">
             <a:extLst>
               <a:ext uri="{FF2B5EF4-FFF2-40B4-BE49-F238E27FC236}">
-                <a16:creationId xmlns:a16="http://schemas.microsoft.com/office/drawing/2014/main" id="{2FF7DE7E-2D80-6B48-BC23-9B4F543EAA01}"/>
+                <a16:creationId xmlns:a16="http://schemas.microsoft.com/office/drawing/2014/main" id="{CF5C0E9E-5B01-9F4E-AAC0-D6FAE2F7FD69}"/>
               </a:ext>
             </a:extLst>
           </p:cNvPr>
@@ -598,7 +961,7 @@
           <p:cNvPr id="6" name="スライド番号プレースホルダー 5">
             <a:extLst>
               <a:ext uri="{FF2B5EF4-FFF2-40B4-BE49-F238E27FC236}">
-                <a16:creationId xmlns:a16="http://schemas.microsoft.com/office/drawing/2014/main" id="{9E99EAA8-0BEA-8044-9AC2-526CF83873ED}"/>
+                <a16:creationId xmlns:a16="http://schemas.microsoft.com/office/drawing/2014/main" id="{320FDD68-E289-C74B-BF1D-A30E4366D362}"/>
               </a:ext>
             </a:extLst>
           </p:cNvPr>
@@ -614,7 +977,7 @@
           <a:bodyPr/>
           <a:lstStyle/>
           <a:p>
-            <a:fld id="{342D3D8F-692A-914F-83FC-E3B1BE524720}" type="slidenum">
+            <a:fld id="{36B086C5-84CE-0244-A96A-F90743B3D0F1}" type="slidenum">
               <a:rPr kumimoji="1" lang="ja-JP" altLang="en-US" smtClean="0"/>
               <a:t>‹#›</a:t>
             </a:fld>
@@ -625,7 +988,7 @@
     </p:spTree>
     <p:extLst>
       <p:ext uri="{BB962C8B-B14F-4D97-AF65-F5344CB8AC3E}">
-        <p14:creationId xmlns:p14="http://schemas.microsoft.com/office/powerpoint/2010/main" val="3482777517"/>
+        <p14:creationId xmlns:p14="http://schemas.microsoft.com/office/powerpoint/2010/main" val="162196146"/>
       </p:ext>
     </p:extLst>
   </p:cSld>
@@ -657,7 +1020,7 @@
           <p:cNvPr id="2" name="タイトル 1">
             <a:extLst>
               <a:ext uri="{FF2B5EF4-FFF2-40B4-BE49-F238E27FC236}">
-                <a16:creationId xmlns:a16="http://schemas.microsoft.com/office/drawing/2014/main" id="{16C93D4B-6266-1249-95A7-05858A766292}"/>
+                <a16:creationId xmlns:a16="http://schemas.microsoft.com/office/drawing/2014/main" id="{E5B1D9D3-7AA3-3648-92AF-435686827C95}"/>
               </a:ext>
             </a:extLst>
           </p:cNvPr>
@@ -685,7 +1048,7 @@
           <p:cNvPr id="3" name="縦書きテキスト プレースホルダー 2">
             <a:extLst>
               <a:ext uri="{FF2B5EF4-FFF2-40B4-BE49-F238E27FC236}">
-                <a16:creationId xmlns:a16="http://schemas.microsoft.com/office/drawing/2014/main" id="{E819D74C-1468-2E4F-8688-A51CE7D2D65E}"/>
+                <a16:creationId xmlns:a16="http://schemas.microsoft.com/office/drawing/2014/main" id="{59196EE4-893E-AC45-B05A-7EF58AC456CA}"/>
               </a:ext>
             </a:extLst>
           </p:cNvPr>
@@ -774,7 +1137,7 @@
           <p:cNvPr id="4" name="日付プレースホルダー 3">
             <a:extLst>
               <a:ext uri="{FF2B5EF4-FFF2-40B4-BE49-F238E27FC236}">
-                <a16:creationId xmlns:a16="http://schemas.microsoft.com/office/drawing/2014/main" id="{271C5012-F549-EC42-8683-9C88F2AC7C74}"/>
+                <a16:creationId xmlns:a16="http://schemas.microsoft.com/office/drawing/2014/main" id="{35A6F7DB-7D41-AD4B-BB59-FC4D762BCFE7}"/>
               </a:ext>
             </a:extLst>
           </p:cNvPr>
@@ -790,9 +1153,9 @@
           <a:bodyPr/>
           <a:lstStyle/>
           <a:p>
-            <a:fld id="{E4245ECD-3E8A-534F-BCF2-3F40B55B6962}" type="datetimeFigureOut">
+            <a:fld id="{B9148E87-D767-4243-9E31-2E6D394C8567}" type="datetimeFigureOut">
               <a:rPr kumimoji="1" lang="ja-JP" altLang="en-US" smtClean="0"/>
-              <a:t>2021/11/17</a:t>
+              <a:t>2021/11/25</a:t>
             </a:fld>
             <a:endParaRPr kumimoji="1" lang="ja-JP" altLang="en-US"/>
           </a:p>
@@ -803,7 +1166,7 @@
           <p:cNvPr id="5" name="フッター プレースホルダー 4">
             <a:extLst>
               <a:ext uri="{FF2B5EF4-FFF2-40B4-BE49-F238E27FC236}">
-                <a16:creationId xmlns:a16="http://schemas.microsoft.com/office/drawing/2014/main" id="{FFBEF3E3-9AA2-C84E-BC10-723B6A2359AE}"/>
+                <a16:creationId xmlns:a16="http://schemas.microsoft.com/office/drawing/2014/main" id="{07A0225D-A281-1E42-A2F6-35265889706C}"/>
               </a:ext>
             </a:extLst>
           </p:cNvPr>
@@ -828,7 +1191,7 @@
           <p:cNvPr id="6" name="スライド番号プレースホルダー 5">
             <a:extLst>
               <a:ext uri="{FF2B5EF4-FFF2-40B4-BE49-F238E27FC236}">
-                <a16:creationId xmlns:a16="http://schemas.microsoft.com/office/drawing/2014/main" id="{6C6C7E2E-64A3-264E-A583-2D13163CB576}"/>
+                <a16:creationId xmlns:a16="http://schemas.microsoft.com/office/drawing/2014/main" id="{25AC29A7-F6E0-AF47-9416-70E595DFD110}"/>
               </a:ext>
             </a:extLst>
           </p:cNvPr>
@@ -844,7 +1207,7 @@
           <a:bodyPr/>
           <a:lstStyle/>
           <a:p>
-            <a:fld id="{342D3D8F-692A-914F-83FC-E3B1BE524720}" type="slidenum">
+            <a:fld id="{36B086C5-84CE-0244-A96A-F90743B3D0F1}" type="slidenum">
               <a:rPr kumimoji="1" lang="ja-JP" altLang="en-US" smtClean="0"/>
               <a:t>‹#›</a:t>
             </a:fld>
@@ -855,7 +1218,7 @@
     </p:spTree>
     <p:extLst>
       <p:ext uri="{BB962C8B-B14F-4D97-AF65-F5344CB8AC3E}">
-        <p14:creationId xmlns:p14="http://schemas.microsoft.com/office/powerpoint/2010/main" val="2645570358"/>
+        <p14:creationId xmlns:p14="http://schemas.microsoft.com/office/powerpoint/2010/main" val="321736289"/>
       </p:ext>
     </p:extLst>
   </p:cSld>
@@ -887,7 +1250,7 @@
           <p:cNvPr id="2" name="縦書きタイトル 1">
             <a:extLst>
               <a:ext uri="{FF2B5EF4-FFF2-40B4-BE49-F238E27FC236}">
-                <a16:creationId xmlns:a16="http://schemas.microsoft.com/office/drawing/2014/main" id="{1AB3C7BC-D1E5-844C-A9C2-107281652321}"/>
+                <a16:creationId xmlns:a16="http://schemas.microsoft.com/office/drawing/2014/main" id="{04909E83-6322-224A-AA0A-298EA897BF1C}"/>
               </a:ext>
             </a:extLst>
           </p:cNvPr>
@@ -920,7 +1283,7 @@
           <p:cNvPr id="3" name="縦書きテキスト プレースホルダー 2">
             <a:extLst>
               <a:ext uri="{FF2B5EF4-FFF2-40B4-BE49-F238E27FC236}">
-                <a16:creationId xmlns:a16="http://schemas.microsoft.com/office/drawing/2014/main" id="{0C3835B9-BCC4-444F-9ADF-E1742212852D}"/>
+                <a16:creationId xmlns:a16="http://schemas.microsoft.com/office/drawing/2014/main" id="{5D03CC5D-460C-7C44-A471-5599B89B5682}"/>
               </a:ext>
             </a:extLst>
           </p:cNvPr>
@@ -1014,7 +1377,7 @@
           <p:cNvPr id="4" name="日付プレースホルダー 3">
             <a:extLst>
               <a:ext uri="{FF2B5EF4-FFF2-40B4-BE49-F238E27FC236}">
-                <a16:creationId xmlns:a16="http://schemas.microsoft.com/office/drawing/2014/main" id="{1BA58C7E-F694-7B41-9A98-A4D56F858A3E}"/>
+                <a16:creationId xmlns:a16="http://schemas.microsoft.com/office/drawing/2014/main" id="{A3212850-053D-1D4F-B04A-93557592912C}"/>
               </a:ext>
             </a:extLst>
           </p:cNvPr>
@@ -1030,9 +1393,9 @@
           <a:bodyPr/>
           <a:lstStyle/>
           <a:p>
-            <a:fld id="{E4245ECD-3E8A-534F-BCF2-3F40B55B6962}" type="datetimeFigureOut">
+            <a:fld id="{B9148E87-D767-4243-9E31-2E6D394C8567}" type="datetimeFigureOut">
               <a:rPr kumimoji="1" lang="ja-JP" altLang="en-US" smtClean="0"/>
-              <a:t>2021/11/17</a:t>
+              <a:t>2021/11/25</a:t>
             </a:fld>
             <a:endParaRPr kumimoji="1" lang="ja-JP" altLang="en-US"/>
           </a:p>
@@ -1043,7 +1406,7 @@
           <p:cNvPr id="5" name="フッター プレースホルダー 4">
             <a:extLst>
               <a:ext uri="{FF2B5EF4-FFF2-40B4-BE49-F238E27FC236}">
-                <a16:creationId xmlns:a16="http://schemas.microsoft.com/office/drawing/2014/main" id="{56664FCB-14C4-364F-92F8-E03542A2E6B5}"/>
+                <a16:creationId xmlns:a16="http://schemas.microsoft.com/office/drawing/2014/main" id="{9026818D-9F19-E341-BAA9-90F0C58E80D7}"/>
               </a:ext>
             </a:extLst>
           </p:cNvPr>
@@ -1068,7 +1431,7 @@
           <p:cNvPr id="6" name="スライド番号プレースホルダー 5">
             <a:extLst>
               <a:ext uri="{FF2B5EF4-FFF2-40B4-BE49-F238E27FC236}">
-                <a16:creationId xmlns:a16="http://schemas.microsoft.com/office/drawing/2014/main" id="{787484C1-902E-994A-BAE9-0BA5297FF36C}"/>
+                <a16:creationId xmlns:a16="http://schemas.microsoft.com/office/drawing/2014/main" id="{11DB6550-B3AB-F54E-9F40-EC0ACA1C937C}"/>
               </a:ext>
             </a:extLst>
           </p:cNvPr>
@@ -1084,7 +1447,7 @@
           <a:bodyPr/>
           <a:lstStyle/>
           <a:p>
-            <a:fld id="{342D3D8F-692A-914F-83FC-E3B1BE524720}" type="slidenum">
+            <a:fld id="{36B086C5-84CE-0244-A96A-F90743B3D0F1}" type="slidenum">
               <a:rPr kumimoji="1" lang="ja-JP" altLang="en-US" smtClean="0"/>
               <a:t>‹#›</a:t>
             </a:fld>
@@ -1095,7 +1458,7 @@
     </p:spTree>
     <p:extLst>
       <p:ext uri="{BB962C8B-B14F-4D97-AF65-F5344CB8AC3E}">
-        <p14:creationId xmlns:p14="http://schemas.microsoft.com/office/powerpoint/2010/main" val="2230204325"/>
+        <p14:creationId xmlns:p14="http://schemas.microsoft.com/office/powerpoint/2010/main" val="3235606318"/>
       </p:ext>
     </p:extLst>
   </p:cSld>
@@ -1127,7 +1490,7 @@
           <p:cNvPr id="2" name="タイトル 1">
             <a:extLst>
               <a:ext uri="{FF2B5EF4-FFF2-40B4-BE49-F238E27FC236}">
-                <a16:creationId xmlns:a16="http://schemas.microsoft.com/office/drawing/2014/main" id="{6A4041FE-7B78-C440-9442-4432533204BB}"/>
+                <a16:creationId xmlns:a16="http://schemas.microsoft.com/office/drawing/2014/main" id="{75AFF7E5-63E6-4546-AF2F-527086ED27A7}"/>
               </a:ext>
             </a:extLst>
           </p:cNvPr>
@@ -1155,7 +1518,7 @@
           <p:cNvPr id="3" name="コンテンツ プレースホルダー 2">
             <a:extLst>
               <a:ext uri="{FF2B5EF4-FFF2-40B4-BE49-F238E27FC236}">
-                <a16:creationId xmlns:a16="http://schemas.microsoft.com/office/drawing/2014/main" id="{BDE6CF2B-06DF-0846-9F64-C503959682FD}"/>
+                <a16:creationId xmlns:a16="http://schemas.microsoft.com/office/drawing/2014/main" id="{2BDA3852-FA79-F04E-80D6-9A540635BB3C}"/>
               </a:ext>
             </a:extLst>
           </p:cNvPr>
@@ -1244,7 +1607,7 @@
           <p:cNvPr id="4" name="日付プレースホルダー 3">
             <a:extLst>
               <a:ext uri="{FF2B5EF4-FFF2-40B4-BE49-F238E27FC236}">
-                <a16:creationId xmlns:a16="http://schemas.microsoft.com/office/drawing/2014/main" id="{BAFFF86D-F78A-4F4C-A7B0-EA1C3139466A}"/>
+                <a16:creationId xmlns:a16="http://schemas.microsoft.com/office/drawing/2014/main" id="{3B97954A-AE74-2D40-A59B-00071230B5D0}"/>
               </a:ext>
             </a:extLst>
           </p:cNvPr>
@@ -1260,9 +1623,9 @@
           <a:bodyPr/>
           <a:lstStyle/>
           <a:p>
-            <a:fld id="{E4245ECD-3E8A-534F-BCF2-3F40B55B6962}" type="datetimeFigureOut">
+            <a:fld id="{B9148E87-D767-4243-9E31-2E6D394C8567}" type="datetimeFigureOut">
               <a:rPr kumimoji="1" lang="ja-JP" altLang="en-US" smtClean="0"/>
-              <a:t>2021/11/17</a:t>
+              <a:t>2021/11/25</a:t>
             </a:fld>
             <a:endParaRPr kumimoji="1" lang="ja-JP" altLang="en-US"/>
           </a:p>
@@ -1273,7 +1636,7 @@
           <p:cNvPr id="5" name="フッター プレースホルダー 4">
             <a:extLst>
               <a:ext uri="{FF2B5EF4-FFF2-40B4-BE49-F238E27FC236}">
-                <a16:creationId xmlns:a16="http://schemas.microsoft.com/office/drawing/2014/main" id="{5A1C01F2-3B00-2741-A881-1A2D47DB70ED}"/>
+                <a16:creationId xmlns:a16="http://schemas.microsoft.com/office/drawing/2014/main" id="{CA7699EB-50D8-0046-92A4-E6D0244757B1}"/>
               </a:ext>
             </a:extLst>
           </p:cNvPr>
@@ -1298,7 +1661,7 @@
           <p:cNvPr id="6" name="スライド番号プレースホルダー 5">
             <a:extLst>
               <a:ext uri="{FF2B5EF4-FFF2-40B4-BE49-F238E27FC236}">
-                <a16:creationId xmlns:a16="http://schemas.microsoft.com/office/drawing/2014/main" id="{C3B5E374-E9D1-D841-BB6E-789D7A8685FD}"/>
+                <a16:creationId xmlns:a16="http://schemas.microsoft.com/office/drawing/2014/main" id="{9FF8AC6E-EAF8-0F43-BD1B-31F9F75C0ED5}"/>
               </a:ext>
             </a:extLst>
           </p:cNvPr>
@@ -1314,7 +1677,7 @@
           <a:bodyPr/>
           <a:lstStyle/>
           <a:p>
-            <a:fld id="{342D3D8F-692A-914F-83FC-E3B1BE524720}" type="slidenum">
+            <a:fld id="{36B086C5-84CE-0244-A96A-F90743B3D0F1}" type="slidenum">
               <a:rPr kumimoji="1" lang="ja-JP" altLang="en-US" smtClean="0"/>
               <a:t>‹#›</a:t>
             </a:fld>
@@ -1325,7 +1688,7 @@
     </p:spTree>
     <p:extLst>
       <p:ext uri="{BB962C8B-B14F-4D97-AF65-F5344CB8AC3E}">
-        <p14:creationId xmlns:p14="http://schemas.microsoft.com/office/powerpoint/2010/main" val="3778392142"/>
+        <p14:creationId xmlns:p14="http://schemas.microsoft.com/office/powerpoint/2010/main" val="1151750811"/>
       </p:ext>
     </p:extLst>
   </p:cSld>
@@ -1357,7 +1720,7 @@
           <p:cNvPr id="2" name="タイトル 1">
             <a:extLst>
               <a:ext uri="{FF2B5EF4-FFF2-40B4-BE49-F238E27FC236}">
-                <a16:creationId xmlns:a16="http://schemas.microsoft.com/office/drawing/2014/main" id="{4953725E-9755-704C-BE46-3970AE9BBEB9}"/>
+                <a16:creationId xmlns:a16="http://schemas.microsoft.com/office/drawing/2014/main" id="{A5938E7E-9713-C749-9714-15A5F44F6084}"/>
               </a:ext>
             </a:extLst>
           </p:cNvPr>
@@ -1394,7 +1757,7 @@
           <p:cNvPr id="3" name="テキスト プレースホルダー 2">
             <a:extLst>
               <a:ext uri="{FF2B5EF4-FFF2-40B4-BE49-F238E27FC236}">
-                <a16:creationId xmlns:a16="http://schemas.microsoft.com/office/drawing/2014/main" id="{765DAA1E-1066-6C4E-9464-D23A79FA6CC6}"/>
+                <a16:creationId xmlns:a16="http://schemas.microsoft.com/office/drawing/2014/main" id="{7013DD3A-05D0-E84C-BA50-19A92F8CAAEB}"/>
               </a:ext>
             </a:extLst>
           </p:cNvPr>
@@ -1519,7 +1882,7 @@
           <p:cNvPr id="4" name="日付プレースホルダー 3">
             <a:extLst>
               <a:ext uri="{FF2B5EF4-FFF2-40B4-BE49-F238E27FC236}">
-                <a16:creationId xmlns:a16="http://schemas.microsoft.com/office/drawing/2014/main" id="{6A715784-F31E-C040-9C31-18BC50E777A8}"/>
+                <a16:creationId xmlns:a16="http://schemas.microsoft.com/office/drawing/2014/main" id="{0683BE19-718F-914E-8ADC-878801C2FE79}"/>
               </a:ext>
             </a:extLst>
           </p:cNvPr>
@@ -1535,9 +1898,9 @@
           <a:bodyPr/>
           <a:lstStyle/>
           <a:p>
-            <a:fld id="{E4245ECD-3E8A-534F-BCF2-3F40B55B6962}" type="datetimeFigureOut">
+            <a:fld id="{B9148E87-D767-4243-9E31-2E6D394C8567}" type="datetimeFigureOut">
               <a:rPr kumimoji="1" lang="ja-JP" altLang="en-US" smtClean="0"/>
-              <a:t>2021/11/17</a:t>
+              <a:t>2021/11/25</a:t>
             </a:fld>
             <a:endParaRPr kumimoji="1" lang="ja-JP" altLang="en-US"/>
           </a:p>
@@ -1548,7 +1911,7 @@
           <p:cNvPr id="5" name="フッター プレースホルダー 4">
             <a:extLst>
               <a:ext uri="{FF2B5EF4-FFF2-40B4-BE49-F238E27FC236}">
-                <a16:creationId xmlns:a16="http://schemas.microsoft.com/office/drawing/2014/main" id="{1A7BBFF5-93FE-0A41-9D57-4442CB6EF42D}"/>
+                <a16:creationId xmlns:a16="http://schemas.microsoft.com/office/drawing/2014/main" id="{1C13BCDA-F675-EF4A-B9AE-F7B1545584F1}"/>
               </a:ext>
             </a:extLst>
           </p:cNvPr>
@@ -1573,7 +1936,7 @@
           <p:cNvPr id="6" name="スライド番号プレースホルダー 5">
             <a:extLst>
               <a:ext uri="{FF2B5EF4-FFF2-40B4-BE49-F238E27FC236}">
-                <a16:creationId xmlns:a16="http://schemas.microsoft.com/office/drawing/2014/main" id="{997CDF4D-1CEF-334D-9B32-2C9577EEFFE4}"/>
+                <a16:creationId xmlns:a16="http://schemas.microsoft.com/office/drawing/2014/main" id="{535D0051-82D3-2D49-AB7F-2CBD62324478}"/>
               </a:ext>
             </a:extLst>
           </p:cNvPr>
@@ -1589,7 +1952,7 @@
           <a:bodyPr/>
           <a:lstStyle/>
           <a:p>
-            <a:fld id="{342D3D8F-692A-914F-83FC-E3B1BE524720}" type="slidenum">
+            <a:fld id="{36B086C5-84CE-0244-A96A-F90743B3D0F1}" type="slidenum">
               <a:rPr kumimoji="1" lang="ja-JP" altLang="en-US" smtClean="0"/>
               <a:t>‹#›</a:t>
             </a:fld>
@@ -1600,7 +1963,7 @@
     </p:spTree>
     <p:extLst>
       <p:ext uri="{BB962C8B-B14F-4D97-AF65-F5344CB8AC3E}">
-        <p14:creationId xmlns:p14="http://schemas.microsoft.com/office/powerpoint/2010/main" val="2610203343"/>
+        <p14:creationId xmlns:p14="http://schemas.microsoft.com/office/powerpoint/2010/main" val="3387832546"/>
       </p:ext>
     </p:extLst>
   </p:cSld>
@@ -1632,7 +1995,7 @@
           <p:cNvPr id="2" name="タイトル 1">
             <a:extLst>
               <a:ext uri="{FF2B5EF4-FFF2-40B4-BE49-F238E27FC236}">
-                <a16:creationId xmlns:a16="http://schemas.microsoft.com/office/drawing/2014/main" id="{5B843B5C-AD1F-EF49-B104-BD610DF7E73D}"/>
+                <a16:creationId xmlns:a16="http://schemas.microsoft.com/office/drawing/2014/main" id="{29853B08-C71E-D04E-A593-9FCB568FF616}"/>
               </a:ext>
             </a:extLst>
           </p:cNvPr>
@@ -1660,7 +2023,7 @@
           <p:cNvPr id="3" name="コンテンツ プレースホルダー 2">
             <a:extLst>
               <a:ext uri="{FF2B5EF4-FFF2-40B4-BE49-F238E27FC236}">
-                <a16:creationId xmlns:a16="http://schemas.microsoft.com/office/drawing/2014/main" id="{33D723F5-B1E8-E843-9655-2652C6EF105A}"/>
+                <a16:creationId xmlns:a16="http://schemas.microsoft.com/office/drawing/2014/main" id="{09C36F3C-62E9-C04A-A6F4-2EAC88BE4F61}"/>
               </a:ext>
             </a:extLst>
           </p:cNvPr>
@@ -1754,7 +2117,7 @@
           <p:cNvPr id="4" name="コンテンツ プレースホルダー 3">
             <a:extLst>
               <a:ext uri="{FF2B5EF4-FFF2-40B4-BE49-F238E27FC236}">
-                <a16:creationId xmlns:a16="http://schemas.microsoft.com/office/drawing/2014/main" id="{1DBA1D5A-C531-2C41-81EB-10C6B7F04C4E}"/>
+                <a16:creationId xmlns:a16="http://schemas.microsoft.com/office/drawing/2014/main" id="{4E8C24BC-EF5F-6540-9B8D-21C73C53DEC6}"/>
               </a:ext>
             </a:extLst>
           </p:cNvPr>
@@ -1848,7 +2211,7 @@
           <p:cNvPr id="5" name="日付プレースホルダー 4">
             <a:extLst>
               <a:ext uri="{FF2B5EF4-FFF2-40B4-BE49-F238E27FC236}">
-                <a16:creationId xmlns:a16="http://schemas.microsoft.com/office/drawing/2014/main" id="{14125230-689E-2C49-A936-99AA8323183D}"/>
+                <a16:creationId xmlns:a16="http://schemas.microsoft.com/office/drawing/2014/main" id="{47C9A0FE-8747-904B-BECD-602D283ABA9F}"/>
               </a:ext>
             </a:extLst>
           </p:cNvPr>
@@ -1864,9 +2227,9 @@
           <a:bodyPr/>
           <a:lstStyle/>
           <a:p>
-            <a:fld id="{E4245ECD-3E8A-534F-BCF2-3F40B55B6962}" type="datetimeFigureOut">
+            <a:fld id="{B9148E87-D767-4243-9E31-2E6D394C8567}" type="datetimeFigureOut">
               <a:rPr kumimoji="1" lang="ja-JP" altLang="en-US" smtClean="0"/>
-              <a:t>2021/11/17</a:t>
+              <a:t>2021/11/25</a:t>
             </a:fld>
             <a:endParaRPr kumimoji="1" lang="ja-JP" altLang="en-US"/>
           </a:p>
@@ -1877,7 +2240,7 @@
           <p:cNvPr id="6" name="フッター プレースホルダー 5">
             <a:extLst>
               <a:ext uri="{FF2B5EF4-FFF2-40B4-BE49-F238E27FC236}">
-                <a16:creationId xmlns:a16="http://schemas.microsoft.com/office/drawing/2014/main" id="{111BDBE1-642A-C845-A532-F4A5608ED8ED}"/>
+                <a16:creationId xmlns:a16="http://schemas.microsoft.com/office/drawing/2014/main" id="{6F094974-AA72-D745-88FF-B6AFB39406B7}"/>
               </a:ext>
             </a:extLst>
           </p:cNvPr>
@@ -1902,7 +2265,7 @@
           <p:cNvPr id="7" name="スライド番号プレースホルダー 6">
             <a:extLst>
               <a:ext uri="{FF2B5EF4-FFF2-40B4-BE49-F238E27FC236}">
-                <a16:creationId xmlns:a16="http://schemas.microsoft.com/office/drawing/2014/main" id="{B0A4556F-8521-594B-9D16-38C118588021}"/>
+                <a16:creationId xmlns:a16="http://schemas.microsoft.com/office/drawing/2014/main" id="{1352C103-7D96-1A4E-A6FA-1435E7359C1D}"/>
               </a:ext>
             </a:extLst>
           </p:cNvPr>
@@ -1918,7 +2281,7 @@
           <a:bodyPr/>
           <a:lstStyle/>
           <a:p>
-            <a:fld id="{342D3D8F-692A-914F-83FC-E3B1BE524720}" type="slidenum">
+            <a:fld id="{36B086C5-84CE-0244-A96A-F90743B3D0F1}" type="slidenum">
               <a:rPr kumimoji="1" lang="ja-JP" altLang="en-US" smtClean="0"/>
               <a:t>‹#›</a:t>
             </a:fld>
@@ -1929,7 +2292,7 @@
     </p:spTree>
     <p:extLst>
       <p:ext uri="{BB962C8B-B14F-4D97-AF65-F5344CB8AC3E}">
-        <p14:creationId xmlns:p14="http://schemas.microsoft.com/office/powerpoint/2010/main" val="1136092828"/>
+        <p14:creationId xmlns:p14="http://schemas.microsoft.com/office/powerpoint/2010/main" val="3836335372"/>
       </p:ext>
     </p:extLst>
   </p:cSld>
@@ -1961,7 +2324,7 @@
           <p:cNvPr id="2" name="タイトル 1">
             <a:extLst>
               <a:ext uri="{FF2B5EF4-FFF2-40B4-BE49-F238E27FC236}">
-                <a16:creationId xmlns:a16="http://schemas.microsoft.com/office/drawing/2014/main" id="{927B3D9A-5E8B-EB4A-943F-D83F71C688DC}"/>
+                <a16:creationId xmlns:a16="http://schemas.microsoft.com/office/drawing/2014/main" id="{E665F257-8849-894B-BE3D-BCAFB287DA5A}"/>
               </a:ext>
             </a:extLst>
           </p:cNvPr>
@@ -1994,7 +2357,7 @@
           <p:cNvPr id="3" name="テキスト プレースホルダー 2">
             <a:extLst>
               <a:ext uri="{FF2B5EF4-FFF2-40B4-BE49-F238E27FC236}">
-                <a16:creationId xmlns:a16="http://schemas.microsoft.com/office/drawing/2014/main" id="{7C63FFBC-6D1A-9D41-AC7F-37544C5EF569}"/>
+                <a16:creationId xmlns:a16="http://schemas.microsoft.com/office/drawing/2014/main" id="{298A2560-0BE0-D546-BCE1-23F50D45A590}"/>
               </a:ext>
             </a:extLst>
           </p:cNvPr>
@@ -2065,7 +2428,7 @@
           <p:cNvPr id="4" name="コンテンツ プレースホルダー 3">
             <a:extLst>
               <a:ext uri="{FF2B5EF4-FFF2-40B4-BE49-F238E27FC236}">
-                <a16:creationId xmlns:a16="http://schemas.microsoft.com/office/drawing/2014/main" id="{AD6AC0EB-7960-C941-8AC9-E53FA4FF90FD}"/>
+                <a16:creationId xmlns:a16="http://schemas.microsoft.com/office/drawing/2014/main" id="{4313A094-6F0A-B041-A3BE-0F05A4E8D02B}"/>
               </a:ext>
             </a:extLst>
           </p:cNvPr>
@@ -2159,7 +2522,7 @@
           <p:cNvPr id="5" name="テキスト プレースホルダー 4">
             <a:extLst>
               <a:ext uri="{FF2B5EF4-FFF2-40B4-BE49-F238E27FC236}">
-                <a16:creationId xmlns:a16="http://schemas.microsoft.com/office/drawing/2014/main" id="{780AF87D-77D2-0C4D-89D9-4DA72E6AFFAA}"/>
+                <a16:creationId xmlns:a16="http://schemas.microsoft.com/office/drawing/2014/main" id="{4605ABF5-3F0D-0C4D-B9BF-B98E40964C32}"/>
               </a:ext>
             </a:extLst>
           </p:cNvPr>
@@ -2230,7 +2593,7 @@
           <p:cNvPr id="6" name="コンテンツ プレースホルダー 5">
             <a:extLst>
               <a:ext uri="{FF2B5EF4-FFF2-40B4-BE49-F238E27FC236}">
-                <a16:creationId xmlns:a16="http://schemas.microsoft.com/office/drawing/2014/main" id="{13F26D6E-FFA0-FB49-9996-F83B079B4D35}"/>
+                <a16:creationId xmlns:a16="http://schemas.microsoft.com/office/drawing/2014/main" id="{AA007EC5-B792-E54B-A902-E74DC3BB2FEC}"/>
               </a:ext>
             </a:extLst>
           </p:cNvPr>
@@ -2324,7 +2687,7 @@
           <p:cNvPr id="7" name="日付プレースホルダー 6">
             <a:extLst>
               <a:ext uri="{FF2B5EF4-FFF2-40B4-BE49-F238E27FC236}">
-                <a16:creationId xmlns:a16="http://schemas.microsoft.com/office/drawing/2014/main" id="{EB5A0841-F460-2F4E-A9C8-8CC6A2B19C4A}"/>
+                <a16:creationId xmlns:a16="http://schemas.microsoft.com/office/drawing/2014/main" id="{6C5EB45B-5689-1D44-BC76-BA1118E1132F}"/>
               </a:ext>
             </a:extLst>
           </p:cNvPr>
@@ -2340,9 +2703,9 @@
           <a:bodyPr/>
           <a:lstStyle/>
           <a:p>
-            <a:fld id="{E4245ECD-3E8A-534F-BCF2-3F40B55B6962}" type="datetimeFigureOut">
+            <a:fld id="{B9148E87-D767-4243-9E31-2E6D394C8567}" type="datetimeFigureOut">
               <a:rPr kumimoji="1" lang="ja-JP" altLang="en-US" smtClean="0"/>
-              <a:t>2021/11/17</a:t>
+              <a:t>2021/11/25</a:t>
             </a:fld>
             <a:endParaRPr kumimoji="1" lang="ja-JP" altLang="en-US"/>
           </a:p>
@@ -2353,7 +2716,7 @@
           <p:cNvPr id="8" name="フッター プレースホルダー 7">
             <a:extLst>
               <a:ext uri="{FF2B5EF4-FFF2-40B4-BE49-F238E27FC236}">
-                <a16:creationId xmlns:a16="http://schemas.microsoft.com/office/drawing/2014/main" id="{F287484E-EEC2-AA4E-928F-DF3E9E121375}"/>
+                <a16:creationId xmlns:a16="http://schemas.microsoft.com/office/drawing/2014/main" id="{C178B7BF-6EC1-204A-9010-DDBDCBFACCBA}"/>
               </a:ext>
             </a:extLst>
           </p:cNvPr>
@@ -2378,7 +2741,7 @@
           <p:cNvPr id="9" name="スライド番号プレースホルダー 8">
             <a:extLst>
               <a:ext uri="{FF2B5EF4-FFF2-40B4-BE49-F238E27FC236}">
-                <a16:creationId xmlns:a16="http://schemas.microsoft.com/office/drawing/2014/main" id="{EC670D4D-7ADA-9449-9E19-8FDEF7F5DBB2}"/>
+                <a16:creationId xmlns:a16="http://schemas.microsoft.com/office/drawing/2014/main" id="{F95F73A0-A4C6-8D4D-8F2E-D615F0CB5126}"/>
               </a:ext>
             </a:extLst>
           </p:cNvPr>
@@ -2394,7 +2757,7 @@
           <a:bodyPr/>
           <a:lstStyle/>
           <a:p>
-            <a:fld id="{342D3D8F-692A-914F-83FC-E3B1BE524720}" type="slidenum">
+            <a:fld id="{36B086C5-84CE-0244-A96A-F90743B3D0F1}" type="slidenum">
               <a:rPr kumimoji="1" lang="ja-JP" altLang="en-US" smtClean="0"/>
               <a:t>‹#›</a:t>
             </a:fld>
@@ -2405,7 +2768,7 @@
     </p:spTree>
     <p:extLst>
       <p:ext uri="{BB962C8B-B14F-4D97-AF65-F5344CB8AC3E}">
-        <p14:creationId xmlns:p14="http://schemas.microsoft.com/office/powerpoint/2010/main" val="223201374"/>
+        <p14:creationId xmlns:p14="http://schemas.microsoft.com/office/powerpoint/2010/main" val="4206671698"/>
       </p:ext>
     </p:extLst>
   </p:cSld>
@@ -2437,7 +2800,7 @@
           <p:cNvPr id="2" name="タイトル 1">
             <a:extLst>
               <a:ext uri="{FF2B5EF4-FFF2-40B4-BE49-F238E27FC236}">
-                <a16:creationId xmlns:a16="http://schemas.microsoft.com/office/drawing/2014/main" id="{32B4CAB1-C532-9849-9147-91D31E286514}"/>
+                <a16:creationId xmlns:a16="http://schemas.microsoft.com/office/drawing/2014/main" id="{C39B96E6-6B53-0946-9353-EB642EE77A2A}"/>
               </a:ext>
             </a:extLst>
           </p:cNvPr>
@@ -2465,7 +2828,7 @@
           <p:cNvPr id="3" name="日付プレースホルダー 2">
             <a:extLst>
               <a:ext uri="{FF2B5EF4-FFF2-40B4-BE49-F238E27FC236}">
-                <a16:creationId xmlns:a16="http://schemas.microsoft.com/office/drawing/2014/main" id="{1E96DAFC-A822-BE41-99C5-B782EE5F1133}"/>
+                <a16:creationId xmlns:a16="http://schemas.microsoft.com/office/drawing/2014/main" id="{990F77F1-945C-F54A-8B85-A398DECD59F4}"/>
               </a:ext>
             </a:extLst>
           </p:cNvPr>
@@ -2481,9 +2844,9 @@
           <a:bodyPr/>
           <a:lstStyle/>
           <a:p>
-            <a:fld id="{E4245ECD-3E8A-534F-BCF2-3F40B55B6962}" type="datetimeFigureOut">
+            <a:fld id="{B9148E87-D767-4243-9E31-2E6D394C8567}" type="datetimeFigureOut">
               <a:rPr kumimoji="1" lang="ja-JP" altLang="en-US" smtClean="0"/>
-              <a:t>2021/11/17</a:t>
+              <a:t>2021/11/25</a:t>
             </a:fld>
             <a:endParaRPr kumimoji="1" lang="ja-JP" altLang="en-US"/>
           </a:p>
@@ -2494,7 +2857,7 @@
           <p:cNvPr id="4" name="フッター プレースホルダー 3">
             <a:extLst>
               <a:ext uri="{FF2B5EF4-FFF2-40B4-BE49-F238E27FC236}">
-                <a16:creationId xmlns:a16="http://schemas.microsoft.com/office/drawing/2014/main" id="{40AB5EBF-881D-B44B-9F4F-324D10880FDE}"/>
+                <a16:creationId xmlns:a16="http://schemas.microsoft.com/office/drawing/2014/main" id="{EB8576F0-8B31-D94B-8AC2-1EC48C265BC6}"/>
               </a:ext>
             </a:extLst>
           </p:cNvPr>
@@ -2519,7 +2882,7 @@
           <p:cNvPr id="5" name="スライド番号プレースホルダー 4">
             <a:extLst>
               <a:ext uri="{FF2B5EF4-FFF2-40B4-BE49-F238E27FC236}">
-                <a16:creationId xmlns:a16="http://schemas.microsoft.com/office/drawing/2014/main" id="{0C5A455D-B80F-AA40-BCE0-78CA543EF946}"/>
+                <a16:creationId xmlns:a16="http://schemas.microsoft.com/office/drawing/2014/main" id="{A5CB5FE8-EA7B-974C-A0CD-19597E5A458C}"/>
               </a:ext>
             </a:extLst>
           </p:cNvPr>
@@ -2535,7 +2898,7 @@
           <a:bodyPr/>
           <a:lstStyle/>
           <a:p>
-            <a:fld id="{342D3D8F-692A-914F-83FC-E3B1BE524720}" type="slidenum">
+            <a:fld id="{36B086C5-84CE-0244-A96A-F90743B3D0F1}" type="slidenum">
               <a:rPr kumimoji="1" lang="ja-JP" altLang="en-US" smtClean="0"/>
               <a:t>‹#›</a:t>
             </a:fld>
@@ -2546,7 +2909,7 @@
     </p:spTree>
     <p:extLst>
       <p:ext uri="{BB962C8B-B14F-4D97-AF65-F5344CB8AC3E}">
-        <p14:creationId xmlns:p14="http://schemas.microsoft.com/office/powerpoint/2010/main" val="590762494"/>
+        <p14:creationId xmlns:p14="http://schemas.microsoft.com/office/powerpoint/2010/main" val="107545736"/>
       </p:ext>
     </p:extLst>
   </p:cSld>
@@ -2578,7 +2941,7 @@
           <p:cNvPr id="2" name="日付プレースホルダー 1">
             <a:extLst>
               <a:ext uri="{FF2B5EF4-FFF2-40B4-BE49-F238E27FC236}">
-                <a16:creationId xmlns:a16="http://schemas.microsoft.com/office/drawing/2014/main" id="{9BE4E826-CC05-D843-AB33-9BB25F375C17}"/>
+                <a16:creationId xmlns:a16="http://schemas.microsoft.com/office/drawing/2014/main" id="{07D45AD4-77D5-5948-8CC6-EF6DD4471A6B}"/>
               </a:ext>
             </a:extLst>
           </p:cNvPr>
@@ -2594,9 +2957,9 @@
           <a:bodyPr/>
           <a:lstStyle/>
           <a:p>
-            <a:fld id="{E4245ECD-3E8A-534F-BCF2-3F40B55B6962}" type="datetimeFigureOut">
+            <a:fld id="{B9148E87-D767-4243-9E31-2E6D394C8567}" type="datetimeFigureOut">
               <a:rPr kumimoji="1" lang="ja-JP" altLang="en-US" smtClean="0"/>
-              <a:t>2021/11/17</a:t>
+              <a:t>2021/11/25</a:t>
             </a:fld>
             <a:endParaRPr kumimoji="1" lang="ja-JP" altLang="en-US"/>
           </a:p>
@@ -2607,7 +2970,7 @@
           <p:cNvPr id="3" name="フッター プレースホルダー 2">
             <a:extLst>
               <a:ext uri="{FF2B5EF4-FFF2-40B4-BE49-F238E27FC236}">
-                <a16:creationId xmlns:a16="http://schemas.microsoft.com/office/drawing/2014/main" id="{EC16B729-7705-A346-ACFE-C96DD05444E3}"/>
+                <a16:creationId xmlns:a16="http://schemas.microsoft.com/office/drawing/2014/main" id="{4DA23552-46A3-2B47-BB77-78AC9A101070}"/>
               </a:ext>
             </a:extLst>
           </p:cNvPr>
@@ -2632,7 +2995,7 @@
           <p:cNvPr id="4" name="スライド番号プレースホルダー 3">
             <a:extLst>
               <a:ext uri="{FF2B5EF4-FFF2-40B4-BE49-F238E27FC236}">
-                <a16:creationId xmlns:a16="http://schemas.microsoft.com/office/drawing/2014/main" id="{AC99AAFE-BE1F-4044-803A-71EA1D8EAD56}"/>
+                <a16:creationId xmlns:a16="http://schemas.microsoft.com/office/drawing/2014/main" id="{F5900DBB-B4A9-3145-A518-EC584CC9DFC8}"/>
               </a:ext>
             </a:extLst>
           </p:cNvPr>
@@ -2648,7 +3011,7 @@
           <a:bodyPr/>
           <a:lstStyle/>
           <a:p>
-            <a:fld id="{342D3D8F-692A-914F-83FC-E3B1BE524720}" type="slidenum">
+            <a:fld id="{36B086C5-84CE-0244-A96A-F90743B3D0F1}" type="slidenum">
               <a:rPr kumimoji="1" lang="ja-JP" altLang="en-US" smtClean="0"/>
               <a:t>‹#›</a:t>
             </a:fld>
@@ -2659,7 +3022,7 @@
     </p:spTree>
     <p:extLst>
       <p:ext uri="{BB962C8B-B14F-4D97-AF65-F5344CB8AC3E}">
-        <p14:creationId xmlns:p14="http://schemas.microsoft.com/office/powerpoint/2010/main" val="2322383630"/>
+        <p14:creationId xmlns:p14="http://schemas.microsoft.com/office/powerpoint/2010/main" val="3716367635"/>
       </p:ext>
     </p:extLst>
   </p:cSld>
@@ -2691,7 +3054,7 @@
           <p:cNvPr id="2" name="タイトル 1">
             <a:extLst>
               <a:ext uri="{FF2B5EF4-FFF2-40B4-BE49-F238E27FC236}">
-                <a16:creationId xmlns:a16="http://schemas.microsoft.com/office/drawing/2014/main" id="{21F2D6ED-1F4F-4048-A3C2-7E4A9C029CEC}"/>
+                <a16:creationId xmlns:a16="http://schemas.microsoft.com/office/drawing/2014/main" id="{E83E5157-0853-584B-81DF-FAB5C48C74EA}"/>
               </a:ext>
             </a:extLst>
           </p:cNvPr>
@@ -2728,7 +3091,7 @@
           <p:cNvPr id="3" name="コンテンツ プレースホルダー 2">
             <a:extLst>
               <a:ext uri="{FF2B5EF4-FFF2-40B4-BE49-F238E27FC236}">
-                <a16:creationId xmlns:a16="http://schemas.microsoft.com/office/drawing/2014/main" id="{2FA0BD7E-1620-DC46-BD4F-DBD9F48186DD}"/>
+                <a16:creationId xmlns:a16="http://schemas.microsoft.com/office/drawing/2014/main" id="{D75ABEB1-8AE5-3443-8D02-20D6FEB816CE}"/>
               </a:ext>
             </a:extLst>
           </p:cNvPr>
@@ -2850,7 +3213,7 @@
           <p:cNvPr id="4" name="テキスト プレースホルダー 3">
             <a:extLst>
               <a:ext uri="{FF2B5EF4-FFF2-40B4-BE49-F238E27FC236}">
-                <a16:creationId xmlns:a16="http://schemas.microsoft.com/office/drawing/2014/main" id="{A2A9CF8A-E2B7-7A4D-AAA3-918186DAFD59}"/>
+                <a16:creationId xmlns:a16="http://schemas.microsoft.com/office/drawing/2014/main" id="{B1760B79-410D-4143-99CC-07833631C98D}"/>
               </a:ext>
             </a:extLst>
           </p:cNvPr>
@@ -2921,7 +3284,7 @@
           <p:cNvPr id="5" name="日付プレースホルダー 4">
             <a:extLst>
               <a:ext uri="{FF2B5EF4-FFF2-40B4-BE49-F238E27FC236}">
-                <a16:creationId xmlns:a16="http://schemas.microsoft.com/office/drawing/2014/main" id="{D90EED2A-D5B5-9548-ABC2-596909B4408A}"/>
+                <a16:creationId xmlns:a16="http://schemas.microsoft.com/office/drawing/2014/main" id="{68E7134B-14D9-1940-9C3A-D7CDBC47B517}"/>
               </a:ext>
             </a:extLst>
           </p:cNvPr>
@@ -2937,9 +3300,9 @@
           <a:bodyPr/>
           <a:lstStyle/>
           <a:p>
-            <a:fld id="{E4245ECD-3E8A-534F-BCF2-3F40B55B6962}" type="datetimeFigureOut">
+            <a:fld id="{B9148E87-D767-4243-9E31-2E6D394C8567}" type="datetimeFigureOut">
               <a:rPr kumimoji="1" lang="ja-JP" altLang="en-US" smtClean="0"/>
-              <a:t>2021/11/17</a:t>
+              <a:t>2021/11/25</a:t>
             </a:fld>
             <a:endParaRPr kumimoji="1" lang="ja-JP" altLang="en-US"/>
           </a:p>
@@ -2950,7 +3313,7 @@
           <p:cNvPr id="6" name="フッター プレースホルダー 5">
             <a:extLst>
               <a:ext uri="{FF2B5EF4-FFF2-40B4-BE49-F238E27FC236}">
-                <a16:creationId xmlns:a16="http://schemas.microsoft.com/office/drawing/2014/main" id="{E0ABF483-F156-E143-A009-812D341DC765}"/>
+                <a16:creationId xmlns:a16="http://schemas.microsoft.com/office/drawing/2014/main" id="{F57A9545-0B08-E64B-88EE-FFF2CDDA1D12}"/>
               </a:ext>
             </a:extLst>
           </p:cNvPr>
@@ -2975,7 +3338,7 @@
           <p:cNvPr id="7" name="スライド番号プレースホルダー 6">
             <a:extLst>
               <a:ext uri="{FF2B5EF4-FFF2-40B4-BE49-F238E27FC236}">
-                <a16:creationId xmlns:a16="http://schemas.microsoft.com/office/drawing/2014/main" id="{33B998B4-69D7-9E43-8A6A-F298B8E2B821}"/>
+                <a16:creationId xmlns:a16="http://schemas.microsoft.com/office/drawing/2014/main" id="{1440FF87-299C-DB4D-B562-3F81EEB8CF47}"/>
               </a:ext>
             </a:extLst>
           </p:cNvPr>
@@ -2991,7 +3354,7 @@
           <a:bodyPr/>
           <a:lstStyle/>
           <a:p>
-            <a:fld id="{342D3D8F-692A-914F-83FC-E3B1BE524720}" type="slidenum">
+            <a:fld id="{36B086C5-84CE-0244-A96A-F90743B3D0F1}" type="slidenum">
               <a:rPr kumimoji="1" lang="ja-JP" altLang="en-US" smtClean="0"/>
               <a:t>‹#›</a:t>
             </a:fld>
@@ -3002,7 +3365,7 @@
     </p:spTree>
     <p:extLst>
       <p:ext uri="{BB962C8B-B14F-4D97-AF65-F5344CB8AC3E}">
-        <p14:creationId xmlns:p14="http://schemas.microsoft.com/office/powerpoint/2010/main" val="3091106615"/>
+        <p14:creationId xmlns:p14="http://schemas.microsoft.com/office/powerpoint/2010/main" val="826403982"/>
       </p:ext>
     </p:extLst>
   </p:cSld>
@@ -3034,7 +3397,7 @@
           <p:cNvPr id="2" name="タイトル 1">
             <a:extLst>
               <a:ext uri="{FF2B5EF4-FFF2-40B4-BE49-F238E27FC236}">
-                <a16:creationId xmlns:a16="http://schemas.microsoft.com/office/drawing/2014/main" id="{EC0B1A56-A91F-E14F-8EAE-D80D63E13493}"/>
+                <a16:creationId xmlns:a16="http://schemas.microsoft.com/office/drawing/2014/main" id="{FADE9FB4-EA4B-FE43-AE7F-9E1B0694F116}"/>
               </a:ext>
             </a:extLst>
           </p:cNvPr>
@@ -3071,7 +3434,7 @@
           <p:cNvPr id="3" name="図プレースホルダー 2">
             <a:extLst>
               <a:ext uri="{FF2B5EF4-FFF2-40B4-BE49-F238E27FC236}">
-                <a16:creationId xmlns:a16="http://schemas.microsoft.com/office/drawing/2014/main" id="{60B07B00-4F23-A140-8B18-077AE5D5389A}"/>
+                <a16:creationId xmlns:a16="http://schemas.microsoft.com/office/drawing/2014/main" id="{84D18FF0-1781-6F43-B8A3-9886A965F1C9}"/>
               </a:ext>
             </a:extLst>
           </p:cNvPr>
@@ -3138,7 +3501,7 @@
           <p:cNvPr id="4" name="テキスト プレースホルダー 3">
             <a:extLst>
               <a:ext uri="{FF2B5EF4-FFF2-40B4-BE49-F238E27FC236}">
-                <a16:creationId xmlns:a16="http://schemas.microsoft.com/office/drawing/2014/main" id="{2EDC7F53-7896-A848-8C6E-6FA2EED799A3}"/>
+                <a16:creationId xmlns:a16="http://schemas.microsoft.com/office/drawing/2014/main" id="{4F5C5EC3-6D1C-534E-A247-5CEB08B4A12B}"/>
               </a:ext>
             </a:extLst>
           </p:cNvPr>
@@ -3209,7 +3572,7 @@
           <p:cNvPr id="5" name="日付プレースホルダー 4">
             <a:extLst>
               <a:ext uri="{FF2B5EF4-FFF2-40B4-BE49-F238E27FC236}">
-                <a16:creationId xmlns:a16="http://schemas.microsoft.com/office/drawing/2014/main" id="{A4282972-8B79-D547-BBBA-A360D596231A}"/>
+                <a16:creationId xmlns:a16="http://schemas.microsoft.com/office/drawing/2014/main" id="{E467F832-6262-A94D-84FE-57151150BD93}"/>
               </a:ext>
             </a:extLst>
           </p:cNvPr>
@@ -3225,9 +3588,9 @@
           <a:bodyPr/>
           <a:lstStyle/>
           <a:p>
-            <a:fld id="{E4245ECD-3E8A-534F-BCF2-3F40B55B6962}" type="datetimeFigureOut">
+            <a:fld id="{B9148E87-D767-4243-9E31-2E6D394C8567}" type="datetimeFigureOut">
               <a:rPr kumimoji="1" lang="ja-JP" altLang="en-US" smtClean="0"/>
-              <a:t>2021/11/17</a:t>
+              <a:t>2021/11/25</a:t>
             </a:fld>
             <a:endParaRPr kumimoji="1" lang="ja-JP" altLang="en-US"/>
           </a:p>
@@ -3238,7 +3601,7 @@
           <p:cNvPr id="6" name="フッター プレースホルダー 5">
             <a:extLst>
               <a:ext uri="{FF2B5EF4-FFF2-40B4-BE49-F238E27FC236}">
-                <a16:creationId xmlns:a16="http://schemas.microsoft.com/office/drawing/2014/main" id="{B5AB3BF7-BA9F-5C4E-B091-0FAE194EDBCF}"/>
+                <a16:creationId xmlns:a16="http://schemas.microsoft.com/office/drawing/2014/main" id="{F2F197B5-714F-2A4C-899E-07ADBBDD8FF1}"/>
               </a:ext>
             </a:extLst>
           </p:cNvPr>
@@ -3263,7 +3626,7 @@
           <p:cNvPr id="7" name="スライド番号プレースホルダー 6">
             <a:extLst>
               <a:ext uri="{FF2B5EF4-FFF2-40B4-BE49-F238E27FC236}">
-                <a16:creationId xmlns:a16="http://schemas.microsoft.com/office/drawing/2014/main" id="{23C64F60-A906-9C4D-9834-F7025C97951F}"/>
+                <a16:creationId xmlns:a16="http://schemas.microsoft.com/office/drawing/2014/main" id="{A3964AD2-D13A-734E-B8E1-CC589D3BAE0E}"/>
               </a:ext>
             </a:extLst>
           </p:cNvPr>
@@ -3279,7 +3642,7 @@
           <a:bodyPr/>
           <a:lstStyle/>
           <a:p>
-            <a:fld id="{342D3D8F-692A-914F-83FC-E3B1BE524720}" type="slidenum">
+            <a:fld id="{36B086C5-84CE-0244-A96A-F90743B3D0F1}" type="slidenum">
               <a:rPr kumimoji="1" lang="ja-JP" altLang="en-US" smtClean="0"/>
               <a:t>‹#›</a:t>
             </a:fld>
@@ -3290,7 +3653,7 @@
     </p:spTree>
     <p:extLst>
       <p:ext uri="{BB962C8B-B14F-4D97-AF65-F5344CB8AC3E}">
-        <p14:creationId xmlns:p14="http://schemas.microsoft.com/office/powerpoint/2010/main" val="2661005260"/>
+        <p14:creationId xmlns:p14="http://schemas.microsoft.com/office/powerpoint/2010/main" val="3873791372"/>
       </p:ext>
     </p:extLst>
   </p:cSld>
@@ -3327,7 +3690,7 @@
           <p:cNvPr id="2" name="タイトル プレースホルダー 1">
             <a:extLst>
               <a:ext uri="{FF2B5EF4-FFF2-40B4-BE49-F238E27FC236}">
-                <a16:creationId xmlns:a16="http://schemas.microsoft.com/office/drawing/2014/main" id="{B52294EA-0378-7643-817B-A47C1A238579}"/>
+                <a16:creationId xmlns:a16="http://schemas.microsoft.com/office/drawing/2014/main" id="{F6FF65A5-C934-1C49-BBB2-12C2AD94E1D4}"/>
               </a:ext>
             </a:extLst>
           </p:cNvPr>
@@ -3365,7 +3728,7 @@
           <p:cNvPr id="3" name="テキスト プレースホルダー 2">
             <a:extLst>
               <a:ext uri="{FF2B5EF4-FFF2-40B4-BE49-F238E27FC236}">
-                <a16:creationId xmlns:a16="http://schemas.microsoft.com/office/drawing/2014/main" id="{C8F85951-3099-1F43-B21F-E6073F2A9C81}"/>
+                <a16:creationId xmlns:a16="http://schemas.microsoft.com/office/drawing/2014/main" id="{50029562-A313-4540-9650-2AF5A4E770B2}"/>
               </a:ext>
             </a:extLst>
           </p:cNvPr>
@@ -3464,7 +3827,7 @@
           <p:cNvPr id="4" name="日付プレースホルダー 3">
             <a:extLst>
               <a:ext uri="{FF2B5EF4-FFF2-40B4-BE49-F238E27FC236}">
-                <a16:creationId xmlns:a16="http://schemas.microsoft.com/office/drawing/2014/main" id="{74DF4CDC-A61C-9F4F-AA07-410BC0139E0B}"/>
+                <a16:creationId xmlns:a16="http://schemas.microsoft.com/office/drawing/2014/main" id="{2BEDF838-0DD6-D34F-B1F3-7FE95CF921CE}"/>
               </a:ext>
             </a:extLst>
           </p:cNvPr>
@@ -3498,9 +3861,9 @@
             </a:lvl1pPr>
           </a:lstStyle>
           <a:p>
-            <a:fld id="{E4245ECD-3E8A-534F-BCF2-3F40B55B6962}" type="datetimeFigureOut">
+            <a:fld id="{B9148E87-D767-4243-9E31-2E6D394C8567}" type="datetimeFigureOut">
               <a:rPr kumimoji="1" lang="ja-JP" altLang="en-US" smtClean="0"/>
-              <a:t>2021/11/17</a:t>
+              <a:t>2021/11/25</a:t>
             </a:fld>
             <a:endParaRPr kumimoji="1" lang="ja-JP" altLang="en-US"/>
           </a:p>
@@ -3511,7 +3874,7 @@
           <p:cNvPr id="5" name="フッター プレースホルダー 4">
             <a:extLst>
               <a:ext uri="{FF2B5EF4-FFF2-40B4-BE49-F238E27FC236}">
-                <a16:creationId xmlns:a16="http://schemas.microsoft.com/office/drawing/2014/main" id="{BE76919F-D0A5-5B45-99FA-91843F31598E}"/>
+                <a16:creationId xmlns:a16="http://schemas.microsoft.com/office/drawing/2014/main" id="{88F1AC2C-8D5F-414B-8509-D2184044A5EC}"/>
               </a:ext>
             </a:extLst>
           </p:cNvPr>
@@ -3554,7 +3917,7 @@
           <p:cNvPr id="6" name="スライド番号プレースホルダー 5">
             <a:extLst>
               <a:ext uri="{FF2B5EF4-FFF2-40B4-BE49-F238E27FC236}">
-                <a16:creationId xmlns:a16="http://schemas.microsoft.com/office/drawing/2014/main" id="{DA878336-173A-D844-8C2A-3DD6C31CD5F3}"/>
+                <a16:creationId xmlns:a16="http://schemas.microsoft.com/office/drawing/2014/main" id="{B627056E-572A-0542-8690-ED22B3B6AFFA}"/>
               </a:ext>
             </a:extLst>
           </p:cNvPr>
@@ -3588,7 +3951,7 @@
             </a:lvl1pPr>
           </a:lstStyle>
           <a:p>
-            <a:fld id="{342D3D8F-692A-914F-83FC-E3B1BE524720}" type="slidenum">
+            <a:fld id="{36B086C5-84CE-0244-A96A-F90743B3D0F1}" type="slidenum">
               <a:rPr kumimoji="1" lang="ja-JP" altLang="en-US" smtClean="0"/>
               <a:t>‹#›</a:t>
             </a:fld>
@@ -3599,7 +3962,7 @@
     </p:spTree>
     <p:extLst>
       <p:ext uri="{BB962C8B-B14F-4D97-AF65-F5344CB8AC3E}">
-        <p14:creationId xmlns:p14="http://schemas.microsoft.com/office/powerpoint/2010/main" val="1580284855"/>
+        <p14:creationId xmlns:p14="http://schemas.microsoft.com/office/powerpoint/2010/main" val="2915191480"/>
       </p:ext>
     </p:extLst>
   </p:cSld>
@@ -3944,15 +4307,7 @@
             </a:r>
             <a:r>
               <a:rPr kumimoji="1" lang="ja-JP" altLang="en-US"/>
-              <a:t>初心者講座第２</a:t>
-            </a:r>
-            <a:r>
-              <a:rPr lang="ja-JP" altLang="en-US"/>
-              <a:t>５</a:t>
-            </a:r>
-            <a:r>
-              <a:rPr kumimoji="1" lang="ja-JP" altLang="en-US"/>
-              <a:t>回</a:t>
+              <a:t>初心者講座第２５回</a:t>
             </a:r>
           </a:p>
         </p:txBody>
@@ -3979,10 +4334,9 @@
           <a:lstStyle/>
           <a:p>
             <a:r>
-              <a:rPr lang="ja-JP" altLang="en-US"/>
-              <a:t>残差逸脱度</a:t>
-            </a:r>
-            <a:endParaRPr kumimoji="1" lang="ja-JP" altLang="en-US"/>
+              <a:rPr kumimoji="1" lang="ja-JP" altLang="en-US"/>
+              <a:t>正規性のチェック</a:t>
+            </a:r>
           </a:p>
         </p:txBody>
       </p:sp>
@@ -3990,6 +4344,436 @@
     <p:extLst>
       <p:ext uri="{BB962C8B-B14F-4D97-AF65-F5344CB8AC3E}">
         <p14:creationId xmlns:p14="http://schemas.microsoft.com/office/powerpoint/2010/main" val="2432279440"/>
+      </p:ext>
+    </p:extLst>
+  </p:cSld>
+  <p:clrMapOvr>
+    <a:masterClrMapping/>
+  </p:clrMapOvr>
+</p:sld>
+</file>
+
+<file path=ppt/slides/slide10.xml><?xml version="1.0" encoding="utf-8"?>
+<p:sld xmlns:a="http://schemas.openxmlformats.org/drawingml/2006/main" xmlns:r="http://schemas.openxmlformats.org/officeDocument/2006/relationships" xmlns:p="http://schemas.openxmlformats.org/presentationml/2006/main">
+  <p:cSld>
+    <p:spTree>
+      <p:nvGrpSpPr>
+        <p:cNvPr id="1" name=""/>
+        <p:cNvGrpSpPr/>
+        <p:nvPr/>
+      </p:nvGrpSpPr>
+      <p:grpSpPr>
+        <a:xfrm>
+          <a:off x="0" y="0"/>
+          <a:ext cx="0" cy="0"/>
+          <a:chOff x="0" y="0"/>
+          <a:chExt cx="0" cy="0"/>
+        </a:xfrm>
+      </p:grpSpPr>
+      <p:sp>
+        <p:nvSpPr>
+          <p:cNvPr id="2" name="タイトル 1">
+            <a:extLst>
+              <a:ext uri="{FF2B5EF4-FFF2-40B4-BE49-F238E27FC236}">
+                <a16:creationId xmlns:a16="http://schemas.microsoft.com/office/drawing/2014/main" id="{68BB739B-FF50-7947-89AB-1B70AF4DD3EA}"/>
+              </a:ext>
+            </a:extLst>
+          </p:cNvPr>
+          <p:cNvSpPr>
+            <a:spLocks noGrp="1"/>
+          </p:cNvSpPr>
+          <p:nvPr>
+            <p:ph type="title"/>
+          </p:nvPr>
+        </p:nvSpPr>
+        <p:spPr/>
+        <p:txBody>
+          <a:bodyPr/>
+          <a:lstStyle/>
+          <a:p>
+            <a:r>
+              <a:rPr lang="ja-JP" altLang="en-US"/>
+              <a:t>正規性のチェック</a:t>
+            </a:r>
+            <a:endParaRPr kumimoji="1" lang="ja-JP" altLang="en-US"/>
+          </a:p>
+        </p:txBody>
+      </p:sp>
+      <p:sp>
+        <p:nvSpPr>
+          <p:cNvPr id="3" name="コンテンツ プレースホルダー 2">
+            <a:extLst>
+              <a:ext uri="{FF2B5EF4-FFF2-40B4-BE49-F238E27FC236}">
+                <a16:creationId xmlns:a16="http://schemas.microsoft.com/office/drawing/2014/main" id="{B7EB713B-B0D0-A347-9D4F-48B4383A8075}"/>
+              </a:ext>
+            </a:extLst>
+          </p:cNvPr>
+          <p:cNvSpPr>
+            <a:spLocks noGrp="1"/>
+          </p:cNvSpPr>
+          <p:nvPr>
+            <p:ph idx="1"/>
+          </p:nvPr>
+        </p:nvSpPr>
+        <p:spPr>
+          <a:xfrm>
+            <a:off x="838200" y="1825625"/>
+            <a:ext cx="10756900" cy="4351338"/>
+          </a:xfrm>
+        </p:spPr>
+        <p:txBody>
+          <a:bodyPr>
+            <a:normAutofit/>
+          </a:bodyPr>
+          <a:lstStyle/>
+          <a:p>
+            <a:r>
+              <a:rPr lang="ja-JP" altLang="en-US">
+                <a:solidFill>
+                  <a:schemeClr val="bg2">
+                    <a:lumMod val="50000"/>
+                  </a:schemeClr>
+                </a:solidFill>
+              </a:rPr>
+              <a:t>まず</a:t>
+            </a:r>
+            <a:r>
+              <a:rPr lang="en-US" altLang="ja-JP" dirty="0">
+                <a:solidFill>
+                  <a:schemeClr val="bg2">
+                    <a:lumMod val="50000"/>
+                  </a:schemeClr>
+                </a:solidFill>
+              </a:rPr>
+              <a:t>plot</a:t>
+            </a:r>
+            <a:r>
+              <a:rPr lang="ja-JP" altLang="en-US">
+                <a:solidFill>
+                  <a:schemeClr val="bg2">
+                    <a:lumMod val="50000"/>
+                  </a:schemeClr>
+                </a:solidFill>
+              </a:rPr>
+              <a:t>して可視化</a:t>
+            </a:r>
+            <a:endParaRPr lang="en-US" altLang="ja-JP" dirty="0">
+              <a:solidFill>
+                <a:schemeClr val="bg2">
+                  <a:lumMod val="50000"/>
+                </a:schemeClr>
+              </a:solidFill>
+            </a:endParaRPr>
+          </a:p>
+          <a:p>
+            <a:endParaRPr lang="en-US" altLang="ja-JP" dirty="0"/>
+          </a:p>
+          <a:p>
+            <a:r>
+              <a:rPr lang="ja-JP" altLang="en-US">
+                <a:solidFill>
+                  <a:schemeClr val="bg2">
+                    <a:lumMod val="50000"/>
+                  </a:schemeClr>
+                </a:solidFill>
+              </a:rPr>
+              <a:t>分布からずれていないかチェックのプロット</a:t>
+            </a:r>
+            <a:r>
+              <a:rPr lang="en-US" altLang="ja-JP" dirty="0" err="1">
+                <a:solidFill>
+                  <a:schemeClr val="bg2">
+                    <a:lumMod val="50000"/>
+                  </a:schemeClr>
+                </a:solidFill>
+              </a:rPr>
+              <a:t>QQplot</a:t>
+            </a:r>
+            <a:endParaRPr lang="en-US" altLang="ja-JP" dirty="0">
+              <a:solidFill>
+                <a:schemeClr val="bg2">
+                  <a:lumMod val="50000"/>
+                </a:schemeClr>
+              </a:solidFill>
+            </a:endParaRPr>
+          </a:p>
+          <a:p>
+            <a:pPr marL="457200" lvl="1" indent="0">
+              <a:buNone/>
+            </a:pPr>
+            <a:endParaRPr lang="en-US" altLang="ja-JP" dirty="0">
+              <a:solidFill>
+                <a:schemeClr val="bg2">
+                  <a:lumMod val="50000"/>
+                </a:schemeClr>
+              </a:solidFill>
+            </a:endParaRPr>
+          </a:p>
+          <a:p>
+            <a:r>
+              <a:rPr lang="en-US" altLang="ja-JP" dirty="0"/>
+              <a:t>Shapiro-Wilk</a:t>
+            </a:r>
+            <a:r>
+              <a:rPr lang="ja-JP" altLang="en-US"/>
+              <a:t>検定</a:t>
+            </a:r>
+            <a:endParaRPr lang="en-US" altLang="ja-JP" dirty="0"/>
+          </a:p>
+        </p:txBody>
+      </p:sp>
+    </p:spTree>
+    <p:extLst>
+      <p:ext uri="{BB962C8B-B14F-4D97-AF65-F5344CB8AC3E}">
+        <p14:creationId xmlns:p14="http://schemas.microsoft.com/office/powerpoint/2010/main" val="3759911444"/>
+      </p:ext>
+    </p:extLst>
+  </p:cSld>
+  <p:clrMapOvr>
+    <a:masterClrMapping/>
+  </p:clrMapOvr>
+</p:sld>
+</file>
+
+<file path=ppt/slides/slide11.xml><?xml version="1.0" encoding="utf-8"?>
+<p:sld xmlns:a="http://schemas.openxmlformats.org/drawingml/2006/main" xmlns:r="http://schemas.openxmlformats.org/officeDocument/2006/relationships" xmlns:p="http://schemas.openxmlformats.org/presentationml/2006/main">
+  <p:cSld>
+    <p:spTree>
+      <p:nvGrpSpPr>
+        <p:cNvPr id="1" name=""/>
+        <p:cNvGrpSpPr/>
+        <p:nvPr/>
+      </p:nvGrpSpPr>
+      <p:grpSpPr>
+        <a:xfrm>
+          <a:off x="0" y="0"/>
+          <a:ext cx="0" cy="0"/>
+          <a:chOff x="0" y="0"/>
+          <a:chExt cx="0" cy="0"/>
+        </a:xfrm>
+      </p:grpSpPr>
+      <p:sp>
+        <p:nvSpPr>
+          <p:cNvPr id="2" name="タイトル 1">
+            <a:extLst>
+              <a:ext uri="{FF2B5EF4-FFF2-40B4-BE49-F238E27FC236}">
+                <a16:creationId xmlns:a16="http://schemas.microsoft.com/office/drawing/2014/main" id="{8021A45D-E4FF-5A46-91C6-E4BEF315A871}"/>
+              </a:ext>
+            </a:extLst>
+          </p:cNvPr>
+          <p:cNvSpPr>
+            <a:spLocks noGrp="1"/>
+          </p:cNvSpPr>
+          <p:nvPr>
+            <p:ph type="title"/>
+          </p:nvPr>
+        </p:nvSpPr>
+        <p:spPr/>
+        <p:txBody>
+          <a:bodyPr/>
+          <a:lstStyle/>
+          <a:p>
+            <a:r>
+              <a:rPr kumimoji="1" lang="en-US" altLang="ja-JP" dirty="0"/>
+              <a:t>Shapiro-Wi</a:t>
+            </a:r>
+            <a:r>
+              <a:rPr lang="en-US" altLang="ja-JP" dirty="0"/>
+              <a:t>lk</a:t>
+            </a:r>
+            <a:r>
+              <a:rPr lang="ja-JP" altLang="en-US"/>
+              <a:t>検定</a:t>
+            </a:r>
+            <a:endParaRPr kumimoji="1" lang="ja-JP" altLang="en-US"/>
+          </a:p>
+        </p:txBody>
+      </p:sp>
+      <p:sp>
+        <p:nvSpPr>
+          <p:cNvPr id="3" name="コンテンツ プレースホルダー 2">
+            <a:extLst>
+              <a:ext uri="{FF2B5EF4-FFF2-40B4-BE49-F238E27FC236}">
+                <a16:creationId xmlns:a16="http://schemas.microsoft.com/office/drawing/2014/main" id="{929FB2F8-884F-DB42-8889-1307E783A82A}"/>
+              </a:ext>
+            </a:extLst>
+          </p:cNvPr>
+          <p:cNvSpPr>
+            <a:spLocks noGrp="1"/>
+          </p:cNvSpPr>
+          <p:nvPr>
+            <p:ph idx="1"/>
+          </p:nvPr>
+        </p:nvSpPr>
+        <p:spPr/>
+        <p:txBody>
+          <a:bodyPr>
+            <a:normAutofit fontScale="70000" lnSpcReduction="20000"/>
+          </a:bodyPr>
+          <a:lstStyle/>
+          <a:p>
+            <a:r>
+              <a:rPr lang="ja-JP" altLang="en-US"/>
+              <a:t>得られたデータが正規分布に従うものか否かを調べる検定．</a:t>
+            </a:r>
+            <a:r>
+              <a:rPr lang="en-US" altLang="ja-JP" dirty="0"/>
+              <a:t>p</a:t>
+            </a:r>
+            <a:r>
+              <a:rPr lang="ja-JP" altLang="en-US"/>
+              <a:t>値によってデータが正規分布に従っているかを定量的に確認．</a:t>
+            </a:r>
+            <a:endParaRPr lang="en-US" altLang="ja-JP" dirty="0"/>
+          </a:p>
+          <a:p>
+            <a:endParaRPr kumimoji="1" lang="en-US" altLang="ja-JP" dirty="0"/>
+          </a:p>
+          <a:p>
+            <a:r>
+              <a:rPr lang="ja-JP" altLang="en-US"/>
+              <a:t>帰無仮説は「データが正規分布に従って分布する」</a:t>
+            </a:r>
+            <a:endParaRPr lang="en-US" altLang="ja-JP" dirty="0"/>
+          </a:p>
+          <a:p>
+            <a:endParaRPr lang="en-US" altLang="ja-JP" dirty="0"/>
+          </a:p>
+          <a:p>
+            <a:r>
+              <a:rPr lang="en-US" altLang="ja-JP" dirty="0" err="1"/>
+              <a:t>shapiro.test</a:t>
+            </a:r>
+            <a:r>
+              <a:rPr lang="ja-JP" altLang="en-US"/>
+              <a:t>関数で引数に残差．</a:t>
+            </a:r>
+            <a:endParaRPr lang="en-US" altLang="ja-JP" dirty="0"/>
+          </a:p>
+          <a:p>
+            <a:endParaRPr kumimoji="1" lang="en-US" altLang="ja-JP" dirty="0"/>
+          </a:p>
+          <a:p>
+            <a:endParaRPr kumimoji="1" lang="en-US" altLang="ja-JP" dirty="0"/>
+          </a:p>
+          <a:p>
+            <a:endParaRPr lang="en-US" altLang="ja-JP" dirty="0"/>
+          </a:p>
+          <a:p>
+            <a:endParaRPr lang="en-US" altLang="ja-JP" dirty="0"/>
+          </a:p>
+          <a:p>
+            <a:endParaRPr kumimoji="1" lang="en-US" altLang="ja-JP" dirty="0"/>
+          </a:p>
+          <a:p>
+            <a:r>
+              <a:rPr lang="ja-JP" altLang="en-US"/>
+              <a:t>この場合、有意水準</a:t>
+            </a:r>
+            <a:r>
+              <a:rPr lang="en-US" altLang="ja-JP" dirty="0"/>
+              <a:t>5%</a:t>
+            </a:r>
+            <a:r>
+              <a:rPr lang="ja-JP" altLang="en-US"/>
+              <a:t>とすると、帰無仮説を棄却できない．すなわち、残差は正規分布に従っていない、とはいえない．</a:t>
+            </a:r>
+            <a:endParaRPr kumimoji="1" lang="ja-JP" altLang="en-US"/>
+          </a:p>
+        </p:txBody>
+      </p:sp>
+      <p:sp>
+        <p:nvSpPr>
+          <p:cNvPr id="4" name="正方形/長方形 3">
+            <a:extLst>
+              <a:ext uri="{FF2B5EF4-FFF2-40B4-BE49-F238E27FC236}">
+                <a16:creationId xmlns:a16="http://schemas.microsoft.com/office/drawing/2014/main" id="{9A0B37BF-DF44-4C49-A0C7-B382023DCA3F}"/>
+              </a:ext>
+            </a:extLst>
+          </p:cNvPr>
+          <p:cNvSpPr/>
+          <p:nvPr/>
+        </p:nvSpPr>
+        <p:spPr>
+          <a:xfrm>
+            <a:off x="1866900" y="3592374"/>
+            <a:ext cx="6096000" cy="1754326"/>
+          </a:xfrm>
+          <a:prstGeom prst="rect">
+            <a:avLst/>
+          </a:prstGeom>
+        </p:spPr>
+        <p:txBody>
+          <a:bodyPr wrap="square">
+            <a:spAutoFit/>
+          </a:bodyPr>
+          <a:lstStyle/>
+          <a:p>
+            <a:r>
+              <a:rPr lang="ja-JP" altLang="en-US"/>
+              <a:t>&gt; shapiro.test(x=res_lm$residuals)</a:t>
+            </a:r>
+          </a:p>
+          <a:p>
+            <a:endParaRPr lang="ja-JP" altLang="en-US"/>
+          </a:p>
+          <a:p>
+            <a:r>
+              <a:rPr lang="ja-JP" altLang="en-US"/>
+              <a:t>	Shapiro-Wilk normality test</a:t>
+            </a:r>
+          </a:p>
+          <a:p>
+            <a:endParaRPr lang="ja-JP" altLang="en-US"/>
+          </a:p>
+          <a:p>
+            <a:r>
+              <a:rPr lang="ja-JP" altLang="en-US"/>
+              <a:t>data:  res_lm$residuals</a:t>
+            </a:r>
+          </a:p>
+          <a:p>
+            <a:r>
+              <a:rPr lang="ja-JP" altLang="en-US"/>
+              <a:t>W = 0.9992, p-value = 0.2041</a:t>
+            </a:r>
+          </a:p>
+        </p:txBody>
+      </p:sp>
+      <p:pic>
+        <p:nvPicPr>
+          <p:cNvPr id="5" name="図 4">
+            <a:extLst>
+              <a:ext uri="{FF2B5EF4-FFF2-40B4-BE49-F238E27FC236}">
+                <a16:creationId xmlns:a16="http://schemas.microsoft.com/office/drawing/2014/main" id="{4A6777C8-1A2C-304D-B190-F0372F1983D3}"/>
+              </a:ext>
+            </a:extLst>
+          </p:cNvPr>
+          <p:cNvPicPr>
+            <a:picLocks noChangeAspect="1"/>
+          </p:cNvPicPr>
+          <p:nvPr/>
+        </p:nvPicPr>
+        <p:blipFill>
+          <a:blip r:embed="rId2"/>
+          <a:stretch>
+            <a:fillRect/>
+          </a:stretch>
+        </p:blipFill>
+        <p:spPr>
+          <a:xfrm>
+            <a:off x="7336716" y="2204275"/>
+            <a:ext cx="4324575" cy="3142425"/>
+          </a:xfrm>
+          <a:prstGeom prst="rect">
+            <a:avLst/>
+          </a:prstGeom>
+        </p:spPr>
+      </p:pic>
+    </p:spTree>
+    <p:extLst>
+      <p:ext uri="{BB962C8B-B14F-4D97-AF65-F5344CB8AC3E}">
+        <p14:creationId xmlns:p14="http://schemas.microsoft.com/office/powerpoint/2010/main" val="3976745622"/>
       </p:ext>
     </p:extLst>
   </p:cSld>
@@ -4021,7 +4805,7 @@
           <p:cNvPr id="2" name="タイトル 1">
             <a:extLst>
               <a:ext uri="{FF2B5EF4-FFF2-40B4-BE49-F238E27FC236}">
-                <a16:creationId xmlns:a16="http://schemas.microsoft.com/office/drawing/2014/main" id="{3894D0AE-3B29-6F44-AE60-46AA9C21E8A6}"/>
+                <a16:creationId xmlns:a16="http://schemas.microsoft.com/office/drawing/2014/main" id="{68BB739B-FF50-7947-89AB-1B70AF4DD3EA}"/>
               </a:ext>
             </a:extLst>
           </p:cNvPr>
@@ -4039,7 +4823,7 @@
           <a:p>
             <a:r>
               <a:rPr kumimoji="1" lang="ja-JP" altLang="en-US"/>
-              <a:t>最小二乗法</a:t>
+              <a:t>モデルの結果の診断</a:t>
             </a:r>
           </a:p>
         </p:txBody>
@@ -4049,7 +4833,7 @@
           <p:cNvPr id="3" name="コンテンツ プレースホルダー 2">
             <a:extLst>
               <a:ext uri="{FF2B5EF4-FFF2-40B4-BE49-F238E27FC236}">
-                <a16:creationId xmlns:a16="http://schemas.microsoft.com/office/drawing/2014/main" id="{F7D8FFA7-2B83-234B-B191-ADBB4833C659}"/>
+                <a16:creationId xmlns:a16="http://schemas.microsoft.com/office/drawing/2014/main" id="{B7EB713B-B0D0-A347-9D4F-48B4383A8075}"/>
               </a:ext>
             </a:extLst>
           </p:cNvPr>
@@ -4060,16 +4844,21 @@
             <p:ph idx="1"/>
           </p:nvPr>
         </p:nvSpPr>
-        <p:spPr/>
+        <p:spPr>
+          <a:xfrm>
+            <a:off x="838200" y="1825625"/>
+            <a:ext cx="10756900" cy="4351338"/>
+          </a:xfrm>
+        </p:spPr>
         <p:txBody>
           <a:bodyPr>
-            <a:normAutofit/>
+            <a:normAutofit lnSpcReduction="10000"/>
           </a:bodyPr>
           <a:lstStyle/>
           <a:p>
             <a:r>
               <a:rPr lang="ja-JP" altLang="en-US"/>
-              <a:t>残差平方和（残差の２乗の和）を最小化するような係数と切片を見つけ出す方法．残差の大きさはモデルのデータへの当てはまりの悪さと言える．</a:t>
+              <a:t>線形モデルでも一般化線形モデルでも、目的（応答）変数を説明変数で予測するが、予測値と目的変数にはズレ（誤差）が出る．</a:t>
             </a:r>
             <a:endParaRPr lang="en-US" altLang="ja-JP" dirty="0"/>
           </a:p>
@@ -4078,34 +4867,59 @@
           </a:p>
           <a:p>
             <a:r>
+              <a:rPr lang="ja-JP" altLang="en-US"/>
+              <a:t>誤差が小さく、未観測データでハズレない（汎化性能が高い）モデルが情報量規準などで選ばれる．</a:t>
+            </a:r>
+            <a:endParaRPr lang="en-US" altLang="ja-JP" dirty="0"/>
+          </a:p>
+          <a:p>
+            <a:endParaRPr lang="en-US" altLang="ja-JP" dirty="0"/>
+          </a:p>
+          <a:p>
+            <a:r>
+              <a:rPr lang="ja-JP" altLang="en-US"/>
+              <a:t>では、誤差はどれくらい小さいのか？</a:t>
+            </a:r>
+            <a:endParaRPr lang="en-US" altLang="ja-JP" dirty="0"/>
+          </a:p>
+          <a:p>
+            <a:pPr marL="0" indent="0">
+              <a:buNone/>
+            </a:pPr>
+            <a:r>
               <a:rPr lang="en-US" altLang="ja-JP" dirty="0"/>
-              <a:t> </a:t>
+              <a:t>	</a:t>
             </a:r>
             <a:r>
               <a:rPr lang="ja-JP" altLang="en-US"/>
-              <a:t>重回帰では説明変数を増やせば（モデルを複雑にすれば）データへの当てはまりは良くなる傾向がある（汎化性能は低い）．</a:t>
+              <a:t>→残差プロット</a:t>
             </a:r>
             <a:endParaRPr lang="en-US" altLang="ja-JP" dirty="0"/>
           </a:p>
           <a:p>
-            <a:pPr marL="0" indent="0">
-              <a:buNone/>
-            </a:pPr>
             <a:r>
               <a:rPr lang="ja-JP" altLang="en-US"/>
-              <a:t>→　残差は小さくなる．</a:t>
+              <a:t>予測値と目的変数のズレは誤差構造にちゃんと従ってる？　</a:t>
             </a:r>
             <a:endParaRPr lang="en-US" altLang="ja-JP" dirty="0"/>
           </a:p>
           <a:p>
-            <a:endParaRPr kumimoji="1" lang="ja-JP" altLang="en-US"/>
+            <a:pPr lvl="1"/>
+            <a:r>
+              <a:rPr lang="ja-JP" altLang="en-US"/>
+              <a:t>線形モデルでは、ズレは正規分布に従っているか？</a:t>
+            </a:r>
+            <a:endParaRPr lang="en-US" altLang="ja-JP" dirty="0"/>
+          </a:p>
+          <a:p>
+            <a:endParaRPr lang="en-US" altLang="ja-JP" dirty="0"/>
           </a:p>
         </p:txBody>
       </p:sp>
     </p:spTree>
     <p:extLst>
       <p:ext uri="{BB962C8B-B14F-4D97-AF65-F5344CB8AC3E}">
-        <p14:creationId xmlns:p14="http://schemas.microsoft.com/office/powerpoint/2010/main" val="1984855260"/>
+        <p14:creationId xmlns:p14="http://schemas.microsoft.com/office/powerpoint/2010/main" val="1501767664"/>
       </p:ext>
     </p:extLst>
   </p:cSld>
@@ -4137,7 +4951,7 @@
           <p:cNvPr id="2" name="タイトル 1">
             <a:extLst>
               <a:ext uri="{FF2B5EF4-FFF2-40B4-BE49-F238E27FC236}">
-                <a16:creationId xmlns:a16="http://schemas.microsoft.com/office/drawing/2014/main" id="{F1440143-3F73-4144-95BF-C420B5DDFBE3}"/>
+                <a16:creationId xmlns:a16="http://schemas.microsoft.com/office/drawing/2014/main" id="{68BB739B-FF50-7947-89AB-1B70AF4DD3EA}"/>
               </a:ext>
             </a:extLst>
           </p:cNvPr>
@@ -4154,79 +4968,133 @@
           <a:lstStyle/>
           <a:p>
             <a:r>
+              <a:rPr kumimoji="1" lang="ja-JP" altLang="en-US"/>
+              <a:t>正規性のチェック</a:t>
+            </a:r>
+          </a:p>
+        </p:txBody>
+      </p:sp>
+      <p:sp>
+        <p:nvSpPr>
+          <p:cNvPr id="3" name="コンテンツ プレースホルダー 2">
+            <a:extLst>
+              <a:ext uri="{FF2B5EF4-FFF2-40B4-BE49-F238E27FC236}">
+                <a16:creationId xmlns:a16="http://schemas.microsoft.com/office/drawing/2014/main" id="{B7EB713B-B0D0-A347-9D4F-48B4383A8075}"/>
+              </a:ext>
+            </a:extLst>
+          </p:cNvPr>
+          <p:cNvSpPr>
+            <a:spLocks noGrp="1"/>
+          </p:cNvSpPr>
+          <p:nvPr>
+            <p:ph idx="1"/>
+          </p:nvPr>
+        </p:nvSpPr>
+        <p:spPr>
+          <a:xfrm>
+            <a:off x="838200" y="1825625"/>
+            <a:ext cx="10756900" cy="4351338"/>
+          </a:xfrm>
+        </p:spPr>
+        <p:txBody>
+          <a:bodyPr>
+            <a:normAutofit/>
+          </a:bodyPr>
+          <a:lstStyle/>
+          <a:p>
+            <a:r>
               <a:rPr lang="ja-JP" altLang="en-US"/>
-              <a:t>モデルの当てはまり具合</a:t>
-            </a:r>
-            <a:endParaRPr kumimoji="1" lang="ja-JP" altLang="en-US"/>
-          </a:p>
-        </p:txBody>
-      </p:sp>
-      <p:sp>
-        <p:nvSpPr>
-          <p:cNvPr id="3" name="コンテンツ プレースホルダー 2">
-            <a:extLst>
-              <a:ext uri="{FF2B5EF4-FFF2-40B4-BE49-F238E27FC236}">
-                <a16:creationId xmlns:a16="http://schemas.microsoft.com/office/drawing/2014/main" id="{9D06DEEC-4A94-B945-9CAA-4461713C3864}"/>
-              </a:ext>
-            </a:extLst>
-          </p:cNvPr>
-          <p:cNvSpPr>
-            <a:spLocks noGrp="1"/>
-          </p:cNvSpPr>
-          <p:nvPr>
-            <p:ph idx="1"/>
-          </p:nvPr>
-        </p:nvSpPr>
-        <p:spPr/>
-        <p:txBody>
-          <a:bodyPr/>
-          <a:lstStyle/>
-          <a:p>
+              <a:t>まず</a:t>
+            </a:r>
+            <a:r>
+              <a:rPr lang="en-US" altLang="ja-JP" dirty="0"/>
+              <a:t>plot</a:t>
+            </a:r>
             <a:r>
               <a:rPr lang="ja-JP" altLang="en-US"/>
-              <a:t>データの個数だけ説明変数を用意したときモデルの残差を基準に、より少ない説明変数のモデルでの残差と比較．</a:t>
+              <a:t>して可視化</a:t>
             </a:r>
             <a:endParaRPr lang="en-US" altLang="ja-JP" dirty="0"/>
           </a:p>
           <a:p>
-            <a:pPr marL="0" indent="0">
+            <a:endParaRPr lang="en-US" altLang="ja-JP" dirty="0"/>
+          </a:p>
+          <a:p>
+            <a:r>
+              <a:rPr lang="ja-JP" altLang="en-US">
+                <a:solidFill>
+                  <a:schemeClr val="bg2">
+                    <a:lumMod val="50000"/>
+                  </a:schemeClr>
+                </a:solidFill>
+              </a:rPr>
+              <a:t>分布からずれていないかチェックのプロット；</a:t>
+            </a:r>
+            <a:r>
+              <a:rPr lang="en-US" altLang="ja-JP" dirty="0" err="1">
+                <a:solidFill>
+                  <a:schemeClr val="bg2">
+                    <a:lumMod val="50000"/>
+                  </a:schemeClr>
+                </a:solidFill>
+              </a:rPr>
+              <a:t>QQplot</a:t>
+            </a:r>
+            <a:endParaRPr lang="en-US" altLang="ja-JP" dirty="0">
+              <a:solidFill>
+                <a:schemeClr val="bg2">
+                  <a:lumMod val="50000"/>
+                </a:schemeClr>
+              </a:solidFill>
+            </a:endParaRPr>
+          </a:p>
+          <a:p>
+            <a:pPr marL="457200" lvl="1" indent="0">
               <a:buNone/>
             </a:pPr>
-            <a:r>
-              <a:rPr lang="ja-JP" altLang="en-US"/>
-              <a:t>→モデルの当てはまりの悪さを表現．</a:t>
-            </a:r>
-            <a:endParaRPr lang="en-US" altLang="ja-JP" dirty="0"/>
-          </a:p>
-          <a:p>
-            <a:endParaRPr lang="en-US" altLang="ja-JP" dirty="0"/>
-          </a:p>
-          <a:p>
-            <a:r>
-              <a:rPr lang="ja-JP" altLang="en-US"/>
-              <a:t>データの当てはまり具合は尤度でも表される．</a:t>
-            </a:r>
-            <a:endParaRPr lang="en-US" altLang="ja-JP" dirty="0"/>
-          </a:p>
-          <a:p>
-            <a:r>
-              <a:rPr lang="ja-JP" altLang="en-US"/>
-              <a:t>データの個数だけ説明変数を用意したときの尤度を基準に、より少ない説明変数のモデルでの尤度を比較．</a:t>
-            </a:r>
-            <a:endParaRPr lang="en-US" altLang="ja-JP" dirty="0"/>
-          </a:p>
-          <a:p>
-            <a:endParaRPr lang="en-US" altLang="ja-JP" dirty="0"/>
-          </a:p>
-          <a:p>
-            <a:endParaRPr kumimoji="1" lang="ja-JP" altLang="en-US"/>
+            <a:endParaRPr lang="en-US" altLang="ja-JP" dirty="0">
+              <a:solidFill>
+                <a:schemeClr val="bg2">
+                  <a:lumMod val="50000"/>
+                </a:schemeClr>
+              </a:solidFill>
+            </a:endParaRPr>
+          </a:p>
+          <a:p>
+            <a:r>
+              <a:rPr lang="en-US" altLang="ja-JP" dirty="0">
+                <a:solidFill>
+                  <a:schemeClr val="bg2">
+                    <a:lumMod val="50000"/>
+                  </a:schemeClr>
+                </a:solidFill>
+              </a:rPr>
+              <a:t>Shapiro-Wilk</a:t>
+            </a:r>
+            <a:r>
+              <a:rPr lang="ja-JP" altLang="en-US">
+                <a:solidFill>
+                  <a:schemeClr val="bg2">
+                    <a:lumMod val="50000"/>
+                  </a:schemeClr>
+                </a:solidFill>
+              </a:rPr>
+              <a:t>検定</a:t>
+            </a:r>
+            <a:endParaRPr lang="en-US" altLang="ja-JP" dirty="0">
+              <a:solidFill>
+                <a:schemeClr val="bg2">
+                  <a:lumMod val="50000"/>
+                </a:schemeClr>
+              </a:solidFill>
+            </a:endParaRPr>
           </a:p>
         </p:txBody>
       </p:sp>
     </p:spTree>
     <p:extLst>
       <p:ext uri="{BB962C8B-B14F-4D97-AF65-F5344CB8AC3E}">
-        <p14:creationId xmlns:p14="http://schemas.microsoft.com/office/powerpoint/2010/main" val="1251635104"/>
+        <p14:creationId xmlns:p14="http://schemas.microsoft.com/office/powerpoint/2010/main" val="1722450886"/>
       </p:ext>
     </p:extLst>
   </p:cSld>
@@ -4258,7 +5126,7 @@
           <p:cNvPr id="2" name="タイトル 1">
             <a:extLst>
               <a:ext uri="{FF2B5EF4-FFF2-40B4-BE49-F238E27FC236}">
-                <a16:creationId xmlns:a16="http://schemas.microsoft.com/office/drawing/2014/main" id="{032164F6-0F1B-1549-B553-24334B2E64E3}"/>
+                <a16:creationId xmlns:a16="http://schemas.microsoft.com/office/drawing/2014/main" id="{593893BE-BD11-5648-B363-0A47FB81D8B9}"/>
               </a:ext>
             </a:extLst>
           </p:cNvPr>
@@ -4275,179 +5143,170 @@
           <a:lstStyle/>
           <a:p>
             <a:r>
+              <a:rPr kumimoji="1" lang="ja-JP" altLang="en-US"/>
+              <a:t>線形モデルの結果をプロット</a:t>
+            </a:r>
+          </a:p>
+        </p:txBody>
+      </p:sp>
+      <p:sp>
+        <p:nvSpPr>
+          <p:cNvPr id="3" name="コンテンツ プレースホルダー 2">
+            <a:extLst>
+              <a:ext uri="{FF2B5EF4-FFF2-40B4-BE49-F238E27FC236}">
+                <a16:creationId xmlns:a16="http://schemas.microsoft.com/office/drawing/2014/main" id="{49E414B3-99D4-2B4A-B335-2BAEFB18D4DF}"/>
+              </a:ext>
+            </a:extLst>
+          </p:cNvPr>
+          <p:cNvSpPr>
+            <a:spLocks noGrp="1"/>
+          </p:cNvSpPr>
+          <p:nvPr>
+            <p:ph idx="1"/>
+          </p:nvPr>
+        </p:nvSpPr>
+        <p:spPr/>
+        <p:txBody>
+          <a:bodyPr>
+            <a:normAutofit lnSpcReduction="10000"/>
+          </a:bodyPr>
+          <a:lstStyle/>
+          <a:p>
+            <a:r>
+              <a:rPr kumimoji="1" lang="ja-JP" altLang="en-US"/>
+              <a:t>第</a:t>
+            </a:r>
+            <a:r>
               <a:rPr kumimoji="1" lang="en-US" altLang="ja-JP" dirty="0"/>
-              <a:t>GLM</a:t>
-            </a:r>
-            <a:r>
-              <a:rPr kumimoji="1" lang="ja-JP" altLang="en-US"/>
-              <a:t>の残差</a:t>
-            </a:r>
-          </a:p>
-        </p:txBody>
-      </p:sp>
-      <p:sp>
-        <p:nvSpPr>
-          <p:cNvPr id="3" name="コンテンツ プレースホルダー 2">
-            <a:extLst>
-              <a:ext uri="{FF2B5EF4-FFF2-40B4-BE49-F238E27FC236}">
-                <a16:creationId xmlns:a16="http://schemas.microsoft.com/office/drawing/2014/main" id="{7044DDCB-175D-DC41-A5AC-98AE58CE5A61}"/>
-              </a:ext>
-            </a:extLst>
-          </p:cNvPr>
-          <p:cNvSpPr>
-            <a:spLocks noGrp="1"/>
-          </p:cNvSpPr>
-          <p:nvPr>
-            <p:ph idx="1"/>
-          </p:nvPr>
-        </p:nvSpPr>
-        <p:spPr/>
-        <p:txBody>
-          <a:bodyPr/>
-          <a:lstStyle/>
-          <a:p>
-            <a:r>
-              <a:rPr kumimoji="1" lang="ja-JP" altLang="en-US"/>
-              <a:t>誤差分布が正規分布ではない場合、残差は単純に予測値からのズレを使わない．</a:t>
+              <a:t>12</a:t>
+            </a:r>
+            <a:r>
+              <a:rPr kumimoji="1" lang="ja-JP" altLang="en-US"/>
+              <a:t>回；線形モデル１で生成したシミュレーションデータの線形モデル解析結果を利用．</a:t>
             </a:r>
             <a:endParaRPr kumimoji="1" lang="en-US" altLang="ja-JP" dirty="0"/>
           </a:p>
           <a:p>
             <a:pPr lvl="1"/>
             <a:r>
+              <a:rPr lang="en-US" altLang="ja-JP" dirty="0" err="1"/>
+              <a:t>res_lm</a:t>
+            </a:r>
+            <a:r>
+              <a:rPr lang="en-US" altLang="ja-JP" dirty="0"/>
+              <a:t> &lt;- </a:t>
+            </a:r>
+            <a:r>
+              <a:rPr lang="en-US" altLang="ja-JP" dirty="0" err="1"/>
+              <a:t>lm</a:t>
+            </a:r>
+            <a:r>
+              <a:rPr lang="en-US" altLang="ja-JP" dirty="0"/>
+              <a:t>(log(catch)~vessel+temp-1, data=</a:t>
+            </a:r>
+            <a:r>
+              <a:rPr lang="en-US" altLang="ja-JP" dirty="0" err="1"/>
+              <a:t>catch_data</a:t>
+            </a:r>
+            <a:r>
+              <a:rPr lang="en-US" altLang="ja-JP" dirty="0"/>
+              <a:t>)</a:t>
+            </a:r>
+          </a:p>
+          <a:p>
+            <a:pPr lvl="1"/>
+            <a:endParaRPr lang="en-US" altLang="ja-JP" dirty="0"/>
+          </a:p>
+          <a:p>
+            <a:r>
               <a:rPr lang="ja-JP" altLang="en-US"/>
-              <a:t>線形予測子の値に依存して誤差の分散が変わるので、線形モデルのように簡単でない．</a:t>
+              <a:t>残差は</a:t>
+            </a:r>
+            <a:r>
+              <a:rPr lang="en-US" altLang="ja-JP" dirty="0" err="1"/>
+              <a:t>lm</a:t>
+            </a:r>
+            <a:r>
+              <a:rPr lang="ja-JP" altLang="en-US"/>
+              <a:t>関数の結果オブジェクトの</a:t>
+            </a:r>
+            <a:r>
+              <a:rPr lang="en-US" altLang="ja-JP" dirty="0"/>
+              <a:t>residuals</a:t>
+            </a:r>
+            <a:r>
+              <a:rPr lang="ja-JP" altLang="en-US"/>
+              <a:t>に格納．これをプロットする</a:t>
+            </a:r>
+            <a:r>
+              <a:rPr lang="en-US" altLang="ja-JP" dirty="0"/>
+              <a:t> (</a:t>
+            </a:r>
+            <a:r>
+              <a:rPr lang="ja-JP" altLang="en-US"/>
+              <a:t>第</a:t>
+            </a:r>
+            <a:r>
+              <a:rPr lang="en-US" altLang="ja-JP" dirty="0"/>
+              <a:t>14</a:t>
+            </a:r>
+            <a:r>
+              <a:rPr lang="ja-JP" altLang="en-US"/>
+              <a:t>回参照</a:t>
+            </a:r>
+            <a:r>
+              <a:rPr lang="en-US" altLang="ja-JP" dirty="0"/>
+              <a:t>)</a:t>
+            </a:r>
+            <a:r>
+              <a:rPr lang="ja-JP" altLang="en-US"/>
+              <a:t>．</a:t>
             </a:r>
             <a:endParaRPr lang="en-US" altLang="ja-JP" dirty="0"/>
           </a:p>
           <a:p>
-            <a:endParaRPr kumimoji="1" lang="en-US" altLang="ja-JP" dirty="0">
-              <a:solidFill>
-                <a:schemeClr val="bg2">
-                  <a:lumMod val="50000"/>
-                </a:schemeClr>
-              </a:solidFill>
-            </a:endParaRPr>
-          </a:p>
-          <a:p>
+            <a:pPr lvl="1"/>
+            <a:r>
+              <a:rPr lang="en-US" altLang="ja-JP" dirty="0"/>
+              <a:t>plot(</a:t>
+            </a:r>
+            <a:r>
+              <a:rPr lang="en-US" altLang="ja-JP" dirty="0" err="1"/>
+              <a:t>res_lm$residuals</a:t>
+            </a:r>
+            <a:r>
+              <a:rPr lang="en-US" altLang="ja-JP" dirty="0"/>
+              <a:t>)</a:t>
+            </a:r>
+          </a:p>
+          <a:p>
+            <a:pPr lvl="1"/>
+            <a:r>
+              <a:rPr lang="en-US" altLang="ja-JP" dirty="0"/>
+              <a:t>hist(</a:t>
+            </a:r>
+            <a:r>
+              <a:rPr lang="en-US" altLang="ja-JP" dirty="0" err="1"/>
+              <a:t>res_lm$residuals</a:t>
+            </a:r>
+            <a:r>
+              <a:rPr lang="en-US" altLang="ja-JP" dirty="0"/>
+              <a:t>)</a:t>
+            </a:r>
+          </a:p>
+          <a:p>
+            <a:pPr lvl="1"/>
+            <a:endParaRPr lang="en-US" altLang="ja-JP" dirty="0"/>
+          </a:p>
+          <a:p>
+            <a:r>
+              <a:rPr lang="en-US" altLang="ja-JP" dirty="0" err="1"/>
+              <a:t>lm</a:t>
+            </a:r>
             <a:r>
               <a:rPr lang="ja-JP" altLang="en-US"/>
-              <a:t>残差</a:t>
-            </a:r>
-            <a:r>
-              <a:rPr kumimoji="1" lang="ja-JP" altLang="en-US"/>
-              <a:t>の代わりに尤度を使えば、</a:t>
-            </a:r>
-            <a:r>
-              <a:rPr kumimoji="1" lang="en-US" altLang="ja-JP" dirty="0"/>
-              <a:t>GLM</a:t>
-            </a:r>
-            <a:r>
-              <a:rPr kumimoji="1" lang="ja-JP" altLang="en-US"/>
-              <a:t>で当てはまりを評価できる</a:t>
-            </a:r>
-            <a:r>
-              <a:rPr kumimoji="1" lang="en-US" altLang="ja-JP" dirty="0"/>
-              <a:t>.</a:t>
-            </a:r>
-          </a:p>
-          <a:p>
-            <a:endParaRPr lang="en-US" altLang="ja-JP" dirty="0"/>
-          </a:p>
-          <a:p>
-            <a:r>
-              <a:rPr lang="en-US" altLang="ja-JP" dirty="0">
-                <a:solidFill>
-                  <a:schemeClr val="bg2">
-                    <a:lumMod val="50000"/>
-                  </a:schemeClr>
-                </a:solidFill>
-              </a:rPr>
-              <a:t>residuals</a:t>
-            </a:r>
-            <a:r>
-              <a:rPr lang="ja-JP" altLang="en-US">
-                <a:solidFill>
-                  <a:schemeClr val="bg2">
-                    <a:lumMod val="50000"/>
-                  </a:schemeClr>
-                </a:solidFill>
-              </a:rPr>
-              <a:t>関数で</a:t>
-            </a:r>
-            <a:r>
-              <a:rPr lang="en-US" altLang="ja-JP" dirty="0">
-                <a:solidFill>
-                  <a:schemeClr val="bg2">
-                    <a:lumMod val="50000"/>
-                  </a:schemeClr>
-                </a:solidFill>
-              </a:rPr>
-              <a:t>deviance</a:t>
-            </a:r>
-            <a:r>
-              <a:rPr lang="ja-JP" altLang="en-US">
-                <a:solidFill>
-                  <a:schemeClr val="bg2">
-                    <a:lumMod val="50000"/>
-                  </a:schemeClr>
-                </a:solidFill>
-              </a:rPr>
-              <a:t>を指定して取り出す．</a:t>
-            </a:r>
-            <a:endParaRPr lang="en-US" altLang="ja-JP" dirty="0">
-              <a:solidFill>
-                <a:schemeClr val="bg2">
-                  <a:lumMod val="50000"/>
-                </a:schemeClr>
-              </a:solidFill>
-            </a:endParaRPr>
-          </a:p>
-          <a:p>
-            <a:pPr lvl="1"/>
-            <a:r>
-              <a:rPr lang="en-US" altLang="ja-JP" dirty="0" err="1">
-                <a:solidFill>
-                  <a:schemeClr val="bg2">
-                    <a:lumMod val="50000"/>
-                  </a:schemeClr>
-                </a:solidFill>
-              </a:rPr>
-              <a:t>resid_glm</a:t>
-            </a:r>
-            <a:r>
-              <a:rPr lang="en-US" altLang="ja-JP" dirty="0">
-                <a:solidFill>
-                  <a:schemeClr val="bg2">
-                    <a:lumMod val="50000"/>
-                  </a:schemeClr>
-                </a:solidFill>
-              </a:rPr>
-              <a:t> &lt;- residuals(</a:t>
-            </a:r>
-            <a:r>
-              <a:rPr lang="en-US" altLang="ja-JP" dirty="0" err="1">
-                <a:solidFill>
-                  <a:schemeClr val="bg2">
-                    <a:lumMod val="50000"/>
-                  </a:schemeClr>
-                </a:solidFill>
-              </a:rPr>
-              <a:t>res_glm</a:t>
-            </a:r>
-            <a:r>
-              <a:rPr lang="en-US" altLang="ja-JP" dirty="0">
-                <a:solidFill>
-                  <a:schemeClr val="bg2">
-                    <a:lumMod val="50000"/>
-                  </a:schemeClr>
-                </a:solidFill>
-              </a:rPr>
-              <a:t>, type=“deviance”)</a:t>
-            </a:r>
-          </a:p>
-          <a:p>
-            <a:pPr lvl="1"/>
+              <a:t>では誤差構造が正規分布．残差が正規分布に従っているかを視覚的に確認．</a:t>
+            </a:r>
             <a:endParaRPr lang="en-US" altLang="ja-JP" dirty="0"/>
           </a:p>
         </p:txBody>
@@ -4455,7 +5314,7 @@
     </p:spTree>
     <p:extLst>
       <p:ext uri="{BB962C8B-B14F-4D97-AF65-F5344CB8AC3E}">
-        <p14:creationId xmlns:p14="http://schemas.microsoft.com/office/powerpoint/2010/main" val="2447858462"/>
+        <p14:creationId xmlns:p14="http://schemas.microsoft.com/office/powerpoint/2010/main" val="3428185782"/>
       </p:ext>
     </p:extLst>
   </p:cSld>
@@ -4487,7 +5346,7 @@
           <p:cNvPr id="2" name="タイトル 1">
             <a:extLst>
               <a:ext uri="{FF2B5EF4-FFF2-40B4-BE49-F238E27FC236}">
-                <a16:creationId xmlns:a16="http://schemas.microsoft.com/office/drawing/2014/main" id="{52AC1BEC-2208-B441-A40B-CE42D1E9F678}"/>
+                <a16:creationId xmlns:a16="http://schemas.microsoft.com/office/drawing/2014/main" id="{68BB739B-FF50-7947-89AB-1B70AF4DD3EA}"/>
               </a:ext>
             </a:extLst>
           </p:cNvPr>
@@ -4504,9 +5363,10 @@
           <a:lstStyle/>
           <a:p>
             <a:r>
-              <a:rPr kumimoji="1" lang="ja-JP" altLang="en-US"/>
-              <a:t>逸脱度</a:t>
-            </a:r>
+              <a:rPr lang="ja-JP" altLang="en-US"/>
+              <a:t>正規性のチェック</a:t>
+            </a:r>
+            <a:endParaRPr kumimoji="1" lang="ja-JP" altLang="en-US"/>
           </a:p>
         </p:txBody>
       </p:sp>
@@ -4515,7 +5375,7 @@
           <p:cNvPr id="3" name="コンテンツ プレースホルダー 2">
             <a:extLst>
               <a:ext uri="{FF2B5EF4-FFF2-40B4-BE49-F238E27FC236}">
-                <a16:creationId xmlns:a16="http://schemas.microsoft.com/office/drawing/2014/main" id="{92857569-606C-B048-BBF1-17179C8C8C9A}"/>
+                <a16:creationId xmlns:a16="http://schemas.microsoft.com/office/drawing/2014/main" id="{B7EB713B-B0D0-A347-9D4F-48B4383A8075}"/>
               </a:ext>
             </a:extLst>
           </p:cNvPr>
@@ -4529,708 +5389,114 @@
         <p:spPr>
           <a:xfrm>
             <a:off x="838200" y="1825625"/>
-            <a:ext cx="8940501" cy="4351338"/>
+            <a:ext cx="10756900" cy="4351338"/>
           </a:xfrm>
         </p:spPr>
         <p:txBody>
           <a:bodyPr>
-            <a:normAutofit fontScale="85000" lnSpcReduction="10000"/>
+            <a:normAutofit/>
           </a:bodyPr>
           <a:lstStyle/>
           <a:p>
             <a:r>
-              <a:rPr kumimoji="1" lang="en-US" altLang="ja-JP" dirty="0"/>
-              <a:t>GLM</a:t>
-            </a:r>
-            <a:r>
-              <a:rPr kumimoji="1" lang="ja-JP" altLang="en-US"/>
-              <a:t>で当てはめたモデルの最尤推定結果から得られる対数尤度</a:t>
-            </a:r>
-            <a:r>
-              <a:rPr kumimoji="1" lang="en-US" altLang="ja-JP" dirty="0"/>
-              <a:t>L</a:t>
-            </a:r>
-            <a:r>
-              <a:rPr kumimoji="1" lang="en-US" altLang="ja-JP" baseline="30000" dirty="0"/>
-              <a:t>*</a:t>
-            </a:r>
-            <a:r>
-              <a:rPr kumimoji="1" lang="ja-JP" altLang="en-US"/>
-              <a:t>に−</a:t>
-            </a:r>
-            <a:r>
-              <a:rPr kumimoji="1" lang="en-US" altLang="ja-JP" dirty="0"/>
-              <a:t>2</a:t>
-            </a:r>
-            <a:r>
-              <a:rPr kumimoji="1" lang="ja-JP" altLang="en-US"/>
-              <a:t>をかけたものを逸脱度</a:t>
-            </a:r>
-            <a:r>
-              <a:rPr kumimoji="1" lang="en-US" altLang="ja-JP" dirty="0"/>
-              <a:t>D(deviance)</a:t>
-            </a:r>
-            <a:r>
-              <a:rPr lang="ja-JP" altLang="en-US"/>
-              <a:t>という．</a:t>
-            </a:r>
-            <a:endParaRPr lang="en-US" altLang="ja-JP" dirty="0"/>
-          </a:p>
-          <a:p>
-            <a:pPr lvl="1"/>
-            <a:r>
-              <a:rPr kumimoji="1" lang="en-US" altLang="ja-JP" i="1" dirty="0"/>
-              <a:t>D</a:t>
-            </a:r>
-            <a:r>
-              <a:rPr kumimoji="1" lang="en-US" altLang="ja-JP" dirty="0"/>
-              <a:t> = </a:t>
-            </a:r>
-            <a:r>
-              <a:rPr lang="en-US" altLang="ja-JP" dirty="0"/>
-              <a:t>−</a:t>
-            </a:r>
-            <a:r>
-              <a:rPr kumimoji="1" lang="en-US" altLang="ja-JP" dirty="0"/>
-              <a:t>2 log </a:t>
-            </a:r>
-            <a:r>
-              <a:rPr kumimoji="1" lang="en-US" altLang="ja-JP" i="1" dirty="0"/>
-              <a:t>L</a:t>
-            </a:r>
-            <a:r>
-              <a:rPr kumimoji="1" lang="en-US" altLang="ja-JP" i="1" baseline="30000" dirty="0"/>
-              <a:t>*</a:t>
-            </a:r>
-          </a:p>
-          <a:p>
-            <a:endParaRPr lang="en-US" altLang="ja-JP" dirty="0"/>
-          </a:p>
-          <a:p>
-            <a:r>
-              <a:rPr kumimoji="1" lang="ja-JP" altLang="en-US"/>
-              <a:t>データ数分の説明変数を組んだモデル（フルモデル）で最尤推定した結果から得られる逸脱度を最小逸脱度</a:t>
-            </a:r>
-            <a:endParaRPr kumimoji="1" lang="en-US" altLang="ja-JP" dirty="0"/>
-          </a:p>
-          <a:p>
-            <a:r>
-              <a:rPr kumimoji="1" lang="ja-JP" altLang="en-US"/>
-              <a:t>説明変数はなく、切片のみで組んだモデル</a:t>
-            </a:r>
-            <a:r>
-              <a:rPr lang="ja-JP" altLang="en-US"/>
-              <a:t>（</a:t>
-            </a:r>
-            <a:r>
-              <a:rPr lang="en-US" altLang="ja-JP" dirty="0"/>
-              <a:t>Null</a:t>
-            </a:r>
-            <a:r>
-              <a:rPr lang="ja-JP" altLang="en-US"/>
-              <a:t>モデル）からえられた得られた逸脱度を最大逸脱度としたとき、最大逸脱度と最小逸脱度との差を</a:t>
-            </a:r>
-            <a:r>
-              <a:rPr lang="en-US" altLang="ja-JP" dirty="0"/>
-              <a:t>Null</a:t>
-            </a:r>
-            <a:r>
-              <a:rPr lang="ja-JP" altLang="en-US"/>
-              <a:t>逸脱度</a:t>
-            </a:r>
-            <a:r>
-              <a:rPr lang="en-US" altLang="ja-JP" dirty="0"/>
-              <a:t>(Null deviance)</a:t>
-            </a:r>
-            <a:r>
-              <a:rPr lang="ja-JP" altLang="en-US"/>
-              <a:t>と呼ぶ．</a:t>
-            </a:r>
-            <a:endParaRPr lang="en-US" altLang="ja-JP" dirty="0"/>
-          </a:p>
-          <a:p>
-            <a:endParaRPr kumimoji="1" lang="en-US" altLang="ja-JP" dirty="0"/>
-          </a:p>
-          <a:p>
-            <a:r>
-              <a:rPr kumimoji="1" lang="en-US" altLang="ja-JP" dirty="0"/>
-              <a:t>GLM</a:t>
-            </a:r>
-            <a:r>
-              <a:rPr kumimoji="1" lang="ja-JP" altLang="en-US"/>
-              <a:t>で当てはめた逸脱度</a:t>
-            </a:r>
-            <a:r>
-              <a:rPr lang="en-US" altLang="ja-JP" dirty="0"/>
-              <a:t>D</a:t>
-            </a:r>
-            <a:r>
-              <a:rPr lang="ja-JP" altLang="en-US"/>
-              <a:t>と最小逸脱度の差を残差逸脱度</a:t>
-            </a:r>
-            <a:r>
-              <a:rPr lang="en-US" altLang="ja-JP" dirty="0"/>
-              <a:t>(Residual deviance) </a:t>
-            </a:r>
-            <a:r>
-              <a:rPr lang="ja-JP" altLang="en-US"/>
-              <a:t>とよぶ．</a:t>
-            </a:r>
-            <a:endParaRPr kumimoji="1" lang="ja-JP" altLang="en-US"/>
-          </a:p>
-        </p:txBody>
-      </p:sp>
-      <p:cxnSp>
-        <p:nvCxnSpPr>
-          <p:cNvPr id="5" name="直線コネクタ 4">
-            <a:extLst>
-              <a:ext uri="{FF2B5EF4-FFF2-40B4-BE49-F238E27FC236}">
-                <a16:creationId xmlns:a16="http://schemas.microsoft.com/office/drawing/2014/main" id="{A06420D0-0E8A-A84B-A1DB-06629A992E59}"/>
-              </a:ext>
-            </a:extLst>
-          </p:cNvPr>
-          <p:cNvCxnSpPr/>
-          <p:nvPr/>
-        </p:nvCxnSpPr>
-        <p:spPr>
-          <a:xfrm>
-            <a:off x="10670203" y="1266940"/>
-            <a:ext cx="0" cy="4737253"/>
-          </a:xfrm>
-          <a:prstGeom prst="line">
-            <a:avLst/>
-          </a:prstGeom>
-          <a:ln w="25400">
-            <a:headEnd type="arrow"/>
-            <a:tailEnd type="arrow"/>
-          </a:ln>
-        </p:spPr>
-        <p:style>
-          <a:lnRef idx="1">
-            <a:schemeClr val="accent1"/>
-          </a:lnRef>
-          <a:fillRef idx="0">
-            <a:schemeClr val="accent1"/>
-          </a:fillRef>
-          <a:effectRef idx="0">
-            <a:schemeClr val="accent1"/>
-          </a:effectRef>
-          <a:fontRef idx="minor">
-            <a:schemeClr val="tx1"/>
-          </a:fontRef>
-        </p:style>
-      </p:cxnSp>
-      <p:cxnSp>
-        <p:nvCxnSpPr>
-          <p:cNvPr id="7" name="直線コネクタ 6">
-            <a:extLst>
-              <a:ext uri="{FF2B5EF4-FFF2-40B4-BE49-F238E27FC236}">
-                <a16:creationId xmlns:a16="http://schemas.microsoft.com/office/drawing/2014/main" id="{30494F45-918C-D745-9577-5C9B611146D9}"/>
-              </a:ext>
-            </a:extLst>
-          </p:cNvPr>
-          <p:cNvCxnSpPr>
-            <a:cxnSpLocks/>
-          </p:cNvCxnSpPr>
-          <p:nvPr/>
-        </p:nvCxnSpPr>
-        <p:spPr>
-          <a:xfrm>
-            <a:off x="10203218" y="6004193"/>
-            <a:ext cx="1318222" cy="0"/>
-          </a:xfrm>
-          <a:prstGeom prst="line">
-            <a:avLst/>
-          </a:prstGeom>
-          <a:ln w="25400">
-            <a:solidFill>
-              <a:schemeClr val="tx1">
-                <a:lumMod val="50000"/>
-                <a:lumOff val="50000"/>
-              </a:schemeClr>
-            </a:solidFill>
-          </a:ln>
-        </p:spPr>
-        <p:style>
-          <a:lnRef idx="1">
-            <a:schemeClr val="accent1"/>
-          </a:lnRef>
-          <a:fillRef idx="0">
-            <a:schemeClr val="accent1"/>
-          </a:fillRef>
-          <a:effectRef idx="0">
-            <a:schemeClr val="accent1"/>
-          </a:effectRef>
-          <a:fontRef idx="minor">
-            <a:schemeClr val="tx1"/>
-          </a:fontRef>
-        </p:style>
-      </p:cxnSp>
-      <p:cxnSp>
-        <p:nvCxnSpPr>
-          <p:cNvPr id="9" name="直線コネクタ 8">
-            <a:extLst>
-              <a:ext uri="{FF2B5EF4-FFF2-40B4-BE49-F238E27FC236}">
-                <a16:creationId xmlns:a16="http://schemas.microsoft.com/office/drawing/2014/main" id="{3B6EF299-2EAB-5043-8E41-B77B9661678A}"/>
-              </a:ext>
-            </a:extLst>
-          </p:cNvPr>
-          <p:cNvCxnSpPr>
-            <a:cxnSpLocks/>
-          </p:cNvCxnSpPr>
-          <p:nvPr/>
-        </p:nvCxnSpPr>
-        <p:spPr>
-          <a:xfrm>
-            <a:off x="10203218" y="1266940"/>
-            <a:ext cx="1318222" cy="0"/>
-          </a:xfrm>
-          <a:prstGeom prst="line">
-            <a:avLst/>
-          </a:prstGeom>
-          <a:ln w="25400">
-            <a:solidFill>
-              <a:schemeClr val="tx1">
-                <a:lumMod val="50000"/>
-                <a:lumOff val="50000"/>
-              </a:schemeClr>
-            </a:solidFill>
-          </a:ln>
-        </p:spPr>
-        <p:style>
-          <a:lnRef idx="1">
-            <a:schemeClr val="accent1"/>
-          </a:lnRef>
-          <a:fillRef idx="0">
-            <a:schemeClr val="accent1"/>
-          </a:fillRef>
-          <a:effectRef idx="0">
-            <a:schemeClr val="accent1"/>
-          </a:effectRef>
-          <a:fontRef idx="minor">
-            <a:schemeClr val="tx1"/>
-          </a:fontRef>
-        </p:style>
-      </p:cxnSp>
-      <p:sp>
-        <p:nvSpPr>
-          <p:cNvPr id="10" name="テキスト ボックス 9">
-            <a:extLst>
-              <a:ext uri="{FF2B5EF4-FFF2-40B4-BE49-F238E27FC236}">
-                <a16:creationId xmlns:a16="http://schemas.microsoft.com/office/drawing/2014/main" id="{7920EEB4-9D5C-CE4E-8585-350A37871857}"/>
-              </a:ext>
-            </a:extLst>
-          </p:cNvPr>
-          <p:cNvSpPr txBox="1"/>
-          <p:nvPr/>
-        </p:nvSpPr>
-        <p:spPr>
-          <a:xfrm rot="16200000">
-            <a:off x="9541911" y="3971492"/>
-            <a:ext cx="1776563" cy="369332"/>
-          </a:xfrm>
-          <a:prstGeom prst="rect">
-            <a:avLst/>
-          </a:prstGeom>
-          <a:noFill/>
-        </p:spPr>
-        <p:txBody>
-          <a:bodyPr wrap="square" rtlCol="0">
-            <a:spAutoFit/>
-          </a:bodyPr>
-          <a:lstStyle/>
-          <a:p>
-            <a:r>
-              <a:rPr kumimoji="1" lang="en-US" altLang="ja-JP" dirty="0">
+              <a:rPr lang="ja-JP" altLang="en-US">
                 <a:solidFill>
-                  <a:schemeClr val="accent1"/>
+                  <a:schemeClr val="bg2">
+                    <a:lumMod val="50000"/>
+                  </a:schemeClr>
                 </a:solidFill>
               </a:rPr>
-              <a:t>Null deviance</a:t>
-            </a:r>
-            <a:endParaRPr kumimoji="1" lang="ja-JP" altLang="en-US">
+              <a:t>まず</a:t>
+            </a:r>
+            <a:r>
+              <a:rPr lang="en-US" altLang="ja-JP" dirty="0">
+                <a:solidFill>
+                  <a:schemeClr val="bg2">
+                    <a:lumMod val="50000"/>
+                  </a:schemeClr>
+                </a:solidFill>
+              </a:rPr>
+              <a:t>plot</a:t>
+            </a:r>
+            <a:r>
+              <a:rPr lang="ja-JP" altLang="en-US">
+                <a:solidFill>
+                  <a:schemeClr val="bg2">
+                    <a:lumMod val="50000"/>
+                  </a:schemeClr>
+                </a:solidFill>
+              </a:rPr>
+              <a:t>して可視化</a:t>
+            </a:r>
+            <a:endParaRPr lang="en-US" altLang="ja-JP" dirty="0">
               <a:solidFill>
-                <a:schemeClr val="accent1"/>
+                <a:schemeClr val="bg2">
+                  <a:lumMod val="50000"/>
+                </a:schemeClr>
               </a:solidFill>
             </a:endParaRPr>
           </a:p>
-        </p:txBody>
-      </p:sp>
-      <p:sp>
-        <p:nvSpPr>
-          <p:cNvPr id="11" name="テキスト ボックス 10">
-            <a:extLst>
-              <a:ext uri="{FF2B5EF4-FFF2-40B4-BE49-F238E27FC236}">
-                <a16:creationId xmlns:a16="http://schemas.microsoft.com/office/drawing/2014/main" id="{ECB93667-65E8-7C48-8CED-C905124DF10C}"/>
-              </a:ext>
-            </a:extLst>
-          </p:cNvPr>
-          <p:cNvSpPr txBox="1"/>
-          <p:nvPr/>
-        </p:nvSpPr>
-        <p:spPr>
-          <a:xfrm>
-            <a:off x="10261663" y="6094162"/>
-            <a:ext cx="1930337" cy="646331"/>
-          </a:xfrm>
-          <a:prstGeom prst="rect">
-            <a:avLst/>
-          </a:prstGeom>
-          <a:noFill/>
-        </p:spPr>
-        <p:txBody>
-          <a:bodyPr wrap="none" rtlCol="0">
-            <a:spAutoFit/>
-          </a:bodyPr>
-          <a:lstStyle/>
-          <a:p>
-            <a:r>
-              <a:rPr lang="en-US" altLang="ja-JP" dirty="0"/>
-              <a:t>full model</a:t>
-            </a:r>
+          <a:p>
+            <a:endParaRPr lang="en-US" altLang="ja-JP" dirty="0"/>
+          </a:p>
+          <a:p>
             <a:r>
               <a:rPr lang="ja-JP" altLang="en-US"/>
-              <a:t>による</a:t>
+              <a:t>分布からずれていないかチェックのプロット；</a:t>
+            </a:r>
+            <a:r>
+              <a:rPr lang="en-US" altLang="ja-JP" dirty="0" err="1"/>
+              <a:t>QQplot</a:t>
             </a:r>
             <a:endParaRPr lang="en-US" altLang="ja-JP" dirty="0"/>
           </a:p>
           <a:p>
-            <a:r>
-              <a:rPr kumimoji="1" lang="ja-JP" altLang="en-US"/>
-              <a:t>最小の逸脱度</a:t>
-            </a:r>
-          </a:p>
-        </p:txBody>
-      </p:sp>
-      <p:sp>
-        <p:nvSpPr>
-          <p:cNvPr id="13" name="テキスト ボックス 12">
-            <a:extLst>
-              <a:ext uri="{FF2B5EF4-FFF2-40B4-BE49-F238E27FC236}">
-                <a16:creationId xmlns:a16="http://schemas.microsoft.com/office/drawing/2014/main" id="{368B959A-8D30-504B-90C8-34EBA867A279}"/>
-              </a:ext>
-            </a:extLst>
-          </p:cNvPr>
-          <p:cNvSpPr txBox="1"/>
-          <p:nvPr/>
-        </p:nvSpPr>
-        <p:spPr>
-          <a:xfrm>
-            <a:off x="10228661" y="530640"/>
-            <a:ext cx="1999265" cy="646331"/>
-          </a:xfrm>
-          <a:prstGeom prst="rect">
-            <a:avLst/>
-          </a:prstGeom>
-          <a:noFill/>
-        </p:spPr>
-        <p:txBody>
-          <a:bodyPr wrap="none" rtlCol="0">
-            <a:spAutoFit/>
-          </a:bodyPr>
-          <a:lstStyle/>
-          <a:p>
-            <a:r>
-              <a:rPr lang="en-US" altLang="ja-JP" dirty="0"/>
-              <a:t>Null</a:t>
-            </a:r>
-            <a:r>
-              <a:rPr lang="ja-JP" altLang="en-US"/>
-              <a:t>モデルによる</a:t>
-            </a:r>
-            <a:endParaRPr lang="en-US" altLang="ja-JP" dirty="0"/>
-          </a:p>
-          <a:p>
-            <a:r>
-              <a:rPr kumimoji="1" lang="ja-JP" altLang="en-US"/>
-              <a:t>最大の逸脱度</a:t>
-            </a:r>
-          </a:p>
-        </p:txBody>
-      </p:sp>
-      <p:sp>
-        <p:nvSpPr>
-          <p:cNvPr id="14" name="テキスト ボックス 13">
-            <a:extLst>
-              <a:ext uri="{FF2B5EF4-FFF2-40B4-BE49-F238E27FC236}">
-                <a16:creationId xmlns:a16="http://schemas.microsoft.com/office/drawing/2014/main" id="{D7AEE5E8-9EF9-B44C-870D-0A7459F4E6A7}"/>
-              </a:ext>
-            </a:extLst>
-          </p:cNvPr>
-          <p:cNvSpPr txBox="1"/>
-          <p:nvPr/>
-        </p:nvSpPr>
-        <p:spPr>
-          <a:xfrm rot="16200000">
-            <a:off x="10338328" y="4340043"/>
-            <a:ext cx="2111475" cy="369332"/>
-          </a:xfrm>
-          <a:prstGeom prst="rect">
-            <a:avLst/>
-          </a:prstGeom>
-          <a:noFill/>
-        </p:spPr>
-        <p:txBody>
-          <a:bodyPr wrap="none" rtlCol="0">
-            <a:spAutoFit/>
-          </a:bodyPr>
-          <a:lstStyle/>
+            <a:pPr marL="457200" lvl="1" indent="0">
+              <a:buNone/>
+            </a:pPr>
+            <a:endParaRPr lang="en-US" altLang="ja-JP" dirty="0">
+              <a:solidFill>
+                <a:schemeClr val="bg2">
+                  <a:lumMod val="50000"/>
+                </a:schemeClr>
+              </a:solidFill>
+            </a:endParaRPr>
+          </a:p>
           <a:p>
             <a:r>
               <a:rPr lang="en-US" altLang="ja-JP" dirty="0">
                 <a:solidFill>
-                  <a:srgbClr val="FF0000"/>
+                  <a:schemeClr val="bg2">
+                    <a:lumMod val="50000"/>
+                  </a:schemeClr>
                 </a:solidFill>
               </a:rPr>
-              <a:t>Residual</a:t>
-            </a:r>
-            <a:r>
-              <a:rPr kumimoji="1" lang="en-US" altLang="ja-JP" dirty="0">
+              <a:t>Shapiro-Wilk</a:t>
+            </a:r>
+            <a:r>
+              <a:rPr lang="ja-JP" altLang="en-US">
                 <a:solidFill>
-                  <a:srgbClr val="FF0000"/>
+                  <a:schemeClr val="bg2">
+                    <a:lumMod val="50000"/>
+                  </a:schemeClr>
                 </a:solidFill>
               </a:rPr>
-              <a:t> deviance</a:t>
-            </a:r>
-            <a:endParaRPr kumimoji="1" lang="ja-JP" altLang="en-US">
+              <a:t>検定</a:t>
+            </a:r>
+            <a:endParaRPr lang="en-US" altLang="ja-JP" dirty="0">
               <a:solidFill>
-                <a:srgbClr val="FF0000"/>
+                <a:schemeClr val="bg2">
+                  <a:lumMod val="50000"/>
+                </a:schemeClr>
               </a:solidFill>
             </a:endParaRPr>
-          </a:p>
-        </p:txBody>
-      </p:sp>
-      <p:cxnSp>
-        <p:nvCxnSpPr>
-          <p:cNvPr id="15" name="直線コネクタ 14">
-            <a:extLst>
-              <a:ext uri="{FF2B5EF4-FFF2-40B4-BE49-F238E27FC236}">
-                <a16:creationId xmlns:a16="http://schemas.microsoft.com/office/drawing/2014/main" id="{9D9F5C4D-934E-3445-9A13-71AE8417AC32}"/>
-              </a:ext>
-            </a:extLst>
-          </p:cNvPr>
-          <p:cNvCxnSpPr>
-            <a:cxnSpLocks/>
-          </p:cNvCxnSpPr>
-          <p:nvPr/>
-        </p:nvCxnSpPr>
-        <p:spPr>
-          <a:xfrm>
-            <a:off x="11114366" y="3215640"/>
-            <a:ext cx="0" cy="2788553"/>
-          </a:xfrm>
-          <a:prstGeom prst="line">
-            <a:avLst/>
-          </a:prstGeom>
-          <a:ln w="25400">
-            <a:solidFill>
-              <a:srgbClr val="FF0000"/>
-            </a:solidFill>
-            <a:headEnd type="arrow"/>
-            <a:tailEnd type="arrow"/>
-          </a:ln>
-        </p:spPr>
-        <p:style>
-          <a:lnRef idx="1">
-            <a:schemeClr val="accent1"/>
-          </a:lnRef>
-          <a:fillRef idx="0">
-            <a:schemeClr val="accent1"/>
-          </a:fillRef>
-          <a:effectRef idx="0">
-            <a:schemeClr val="accent1"/>
-          </a:effectRef>
-          <a:fontRef idx="minor">
-            <a:schemeClr val="tx1"/>
-          </a:fontRef>
-        </p:style>
-      </p:cxnSp>
-      <p:cxnSp>
-        <p:nvCxnSpPr>
-          <p:cNvPr id="18" name="直線コネクタ 17">
-            <a:extLst>
-              <a:ext uri="{FF2B5EF4-FFF2-40B4-BE49-F238E27FC236}">
-                <a16:creationId xmlns:a16="http://schemas.microsoft.com/office/drawing/2014/main" id="{F9732587-A468-434C-9594-9C3FAAD00357}"/>
-              </a:ext>
-            </a:extLst>
-          </p:cNvPr>
-          <p:cNvCxnSpPr>
-            <a:cxnSpLocks/>
-          </p:cNvCxnSpPr>
-          <p:nvPr/>
-        </p:nvCxnSpPr>
-        <p:spPr>
-          <a:xfrm>
-            <a:off x="10190181" y="3215640"/>
-            <a:ext cx="1356702" cy="0"/>
-          </a:xfrm>
-          <a:prstGeom prst="line">
-            <a:avLst/>
-          </a:prstGeom>
-          <a:ln w="25400">
-            <a:solidFill>
-              <a:schemeClr val="tx1">
-                <a:lumMod val="50000"/>
-                <a:lumOff val="50000"/>
-              </a:schemeClr>
-            </a:solidFill>
-          </a:ln>
-        </p:spPr>
-        <p:style>
-          <a:lnRef idx="1">
-            <a:schemeClr val="accent1"/>
-          </a:lnRef>
-          <a:fillRef idx="0">
-            <a:schemeClr val="accent1"/>
-          </a:fillRef>
-          <a:effectRef idx="0">
-            <a:schemeClr val="accent1"/>
-          </a:effectRef>
-          <a:fontRef idx="minor">
-            <a:schemeClr val="tx1"/>
-          </a:fontRef>
-        </p:style>
-      </p:cxnSp>
-      <p:sp>
-        <p:nvSpPr>
-          <p:cNvPr id="20" name="テキスト ボックス 19">
-            <a:extLst>
-              <a:ext uri="{FF2B5EF4-FFF2-40B4-BE49-F238E27FC236}">
-                <a16:creationId xmlns:a16="http://schemas.microsoft.com/office/drawing/2014/main" id="{4412D54C-E400-A348-9C5D-B9099C670194}"/>
-              </a:ext>
-            </a:extLst>
-          </p:cNvPr>
-          <p:cNvSpPr txBox="1"/>
-          <p:nvPr/>
-        </p:nvSpPr>
-        <p:spPr>
-          <a:xfrm>
-            <a:off x="10670203" y="2479339"/>
-            <a:ext cx="1569660" cy="646331"/>
-          </a:xfrm>
-          <a:prstGeom prst="rect">
-            <a:avLst/>
-          </a:prstGeom>
-          <a:noFill/>
-        </p:spPr>
-        <p:txBody>
-          <a:bodyPr wrap="none" rtlCol="0">
-            <a:spAutoFit/>
-          </a:bodyPr>
-          <a:lstStyle/>
-          <a:p>
-            <a:r>
-              <a:rPr kumimoji="1" lang="ja-JP" altLang="en-US"/>
-              <a:t>対象のモデル</a:t>
-            </a:r>
-            <a:endParaRPr kumimoji="1" lang="en-US" altLang="ja-JP" dirty="0"/>
-          </a:p>
-          <a:p>
-            <a:r>
-              <a:rPr lang="ja-JP" altLang="en-US"/>
-              <a:t>による逸脱度</a:t>
-            </a:r>
-            <a:endParaRPr kumimoji="1" lang="ja-JP" altLang="en-US"/>
-          </a:p>
-        </p:txBody>
-      </p:sp>
-      <p:cxnSp>
-        <p:nvCxnSpPr>
-          <p:cNvPr id="21" name="直線コネクタ 20">
-            <a:extLst>
-              <a:ext uri="{FF2B5EF4-FFF2-40B4-BE49-F238E27FC236}">
-                <a16:creationId xmlns:a16="http://schemas.microsoft.com/office/drawing/2014/main" id="{A29A8BBB-E9AB-C84F-B76C-D85219AB31B3}"/>
-              </a:ext>
-            </a:extLst>
-          </p:cNvPr>
-          <p:cNvCxnSpPr>
-            <a:cxnSpLocks/>
-          </p:cNvCxnSpPr>
-          <p:nvPr/>
-        </p:nvCxnSpPr>
-        <p:spPr>
-          <a:xfrm>
-            <a:off x="10190181" y="620608"/>
-            <a:ext cx="0" cy="5947832"/>
-          </a:xfrm>
-          <a:prstGeom prst="line">
-            <a:avLst/>
-          </a:prstGeom>
-          <a:ln w="25400">
-            <a:solidFill>
-              <a:schemeClr val="tx1"/>
-            </a:solidFill>
-            <a:headEnd type="none"/>
-            <a:tailEnd type="none"/>
-          </a:ln>
-        </p:spPr>
-        <p:style>
-          <a:lnRef idx="1">
-            <a:schemeClr val="accent1"/>
-          </a:lnRef>
-          <a:fillRef idx="0">
-            <a:schemeClr val="accent1"/>
-          </a:fillRef>
-          <a:effectRef idx="0">
-            <a:schemeClr val="accent1"/>
-          </a:effectRef>
-          <a:fontRef idx="minor">
-            <a:schemeClr val="tx1"/>
-          </a:fontRef>
-        </p:style>
-      </p:cxnSp>
-      <p:sp>
-        <p:nvSpPr>
-          <p:cNvPr id="25" name="テキスト ボックス 24">
-            <a:extLst>
-              <a:ext uri="{FF2B5EF4-FFF2-40B4-BE49-F238E27FC236}">
-                <a16:creationId xmlns:a16="http://schemas.microsoft.com/office/drawing/2014/main" id="{3CC48E9A-D2AF-5A4C-8E75-252BE744E3E9}"/>
-              </a:ext>
-            </a:extLst>
-          </p:cNvPr>
-          <p:cNvSpPr txBox="1"/>
-          <p:nvPr/>
-        </p:nvSpPr>
-        <p:spPr>
-          <a:xfrm rot="16200000">
-            <a:off x="8838212" y="3182255"/>
-            <a:ext cx="2252540" cy="369332"/>
-          </a:xfrm>
-          <a:prstGeom prst="rect">
-            <a:avLst/>
-          </a:prstGeom>
-          <a:noFill/>
-        </p:spPr>
-        <p:txBody>
-          <a:bodyPr wrap="none" rtlCol="0">
-            <a:spAutoFit/>
-          </a:bodyPr>
-          <a:lstStyle/>
-          <a:p>
-            <a:r>
-              <a:rPr lang="en-US" altLang="ja-JP" dirty="0"/>
-              <a:t>d</a:t>
-            </a:r>
-            <a:r>
-              <a:rPr kumimoji="1" lang="en-US" altLang="ja-JP" dirty="0"/>
-              <a:t>eviance   -2 log </a:t>
-            </a:r>
-            <a:r>
-              <a:rPr kumimoji="1" lang="en-US" altLang="ja-JP" i="1" dirty="0"/>
-              <a:t>L</a:t>
-            </a:r>
-            <a:r>
-              <a:rPr kumimoji="1" lang="en-US" altLang="ja-JP" baseline="30000" dirty="0"/>
-              <a:t>*</a:t>
-            </a:r>
-            <a:endParaRPr kumimoji="1" lang="ja-JP" altLang="en-US" baseline="30000"/>
           </a:p>
         </p:txBody>
       </p:sp>
     </p:spTree>
     <p:extLst>
       <p:ext uri="{BB962C8B-B14F-4D97-AF65-F5344CB8AC3E}">
-        <p14:creationId xmlns:p14="http://schemas.microsoft.com/office/powerpoint/2010/main" val="2595786992"/>
+        <p14:creationId xmlns:p14="http://schemas.microsoft.com/office/powerpoint/2010/main" val="623929723"/>
       </p:ext>
     </p:extLst>
   </p:cSld>
@@ -5262,7 +5528,7 @@
           <p:cNvPr id="2" name="タイトル 1">
             <a:extLst>
               <a:ext uri="{FF2B5EF4-FFF2-40B4-BE49-F238E27FC236}">
-                <a16:creationId xmlns:a16="http://schemas.microsoft.com/office/drawing/2014/main" id="{51AA4A24-C87F-0340-9C26-29126700D1D9}"/>
+                <a16:creationId xmlns:a16="http://schemas.microsoft.com/office/drawing/2014/main" id="{ADD62BF2-6FF7-9842-B55F-6A8B6B522A7E}"/>
               </a:ext>
             </a:extLst>
           </p:cNvPr>
@@ -5279,149 +5545,162 @@
           <a:lstStyle/>
           <a:p>
             <a:r>
+              <a:rPr kumimoji="1" lang="ja-JP" altLang="en-US"/>
+              <a:t>線形モデルの残差</a:t>
+            </a:r>
+          </a:p>
+        </p:txBody>
+      </p:sp>
+      <p:sp>
+        <p:nvSpPr>
+          <p:cNvPr id="3" name="コンテンツ プレースホルダー 2">
+            <a:extLst>
+              <a:ext uri="{FF2B5EF4-FFF2-40B4-BE49-F238E27FC236}">
+                <a16:creationId xmlns:a16="http://schemas.microsoft.com/office/drawing/2014/main" id="{1805BEF9-DE5C-E743-813A-6F4CE0125DA2}"/>
+              </a:ext>
+            </a:extLst>
+          </p:cNvPr>
+          <p:cNvSpPr>
+            <a:spLocks noGrp="1"/>
+          </p:cNvSpPr>
+          <p:nvPr>
+            <p:ph idx="1"/>
+          </p:nvPr>
+        </p:nvSpPr>
+        <p:spPr/>
+        <p:txBody>
+          <a:bodyPr>
+            <a:normAutofit/>
+          </a:bodyPr>
+          <a:lstStyle/>
+          <a:p>
+            <a:r>
+              <a:rPr kumimoji="1" lang="ja-JP" altLang="en-US"/>
+              <a:t>線形モデルは誤差が正規分布に従うと仮定</a:t>
+            </a:r>
+            <a:endParaRPr kumimoji="1" lang="en-US" altLang="ja-JP" dirty="0"/>
+          </a:p>
+          <a:p>
+            <a:pPr marL="0" indent="0">
+              <a:buNone/>
+            </a:pPr>
+            <a:r>
+              <a:rPr lang="en-US" altLang="ja-JP" dirty="0"/>
+              <a:t>	</a:t>
+            </a:r>
+            <a:r>
               <a:rPr lang="ja-JP" altLang="en-US"/>
-              <a:t>逸脱度と</a:t>
+              <a:t>→</a:t>
+            </a:r>
+            <a:r>
+              <a:rPr kumimoji="1" lang="en-US" altLang="ja-JP" dirty="0" err="1"/>
+              <a:t>lm</a:t>
+            </a:r>
+            <a:r>
+              <a:rPr kumimoji="1" lang="ja-JP" altLang="en-US"/>
+              <a:t>結果オブジェクトの残差は</a:t>
+            </a:r>
+            <a:r>
+              <a:rPr lang="ja-JP" altLang="en-US"/>
+              <a:t>正規分布に従っているはず</a:t>
+            </a:r>
+            <a:endParaRPr lang="en-US" altLang="ja-JP" dirty="0"/>
+          </a:p>
+          <a:p>
+            <a:pPr marL="0" indent="0">
+              <a:buNone/>
+            </a:pPr>
+            <a:endParaRPr kumimoji="1" lang="en-US" altLang="ja-JP" dirty="0"/>
+          </a:p>
+          <a:p>
+            <a:r>
+              <a:rPr kumimoji="1" lang="ja-JP" altLang="en-US"/>
+              <a:t>残差を大きさで並び替えれば（ソートすれば）、理論的に正規分布</a:t>
+            </a:r>
+            <a:r>
+              <a:rPr kumimoji="1" lang="en-US" altLang="ja-JP" dirty="0"/>
+              <a:t>(</a:t>
+            </a:r>
+            <a:r>
+              <a:rPr kumimoji="1" lang="ja-JP" altLang="en-US"/>
+              <a:t>平均０、分散</a:t>
+            </a:r>
+            <a:r>
+              <a:rPr kumimoji="1" lang="en-US" altLang="ja-JP" dirty="0" err="1"/>
+              <a:t>σ</a:t>
+            </a:r>
+            <a:r>
+              <a:rPr kumimoji="1" lang="en-US" altLang="ja-JP" dirty="0"/>
+              <a:t>)</a:t>
+            </a:r>
+            <a:r>
+              <a:rPr kumimoji="1" lang="ja-JP" altLang="en-US"/>
+              <a:t>をデータのサンプルサイズ</a:t>
+            </a:r>
+            <a:r>
+              <a:rPr kumimoji="1" lang="en-US" altLang="ja-JP" dirty="0"/>
+              <a:t>n</a:t>
+            </a:r>
+            <a:r>
+              <a:rPr kumimoji="1" lang="ja-JP" altLang="en-US"/>
+              <a:t>で割った時の順位</a:t>
+            </a:r>
+            <a:r>
+              <a:rPr lang="ja-JP" altLang="en-US"/>
+              <a:t>から求められる期待値に</a:t>
+            </a:r>
+            <a:r>
+              <a:rPr kumimoji="1" lang="ja-JP" altLang="en-US"/>
+              <a:t>相当する値になっているはず</a:t>
+            </a:r>
+            <a:endParaRPr kumimoji="1" lang="en-US" altLang="ja-JP" dirty="0"/>
+          </a:p>
+          <a:p>
+            <a:pPr lvl="1"/>
+            <a:r>
+              <a:rPr lang="ja-JP" altLang="en-US"/>
+              <a:t>この分散</a:t>
+            </a:r>
+            <a:r>
+              <a:rPr lang="en-US" altLang="ja-JP" dirty="0" err="1"/>
+              <a:t>σ</a:t>
+            </a:r>
+            <a:r>
+              <a:rPr lang="ja-JP" altLang="en-US"/>
+              <a:t>の値は係数推定時に得られる（第</a:t>
             </a:r>
             <a:r>
               <a:rPr lang="en-US" altLang="ja-JP" dirty="0"/>
-              <a:t>AIC</a:t>
-            </a:r>
-            <a:endParaRPr kumimoji="1" lang="ja-JP" altLang="en-US"/>
-          </a:p>
-        </p:txBody>
-      </p:sp>
-      <p:sp>
-        <p:nvSpPr>
-          <p:cNvPr id="3" name="コンテンツ プレースホルダー 2">
-            <a:extLst>
-              <a:ext uri="{FF2B5EF4-FFF2-40B4-BE49-F238E27FC236}">
-                <a16:creationId xmlns:a16="http://schemas.microsoft.com/office/drawing/2014/main" id="{A3D0ED53-FAAB-AD43-A6F9-C615C36B1450}"/>
-              </a:ext>
-            </a:extLst>
-          </p:cNvPr>
-          <p:cNvSpPr>
-            <a:spLocks noGrp="1"/>
-          </p:cNvSpPr>
-          <p:nvPr>
-            <p:ph idx="1"/>
-          </p:nvPr>
-        </p:nvSpPr>
-        <p:spPr/>
-        <p:txBody>
-          <a:bodyPr/>
-          <a:lstStyle/>
-          <a:p>
-            <a:r>
-              <a:rPr kumimoji="1" lang="ja-JP" altLang="en-US"/>
-              <a:t>赤池情報量基準</a:t>
-            </a:r>
-            <a:r>
-              <a:rPr kumimoji="1" lang="en-US" altLang="ja-JP" dirty="0"/>
-              <a:t>(AIC)</a:t>
-            </a:r>
-            <a:r>
-              <a:rPr kumimoji="1" lang="ja-JP" altLang="en-US"/>
-              <a:t>は逸脱度</a:t>
-            </a:r>
-            <a:r>
-              <a:rPr kumimoji="1" lang="en-US" altLang="ja-JP" dirty="0"/>
-              <a:t>(D)</a:t>
-            </a:r>
-            <a:r>
-              <a:rPr kumimoji="1" lang="ja-JP" altLang="en-US"/>
-              <a:t>に推定パラメータ数</a:t>
-            </a:r>
-            <a:r>
-              <a:rPr kumimoji="1" lang="en-US" altLang="ja-JP" dirty="0"/>
-              <a:t>(k)</a:t>
-            </a:r>
-            <a:r>
-              <a:rPr kumimoji="1" lang="ja-JP" altLang="en-US"/>
-              <a:t>を加味した指標</a:t>
-            </a:r>
-            <a:endParaRPr lang="en-US" altLang="ja-JP" dirty="0"/>
-          </a:p>
-          <a:p>
-            <a:pPr lvl="1"/>
-            <a:r>
-              <a:rPr kumimoji="1" lang="en-US" altLang="ja-JP" dirty="0"/>
-              <a:t>AIC = </a:t>
+              <a:t>18</a:t>
+            </a:r>
+            <a:r>
+              <a:rPr lang="ja-JP" altLang="en-US"/>
+              <a:t>回で係数</a:t>
             </a:r>
             <a:r>
               <a:rPr lang="en-US" altLang="ja-JP" dirty="0"/>
-              <a:t>–</a:t>
-            </a:r>
-            <a:r>
-              <a:rPr kumimoji="1" lang="en-US" altLang="ja-JP" dirty="0"/>
-              <a:t> 2 (log </a:t>
-            </a:r>
-            <a:r>
-              <a:rPr kumimoji="1" lang="en-US" altLang="ja-JP" i="1" dirty="0"/>
-              <a:t>L</a:t>
-            </a:r>
-            <a:r>
-              <a:rPr kumimoji="1" lang="en-US" altLang="ja-JP" baseline="30000" dirty="0"/>
-              <a:t>*</a:t>
-            </a:r>
-            <a:r>
-              <a:rPr kumimoji="1" lang="en-US" altLang="ja-JP" dirty="0"/>
-              <a:t> –  </a:t>
-            </a:r>
-            <a:r>
-              <a:rPr kumimoji="1" lang="en-US" altLang="ja-JP" i="1" dirty="0"/>
-              <a:t>k</a:t>
+              <a:t>β</a:t>
+            </a:r>
+            <a:r>
+              <a:rPr lang="ja-JP" altLang="en-US"/>
+              <a:t>と分散</a:t>
             </a:r>
             <a:r>
               <a:rPr lang="en-US" altLang="ja-JP" dirty="0"/>
-              <a:t> )= </a:t>
-            </a:r>
-            <a:r>
-              <a:rPr lang="en-US" altLang="ja-JP" i="1" dirty="0"/>
-              <a:t>D</a:t>
-            </a:r>
-            <a:r>
-              <a:rPr lang="en-US" altLang="ja-JP" dirty="0"/>
-              <a:t> + 2 </a:t>
-            </a:r>
-            <a:r>
-              <a:rPr lang="en-US" altLang="ja-JP" i="1" dirty="0"/>
-              <a:t>k</a:t>
-            </a:r>
-          </a:p>
-          <a:p>
-            <a:endParaRPr kumimoji="1" lang="en-US" altLang="ja-JP" i="1" dirty="0"/>
-          </a:p>
-          <a:p>
-            <a:r>
-              <a:rPr kumimoji="1" lang="ja-JP" altLang="en-US"/>
-              <a:t>推定パラメータ数が多いほどデータへの当てはまりは良くなる．</a:t>
+              <a:t>s</a:t>
+            </a:r>
+            <a:r>
+              <a:rPr lang="ja-JP" altLang="en-US"/>
+              <a:t>を最尤推定）　</a:t>
             </a:r>
             <a:endParaRPr kumimoji="1" lang="en-US" altLang="ja-JP" dirty="0"/>
-          </a:p>
-          <a:p>
-            <a:endParaRPr lang="en-US" altLang="ja-JP" dirty="0"/>
-          </a:p>
-          <a:p>
-            <a:r>
-              <a:rPr lang="ja-JP" altLang="en-US"/>
-              <a:t>当てはまりの悪さ</a:t>
-            </a:r>
-            <a:r>
-              <a:rPr lang="en-US" altLang="ja-JP" dirty="0"/>
-              <a:t>+</a:t>
-            </a:r>
-            <a:r>
-              <a:rPr lang="ja-JP" altLang="en-US"/>
-              <a:t>パラメータ数が小さいものが選ばれる基準になる．</a:t>
-            </a:r>
-            <a:endParaRPr kumimoji="1" lang="ja-JP" altLang="en-US"/>
           </a:p>
         </p:txBody>
       </p:sp>
     </p:spTree>
     <p:extLst>
       <p:ext uri="{BB962C8B-B14F-4D97-AF65-F5344CB8AC3E}">
-        <p14:creationId xmlns:p14="http://schemas.microsoft.com/office/powerpoint/2010/main" val="3834722928"/>
+        <p14:creationId xmlns:p14="http://schemas.microsoft.com/office/powerpoint/2010/main" val="2178159451"/>
       </p:ext>
     </p:extLst>
   </p:cSld>
@@ -5453,7 +5732,7 @@
           <p:cNvPr id="2" name="タイトル 1">
             <a:extLst>
               <a:ext uri="{FF2B5EF4-FFF2-40B4-BE49-F238E27FC236}">
-                <a16:creationId xmlns:a16="http://schemas.microsoft.com/office/drawing/2014/main" id="{97020794-9D15-0745-925F-85D82BC176FF}"/>
+                <a16:creationId xmlns:a16="http://schemas.microsoft.com/office/drawing/2014/main" id="{892C59F3-AD8A-C648-98CA-0C3943AE4A58}"/>
               </a:ext>
             </a:extLst>
           </p:cNvPr>
@@ -5470,98 +5749,268 @@
           <a:lstStyle/>
           <a:p>
             <a:r>
+              <a:rPr kumimoji="1" lang="ja-JP" altLang="en-US"/>
+              <a:t>サンプルの順位と分位</a:t>
+            </a:r>
+          </a:p>
+        </p:txBody>
+      </p:sp>
+      <p:sp>
+        <p:nvSpPr>
+          <p:cNvPr id="3" name="コンテンツ プレースホルダー 2">
+            <a:extLst>
+              <a:ext uri="{FF2B5EF4-FFF2-40B4-BE49-F238E27FC236}">
+                <a16:creationId xmlns:a16="http://schemas.microsoft.com/office/drawing/2014/main" id="{2B892BED-13CC-B648-8A24-26DF1294EB9C}"/>
+              </a:ext>
+            </a:extLst>
+          </p:cNvPr>
+          <p:cNvSpPr>
+            <a:spLocks noGrp="1"/>
+          </p:cNvSpPr>
+          <p:nvPr>
+            <p:ph idx="1"/>
+          </p:nvPr>
+        </p:nvSpPr>
+        <p:spPr/>
+        <p:txBody>
+          <a:bodyPr>
+            <a:normAutofit fontScale="85000" lnSpcReduction="20000"/>
+          </a:bodyPr>
+          <a:lstStyle/>
+          <a:p>
+            <a:r>
+              <a:rPr lang="ja-JP" altLang="en-US"/>
+              <a:t>サンプルサイズ</a:t>
+            </a:r>
+            <a:r>
+              <a:rPr lang="en-US" altLang="ja-JP" dirty="0"/>
+              <a:t>n(</a:t>
+            </a:r>
+            <a:r>
+              <a:rPr lang="ja-JP" altLang="en-US"/>
+              <a:t>ここでは</a:t>
+            </a:r>
+            <a:r>
+              <a:rPr lang="en-US" altLang="ja-JP" dirty="0"/>
+              <a:t>100</a:t>
+            </a:r>
+            <a:r>
+              <a:rPr lang="ja-JP" altLang="en-US"/>
+              <a:t>にする</a:t>
+            </a:r>
+            <a:r>
+              <a:rPr lang="en-US" altLang="ja-JP" dirty="0"/>
+              <a:t>)</a:t>
+            </a:r>
+            <a:r>
+              <a:rPr lang="ja-JP" altLang="en-US"/>
+              <a:t>のデータが標準正規分布</a:t>
+            </a:r>
+            <a:r>
+              <a:rPr lang="en-US" altLang="ja-JP" dirty="0"/>
+              <a:t>N~(</a:t>
+            </a:r>
+            <a:r>
+              <a:rPr lang="en-US" altLang="ja-JP" dirty="0" err="1"/>
+              <a:t>μ</a:t>
+            </a:r>
+            <a:r>
+              <a:rPr lang="en-US" altLang="ja-JP" dirty="0"/>
+              <a:t>=0,σ=1)</a:t>
+            </a:r>
+            <a:r>
+              <a:rPr lang="ja-JP" altLang="en-US"/>
+              <a:t>に従って分布している．</a:t>
+            </a:r>
+            <a:endParaRPr lang="en-US" altLang="ja-JP" dirty="0"/>
+          </a:p>
+          <a:p>
+            <a:endParaRPr kumimoji="1" lang="en-US" altLang="ja-JP" dirty="0"/>
+          </a:p>
+          <a:p>
+            <a:r>
+              <a:rPr lang="ja-JP" altLang="en-US"/>
+              <a:t>サンプルを昇順に並び替えたもの</a:t>
+            </a:r>
+            <a:r>
+              <a:rPr lang="en-US" altLang="ja-JP" dirty="0"/>
+              <a:t>(a)</a:t>
+            </a:r>
+            <a:r>
+              <a:rPr lang="ja-JP" altLang="en-US"/>
+              <a:t>と、</a:t>
+            </a:r>
+            <a:r>
+              <a:rPr lang="en-US" altLang="ja-JP" dirty="0"/>
+              <a:t>1</a:t>
+            </a:r>
+            <a:r>
+              <a:rPr lang="ja-JP" altLang="en-US"/>
+              <a:t>から</a:t>
+            </a:r>
+            <a:r>
+              <a:rPr lang="en-US" altLang="ja-JP" dirty="0"/>
+              <a:t>n</a:t>
+            </a:r>
+            <a:r>
+              <a:rPr lang="ja-JP" altLang="en-US"/>
+              <a:t>までの順位で理論的に標準正規分布から得られる期待値</a:t>
+            </a:r>
+            <a:r>
+              <a:rPr lang="en-US" altLang="ja-JP" dirty="0"/>
+              <a:t>(b)</a:t>
+            </a:r>
+            <a:r>
+              <a:rPr lang="ja-JP" altLang="en-US"/>
+              <a:t>を比較する．</a:t>
+            </a:r>
+            <a:endParaRPr lang="en-US" altLang="ja-JP" dirty="0"/>
+          </a:p>
+          <a:p>
+            <a:pPr lvl="1"/>
+            <a:r>
+              <a:rPr lang="ja-JP" altLang="en-US"/>
+              <a:t>サンプルのデータが標準正規分布に従うなら、縦軸に</a:t>
+            </a:r>
+            <a:r>
+              <a:rPr lang="en-US" altLang="ja-JP" dirty="0"/>
+              <a:t>(a)</a:t>
+            </a:r>
+            <a:r>
+              <a:rPr lang="ja-JP" altLang="en-US"/>
+              <a:t>、横軸に</a:t>
+            </a:r>
+            <a:r>
+              <a:rPr lang="en-US" altLang="ja-JP" dirty="0"/>
+              <a:t>(b)</a:t>
+            </a:r>
+            <a:r>
+              <a:rPr lang="ja-JP" altLang="en-US"/>
+              <a:t>をとると直線に乗るはず．</a:t>
+            </a:r>
+            <a:endParaRPr lang="en-US" altLang="ja-JP" dirty="0"/>
+          </a:p>
+          <a:p>
+            <a:pPr lvl="1"/>
+            <a:endParaRPr lang="en-US" altLang="ja-JP" dirty="0"/>
+          </a:p>
+          <a:p>
+            <a:r>
+              <a:rPr kumimoji="1" lang="ja-JP" altLang="en-US"/>
+              <a:t>このサンプルの</a:t>
+            </a:r>
+            <a:r>
               <a:rPr kumimoji="1" lang="en-US" altLang="ja-JP" dirty="0"/>
-              <a:t>GLM</a:t>
-            </a:r>
-            <a:r>
-              <a:rPr kumimoji="1" lang="ja-JP" altLang="en-US"/>
-              <a:t>の戻り値</a:t>
-            </a:r>
-          </a:p>
-        </p:txBody>
-      </p:sp>
-      <p:sp>
-        <p:nvSpPr>
-          <p:cNvPr id="3" name="コンテンツ プレースホルダー 2">
-            <a:extLst>
-              <a:ext uri="{FF2B5EF4-FFF2-40B4-BE49-F238E27FC236}">
-                <a16:creationId xmlns:a16="http://schemas.microsoft.com/office/drawing/2014/main" id="{54C63FB3-C4DB-084E-968E-7FB5E1F0B009}"/>
-              </a:ext>
-            </a:extLst>
-          </p:cNvPr>
-          <p:cNvSpPr>
-            <a:spLocks noGrp="1"/>
-          </p:cNvSpPr>
-          <p:nvPr>
-            <p:ph idx="1"/>
-          </p:nvPr>
-        </p:nvSpPr>
-        <p:spPr/>
-        <p:txBody>
-          <a:bodyPr/>
-          <a:lstStyle/>
-          <a:p>
+              <a:t>quantile</a:t>
+            </a:r>
+            <a:r>
+              <a:rPr kumimoji="1" lang="ja-JP" altLang="en-US"/>
+              <a:t>と理論的な</a:t>
+            </a:r>
             <a:r>
               <a:rPr kumimoji="1" lang="en-US" altLang="ja-JP" dirty="0"/>
-              <a:t>R</a:t>
-            </a:r>
-            <a:r>
-              <a:rPr kumimoji="1" lang="ja-JP" altLang="en-US"/>
-              <a:t>の</a:t>
+              <a:t>quantile</a:t>
+            </a:r>
+            <a:r>
+              <a:rPr kumimoji="1" lang="ja-JP" altLang="en-US"/>
+              <a:t>の対応関係をプロット</a:t>
+            </a:r>
+            <a:br>
+              <a:rPr kumimoji="1" lang="en-US" altLang="ja-JP" dirty="0"/>
+            </a:br>
+            <a:endParaRPr kumimoji="1" lang="en-US" altLang="ja-JP" dirty="0"/>
+          </a:p>
+          <a:p>
+            <a:pPr lvl="1"/>
+            <a:r>
+              <a:rPr lang="en-US" altLang="ja-JP" dirty="0" err="1"/>
+              <a:t>std_norm_smpl</a:t>
+            </a:r>
+            <a:r>
+              <a:rPr lang="en-US" altLang="ja-JP" dirty="0"/>
+              <a:t> &lt;- </a:t>
+            </a:r>
+            <a:r>
+              <a:rPr lang="en-US" altLang="ja-JP" dirty="0" err="1"/>
+              <a:t>rnorm</a:t>
+            </a:r>
+            <a:r>
+              <a:rPr lang="en-US" altLang="ja-JP" dirty="0"/>
+              <a:t>(100,0,1)</a:t>
+            </a:r>
+          </a:p>
+          <a:p>
+            <a:pPr lvl="1"/>
+            <a:r>
+              <a:rPr lang="en-US" altLang="ja-JP" dirty="0" err="1"/>
+              <a:t>sort</a:t>
             </a:r>
             <a:r>
               <a:rPr kumimoji="1" lang="en-US" altLang="ja-JP" dirty="0" err="1"/>
-              <a:t>glm</a:t>
-            </a:r>
-            <a:r>
-              <a:rPr kumimoji="1" lang="ja-JP" altLang="en-US"/>
-              <a:t>関数は</a:t>
-            </a:r>
-            <a:r>
-              <a:rPr kumimoji="1" lang="en-US" altLang="ja-JP" dirty="0"/>
-              <a:t>Null Deviance, Residual Deviance</a:t>
-            </a:r>
-            <a:r>
-              <a:rPr kumimoji="1" lang="ja-JP" altLang="en-US"/>
-              <a:t>を返す．</a:t>
-            </a:r>
-          </a:p>
-        </p:txBody>
-      </p:sp>
-      <p:pic>
-        <p:nvPicPr>
-          <p:cNvPr id="6" name="図 5" descr="テキスト&#10;&#10;自動的に生成された説明">
-            <a:extLst>
-              <a:ext uri="{FF2B5EF4-FFF2-40B4-BE49-F238E27FC236}">
-                <a16:creationId xmlns:a16="http://schemas.microsoft.com/office/drawing/2014/main" id="{6FC85373-0AA5-554D-A4F9-18721FB1EC9F}"/>
-              </a:ext>
-            </a:extLst>
-          </p:cNvPr>
-          <p:cNvPicPr>
-            <a:picLocks noChangeAspect="1"/>
-          </p:cNvPicPr>
-          <p:nvPr/>
-        </p:nvPicPr>
-        <p:blipFill>
-          <a:blip r:embed="rId2"/>
-          <a:stretch>
-            <a:fillRect/>
-          </a:stretch>
-        </p:blipFill>
-        <p:spPr>
-          <a:xfrm>
-            <a:off x="1587316" y="2505075"/>
-            <a:ext cx="9474200" cy="3987800"/>
-          </a:xfrm>
-          <a:prstGeom prst="rect">
-            <a:avLst/>
-          </a:prstGeom>
-        </p:spPr>
-      </p:pic>
+              <a:t>_std_norm_s</a:t>
+            </a:r>
+            <a:r>
+              <a:rPr lang="en-US" altLang="ja-JP" dirty="0" err="1"/>
+              <a:t>mpl</a:t>
+            </a:r>
+            <a:r>
+              <a:rPr lang="en-US" altLang="ja-JP" dirty="0"/>
+              <a:t> &lt;- </a:t>
+            </a:r>
+            <a:r>
+              <a:rPr lang="en-US" altLang="ja-JP" dirty="0" err="1"/>
+              <a:t>std_norm_smpl</a:t>
+            </a:r>
+            <a:r>
+              <a:rPr lang="en-US" altLang="ja-JP" dirty="0"/>
+              <a:t>[order(</a:t>
+            </a:r>
+            <a:r>
+              <a:rPr lang="en-US" altLang="ja-JP" dirty="0" err="1"/>
+              <a:t>std_norm_smp,decreasing</a:t>
+            </a:r>
+            <a:r>
+              <a:rPr lang="en-US" altLang="ja-JP" dirty="0"/>
+              <a:t> = F)]</a:t>
+            </a:r>
+          </a:p>
+          <a:p>
+            <a:pPr lvl="1"/>
+            <a:r>
+              <a:rPr kumimoji="1" lang="en-US" altLang="ja-JP" dirty="0" err="1"/>
+              <a:t>theo</a:t>
+            </a:r>
+            <a:r>
+              <a:rPr lang="en-US" altLang="ja-JP" dirty="0" err="1"/>
+              <a:t>r_smpl</a:t>
+            </a:r>
+            <a:r>
+              <a:rPr lang="en-US" altLang="ja-JP" dirty="0"/>
+              <a:t> &lt;- (seq(1,100)-0.5)/100</a:t>
+            </a:r>
+          </a:p>
+          <a:p>
+            <a:pPr lvl="1"/>
+            <a:r>
+              <a:rPr lang="en-US" altLang="ja-JP" dirty="0"/>
+              <a:t>plot(</a:t>
+            </a:r>
+            <a:r>
+              <a:rPr lang="en-US" altLang="ja-JP" dirty="0" err="1"/>
+              <a:t>theor_smp,ord_stdnorm_smp</a:t>
+            </a:r>
+            <a:r>
+              <a:rPr lang="en-US" altLang="ja-JP" dirty="0"/>
+              <a:t>)</a:t>
+            </a:r>
+            <a:endParaRPr kumimoji="1" lang="ja-JP" altLang="en-US"/>
+          </a:p>
+        </p:txBody>
+      </p:sp>
     </p:spTree>
     <p:extLst>
       <p:ext uri="{BB962C8B-B14F-4D97-AF65-F5344CB8AC3E}">
-        <p14:creationId xmlns:p14="http://schemas.microsoft.com/office/powerpoint/2010/main" val="508955002"/>
+        <p14:creationId xmlns:p14="http://schemas.microsoft.com/office/powerpoint/2010/main" val="4050706010"/>
       </p:ext>
     </p:extLst>
   </p:cSld>
@@ -5593,7 +6042,7 @@
           <p:cNvPr id="2" name="タイトル 1">
             <a:extLst>
               <a:ext uri="{FF2B5EF4-FFF2-40B4-BE49-F238E27FC236}">
-                <a16:creationId xmlns:a16="http://schemas.microsoft.com/office/drawing/2014/main" id="{BE21B35A-2763-C34A-9729-CEAF9258550D}"/>
+                <a16:creationId xmlns:a16="http://schemas.microsoft.com/office/drawing/2014/main" id="{F1994288-EB8E-A84F-B42C-97ABDD69EAD5}"/>
               </a:ext>
             </a:extLst>
           </p:cNvPr>
@@ -5610,14 +6059,13 @@
           <a:lstStyle/>
           <a:p>
             <a:r>
-              <a:rPr kumimoji="1" lang="en-US" altLang="ja-JP" dirty="0"/>
-              <a:t>GLM</a:t>
-            </a:r>
-            <a:r>
-              <a:rPr lang="ja-JP" altLang="en-US"/>
-              <a:t>の妥当性</a:t>
-            </a:r>
-            <a:endParaRPr kumimoji="1" lang="ja-JP" altLang="en-US"/>
+              <a:rPr kumimoji="1" lang="en-US" altLang="ja-JP" dirty="0" err="1"/>
+              <a:t>qqnorm</a:t>
+            </a:r>
+            <a:r>
+              <a:rPr kumimoji="1" lang="ja-JP" altLang="en-US"/>
+              <a:t>関数</a:t>
+            </a:r>
           </a:p>
         </p:txBody>
       </p:sp>
@@ -5626,7 +6074,7 @@
           <p:cNvPr id="3" name="コンテンツ プレースホルダー 2">
             <a:extLst>
               <a:ext uri="{FF2B5EF4-FFF2-40B4-BE49-F238E27FC236}">
-                <a16:creationId xmlns:a16="http://schemas.microsoft.com/office/drawing/2014/main" id="{5D454D60-38A7-4B4C-8C5C-FFAC1D198DE6}"/>
+                <a16:creationId xmlns:a16="http://schemas.microsoft.com/office/drawing/2014/main" id="{F17329F4-295F-B840-A01F-3058DFA89E7D}"/>
               </a:ext>
             </a:extLst>
           </p:cNvPr>
@@ -5643,72 +6091,250 @@
           <a:lstStyle/>
           <a:p>
             <a:r>
+              <a:rPr kumimoji="1" lang="ja-JP" altLang="en-US"/>
+              <a:t>誤差が正規分布であるサンプルである時、</a:t>
+            </a:r>
+            <a:r>
               <a:rPr lang="en-US" altLang="ja-JP" dirty="0"/>
-              <a:t>GLM</a:t>
+              <a:t>Q-</a:t>
+            </a:r>
+            <a:r>
+              <a:rPr lang="en-US" altLang="ja-JP" dirty="0" err="1"/>
+              <a:t>Qplot</a:t>
             </a:r>
             <a:r>
               <a:rPr lang="ja-JP" altLang="en-US"/>
               <a:t>は</a:t>
             </a:r>
             <a:r>
+              <a:rPr lang="en-US" altLang="ja-JP" dirty="0" err="1"/>
+              <a:t>qqnorm</a:t>
+            </a:r>
+            <a:r>
+              <a:rPr lang="ja-JP" altLang="en-US"/>
+              <a:t>関数が使える．</a:t>
+            </a:r>
+            <a:endParaRPr lang="en-US" altLang="ja-JP" dirty="0"/>
+          </a:p>
+          <a:p>
+            <a:pPr lvl="1"/>
+            <a:r>
+              <a:rPr kumimoji="1" lang="en-US" altLang="ja-JP" dirty="0" err="1"/>
+              <a:t>qqnorm</a:t>
+            </a:r>
+            <a:r>
+              <a:rPr kumimoji="1" lang="en-US" altLang="ja-JP" dirty="0"/>
+              <a:t>(</a:t>
+            </a:r>
+            <a:r>
+              <a:rPr kumimoji="1" lang="en-US" altLang="ja-JP" dirty="0" err="1"/>
+              <a:t>std_norm_smpl</a:t>
+            </a:r>
+            <a:r>
+              <a:rPr kumimoji="1" lang="en-US" altLang="ja-JP" dirty="0"/>
+              <a:t>)</a:t>
+            </a:r>
+          </a:p>
+          <a:p>
+            <a:endParaRPr kumimoji="1" lang="en-US" altLang="ja-JP" dirty="0"/>
+          </a:p>
+          <a:p>
+            <a:r>
+              <a:rPr kumimoji="1" lang="ja-JP" altLang="en-US"/>
+              <a:t>この関数は分布の標準化した上で理論値と比べてくれる．線形モデルの結果の残差をそのまま引数に入れる．</a:t>
+            </a:r>
+            <a:endParaRPr kumimoji="1" lang="en-US" altLang="ja-JP" dirty="0"/>
+          </a:p>
+          <a:p>
+            <a:pPr lvl="1"/>
+            <a:r>
+              <a:rPr lang="en-US" altLang="ja-JP" dirty="0" err="1"/>
+              <a:t>qqnorm</a:t>
+            </a:r>
+            <a:r>
               <a:rPr lang="en-US" altLang="ja-JP" dirty="0"/>
-              <a:t>LM</a:t>
-            </a:r>
-            <a:r>
-              <a:rPr lang="ja-JP" altLang="en-US"/>
-              <a:t>よりも柔軟にデータフィッティングすることができる．</a:t>
-            </a:r>
-            <a:endParaRPr lang="en-US" altLang="ja-JP" dirty="0"/>
-          </a:p>
-          <a:p>
-            <a:endParaRPr lang="en-US" altLang="ja-JP" dirty="0"/>
-          </a:p>
-          <a:p>
+              <a:t>(</a:t>
+            </a:r>
+            <a:r>
+              <a:rPr lang="en-US" altLang="ja-JP" dirty="0" err="1"/>
+              <a:t>res_lm$residuals</a:t>
+            </a:r>
             <a:r>
               <a:rPr lang="en-US" altLang="ja-JP" dirty="0"/>
-              <a:t>GLM</a:t>
-            </a:r>
-            <a:r>
-              <a:rPr lang="ja-JP" altLang="en-US"/>
-              <a:t>を用いて、</a:t>
-            </a:r>
-            <a:r>
-              <a:rPr lang="en-US" altLang="ja-JP" dirty="0"/>
-              <a:t>AIC</a:t>
-            </a:r>
-            <a:r>
-              <a:rPr lang="ja-JP" altLang="en-US"/>
-              <a:t>などの基準で選択したモデルがいつでもよい結果をもたらすか？</a:t>
-            </a:r>
-            <a:endParaRPr lang="en-US" altLang="ja-JP" dirty="0"/>
-          </a:p>
-          <a:p>
-            <a:pPr lvl="1"/>
-            <a:r>
-              <a:rPr lang="ja-JP" altLang="en-US"/>
-              <a:t>→</a:t>
-            </a:r>
-            <a:r>
-              <a:rPr lang="en-US" altLang="ja-JP" dirty="0"/>
-              <a:t>No.</a:t>
-            </a:r>
-          </a:p>
-          <a:p>
-            <a:endParaRPr lang="en-US" altLang="ja-JP" dirty="0"/>
-          </a:p>
-          <a:p>
-            <a:r>
-              <a:rPr lang="ja-JP" altLang="en-US"/>
-              <a:t>仮定した誤差構造の分散よりも大きい結果を得ることがある．</a:t>
-            </a:r>
-            <a:endParaRPr lang="en-US" altLang="ja-JP" dirty="0"/>
+              <a:t>)</a:t>
+            </a:r>
+            <a:endParaRPr kumimoji="1" lang="ja-JP" altLang="en-US"/>
           </a:p>
         </p:txBody>
       </p:sp>
     </p:spTree>
     <p:extLst>
       <p:ext uri="{BB962C8B-B14F-4D97-AF65-F5344CB8AC3E}">
-        <p14:creationId xmlns:p14="http://schemas.microsoft.com/office/powerpoint/2010/main" val="2393039641"/>
+        <p14:creationId xmlns:p14="http://schemas.microsoft.com/office/powerpoint/2010/main" val="2009115823"/>
+      </p:ext>
+    </p:extLst>
+  </p:cSld>
+  <p:clrMapOvr>
+    <a:masterClrMapping/>
+  </p:clrMapOvr>
+</p:sld>
+</file>
+
+<file path=ppt/slides/slide9.xml><?xml version="1.0" encoding="utf-8"?>
+<p:sld xmlns:a="http://schemas.openxmlformats.org/drawingml/2006/main" xmlns:r="http://schemas.openxmlformats.org/officeDocument/2006/relationships" xmlns:p="http://schemas.openxmlformats.org/presentationml/2006/main">
+  <p:cSld>
+    <p:spTree>
+      <p:nvGrpSpPr>
+        <p:cNvPr id="1" name=""/>
+        <p:cNvGrpSpPr/>
+        <p:nvPr/>
+      </p:nvGrpSpPr>
+      <p:grpSpPr>
+        <a:xfrm>
+          <a:off x="0" y="0"/>
+          <a:ext cx="0" cy="0"/>
+          <a:chOff x="0" y="0"/>
+          <a:chExt cx="0" cy="0"/>
+        </a:xfrm>
+      </p:grpSpPr>
+      <p:sp>
+        <p:nvSpPr>
+          <p:cNvPr id="2" name="タイトル 1">
+            <a:extLst>
+              <a:ext uri="{FF2B5EF4-FFF2-40B4-BE49-F238E27FC236}">
+                <a16:creationId xmlns:a16="http://schemas.microsoft.com/office/drawing/2014/main" id="{032164F6-0F1B-1549-B553-24334B2E64E3}"/>
+              </a:ext>
+            </a:extLst>
+          </p:cNvPr>
+          <p:cNvSpPr>
+            <a:spLocks noGrp="1"/>
+          </p:cNvSpPr>
+          <p:nvPr>
+            <p:ph type="title"/>
+          </p:nvPr>
+        </p:nvSpPr>
+        <p:spPr/>
+        <p:txBody>
+          <a:bodyPr/>
+          <a:lstStyle/>
+          <a:p>
+            <a:r>
+              <a:rPr kumimoji="1" lang="en-US" altLang="ja-JP" dirty="0"/>
+              <a:t>GLM</a:t>
+            </a:r>
+            <a:r>
+              <a:rPr kumimoji="1" lang="ja-JP" altLang="en-US"/>
+              <a:t>の残差</a:t>
+            </a:r>
+          </a:p>
+        </p:txBody>
+      </p:sp>
+      <p:sp>
+        <p:nvSpPr>
+          <p:cNvPr id="3" name="コンテンツ プレースホルダー 2">
+            <a:extLst>
+              <a:ext uri="{FF2B5EF4-FFF2-40B4-BE49-F238E27FC236}">
+                <a16:creationId xmlns:a16="http://schemas.microsoft.com/office/drawing/2014/main" id="{7044DDCB-175D-DC41-A5AC-98AE58CE5A61}"/>
+              </a:ext>
+            </a:extLst>
+          </p:cNvPr>
+          <p:cNvSpPr>
+            <a:spLocks noGrp="1"/>
+          </p:cNvSpPr>
+          <p:nvPr>
+            <p:ph idx="1"/>
+          </p:nvPr>
+        </p:nvSpPr>
+        <p:spPr/>
+        <p:txBody>
+          <a:bodyPr/>
+          <a:lstStyle/>
+          <a:p>
+            <a:r>
+              <a:rPr kumimoji="1" lang="ja-JP" altLang="en-US"/>
+              <a:t>誤差分布が正規分布ではない場合、残差は単純に予測値からのズレを使わない．</a:t>
+            </a:r>
+            <a:endParaRPr kumimoji="1" lang="en-US" altLang="ja-JP" dirty="0"/>
+          </a:p>
+          <a:p>
+            <a:pPr lvl="1"/>
+            <a:r>
+              <a:rPr lang="ja-JP" altLang="en-US"/>
+              <a:t>線形予測子の値に依存して誤差の分散が変わるので、線形モデルのように簡単でない．</a:t>
+            </a:r>
+            <a:endParaRPr lang="en-US" altLang="ja-JP" dirty="0"/>
+          </a:p>
+          <a:p>
+            <a:endParaRPr kumimoji="1" lang="en-US" altLang="ja-JP" dirty="0"/>
+          </a:p>
+          <a:p>
+            <a:r>
+              <a:rPr kumimoji="1" lang="ja-JP" altLang="en-US"/>
+              <a:t>代わりに</a:t>
+            </a:r>
+            <a:r>
+              <a:rPr kumimoji="1" lang="en-US" altLang="ja-JP" dirty="0"/>
+              <a:t>residuals</a:t>
+            </a:r>
+            <a:r>
+              <a:rPr kumimoji="1" lang="ja-JP" altLang="en-US"/>
+              <a:t>関数で</a:t>
+            </a:r>
+            <a:r>
+              <a:rPr lang="en-US" altLang="ja-JP" dirty="0"/>
+              <a:t>deviance</a:t>
+            </a:r>
+            <a:r>
+              <a:rPr lang="ja-JP" altLang="en-US"/>
+              <a:t>を指定して取り出す</a:t>
+            </a:r>
+            <a:r>
+              <a:rPr kumimoji="1" lang="ja-JP" altLang="en-US"/>
+              <a:t>．</a:t>
+            </a:r>
+            <a:endParaRPr kumimoji="1" lang="en-US" altLang="ja-JP" dirty="0"/>
+          </a:p>
+          <a:p>
+            <a:pPr lvl="1"/>
+            <a:r>
+              <a:rPr kumimoji="1" lang="en-US" altLang="ja-JP" dirty="0" err="1"/>
+              <a:t>resid_glm</a:t>
+            </a:r>
+            <a:r>
+              <a:rPr kumimoji="1" lang="en-US" altLang="ja-JP" dirty="0"/>
+              <a:t> &lt;- residuals(</a:t>
+            </a:r>
+            <a:r>
+              <a:rPr kumimoji="1" lang="en-US" altLang="ja-JP" dirty="0" err="1"/>
+              <a:t>res_glm</a:t>
+            </a:r>
+            <a:r>
+              <a:rPr kumimoji="1" lang="en-US" altLang="ja-JP" dirty="0"/>
+              <a:t>, type=“deviance”)</a:t>
+            </a:r>
+          </a:p>
+          <a:p>
+            <a:pPr lvl="1"/>
+            <a:r>
+              <a:rPr kumimoji="1" lang="en-US" altLang="ja-JP" dirty="0"/>
+              <a:t>hist(</a:t>
+            </a:r>
+            <a:r>
+              <a:rPr kumimoji="1" lang="en-US" altLang="ja-JP" dirty="0" err="1"/>
+              <a:t>resid_glm</a:t>
+            </a:r>
+            <a:r>
+              <a:rPr kumimoji="1" lang="en-US" altLang="ja-JP" dirty="0"/>
+              <a:t>)</a:t>
+            </a:r>
+            <a:endParaRPr kumimoji="1" lang="ja-JP" altLang="en-US"/>
+          </a:p>
+        </p:txBody>
+      </p:sp>
+    </p:spTree>
+    <p:extLst>
+      <p:ext uri="{BB962C8B-B14F-4D97-AF65-F5344CB8AC3E}">
+        <p14:creationId xmlns:p14="http://schemas.microsoft.com/office/powerpoint/2010/main" val="2447858462"/>
       </p:ext>
     </p:extLst>
   </p:cSld>
